--- a/ServerLecture/PT/1강 네트워크 사전 지식.pptx
+++ b/ServerLecture/PT/1강 네트워크 사전 지식.pptx
@@ -5,34 +5,39 @@
     <p:sldMasterId id="2147483648" r:id="rId1"/>
   </p:sldMasterIdLst>
   <p:notesMasterIdLst>
-    <p:notesMasterId r:id="rId27"/>
+    <p:notesMasterId r:id="rId32"/>
   </p:notesMasterIdLst>
   <p:sldIdLst>
     <p:sldId id="256" r:id="rId2"/>
     <p:sldId id="257" r:id="rId3"/>
-    <p:sldId id="278" r:id="rId4"/>
-    <p:sldId id="277" r:id="rId5"/>
-    <p:sldId id="279" r:id="rId6"/>
-    <p:sldId id="259" r:id="rId7"/>
-    <p:sldId id="280" r:id="rId8"/>
-    <p:sldId id="258" r:id="rId9"/>
-    <p:sldId id="260" r:id="rId10"/>
-    <p:sldId id="261" r:id="rId11"/>
-    <p:sldId id="262" r:id="rId12"/>
-    <p:sldId id="263" r:id="rId13"/>
-    <p:sldId id="264" r:id="rId14"/>
-    <p:sldId id="265" r:id="rId15"/>
-    <p:sldId id="266" r:id="rId16"/>
-    <p:sldId id="267" r:id="rId17"/>
-    <p:sldId id="268" r:id="rId18"/>
-    <p:sldId id="274" r:id="rId19"/>
-    <p:sldId id="269" r:id="rId20"/>
-    <p:sldId id="270" r:id="rId21"/>
-    <p:sldId id="271" r:id="rId22"/>
-    <p:sldId id="272" r:id="rId23"/>
-    <p:sldId id="273" r:id="rId24"/>
-    <p:sldId id="275" r:id="rId25"/>
-    <p:sldId id="276" r:id="rId26"/>
+    <p:sldId id="281" r:id="rId4"/>
+    <p:sldId id="278" r:id="rId5"/>
+    <p:sldId id="277" r:id="rId6"/>
+    <p:sldId id="279" r:id="rId7"/>
+    <p:sldId id="259" r:id="rId8"/>
+    <p:sldId id="280" r:id="rId9"/>
+    <p:sldId id="258" r:id="rId10"/>
+    <p:sldId id="260" r:id="rId11"/>
+    <p:sldId id="282" r:id="rId12"/>
+    <p:sldId id="261" r:id="rId13"/>
+    <p:sldId id="262" r:id="rId14"/>
+    <p:sldId id="263" r:id="rId15"/>
+    <p:sldId id="283" r:id="rId16"/>
+    <p:sldId id="264" r:id="rId17"/>
+    <p:sldId id="265" r:id="rId18"/>
+    <p:sldId id="266" r:id="rId19"/>
+    <p:sldId id="267" r:id="rId20"/>
+    <p:sldId id="284" r:id="rId21"/>
+    <p:sldId id="268" r:id="rId22"/>
+    <p:sldId id="274" r:id="rId23"/>
+    <p:sldId id="269" r:id="rId24"/>
+    <p:sldId id="270" r:id="rId25"/>
+    <p:sldId id="271" r:id="rId26"/>
+    <p:sldId id="285" r:id="rId27"/>
+    <p:sldId id="272" r:id="rId28"/>
+    <p:sldId id="273" r:id="rId29"/>
+    <p:sldId id="275" r:id="rId30"/>
+    <p:sldId id="276" r:id="rId31"/>
   </p:sldIdLst>
   <p:sldSz cx="12192000" cy="6858000"/>
   <p:notesSz cx="6858000" cy="9144000"/>
@@ -221,7 +226,7 @@
           <a:p>
             <a:fld id="{9F38EF70-A3C6-4744-A0C7-7E69F2A4CDE1}" type="datetimeFigureOut">
               <a:rPr lang="ko-KR" altLang="en-US" smtClean="0"/>
-              <a:t>2023-08-18</a:t>
+              <a:t>2023-08-19</a:t>
             </a:fld>
             <a:endParaRPr lang="ko-KR" altLang="en-US"/>
           </a:p>
@@ -572,6 +577,90 @@
 </p:notes>
 </file>
 
+<file path=ppt/notesSlides/notesSlide2.xml><?xml version="1.0" encoding="utf-8"?>
+<p:notes xmlns:a="http://schemas.openxmlformats.org/drawingml/2006/main" xmlns:r="http://schemas.openxmlformats.org/officeDocument/2006/relationships" xmlns:p="http://schemas.openxmlformats.org/presentationml/2006/main">
+  <p:cSld>
+    <p:spTree>
+      <p:nvGrpSpPr>
+        <p:cNvPr id="1" name=""/>
+        <p:cNvGrpSpPr/>
+        <p:nvPr/>
+      </p:nvGrpSpPr>
+      <p:grpSpPr>
+        <a:xfrm>
+          <a:off x="0" y="0"/>
+          <a:ext cx="0" cy="0"/>
+          <a:chOff x="0" y="0"/>
+          <a:chExt cx="0" cy="0"/>
+        </a:xfrm>
+      </p:grpSpPr>
+      <p:sp>
+        <p:nvSpPr>
+          <p:cNvPr id="2" name="슬라이드 이미지 개체 틀 1"/>
+          <p:cNvSpPr>
+            <a:spLocks noGrp="1" noRot="1" noChangeAspect="1"/>
+          </p:cNvSpPr>
+          <p:nvPr>
+            <p:ph type="sldImg"/>
+          </p:nvPr>
+        </p:nvSpPr>
+        <p:spPr/>
+      </p:sp>
+      <p:sp>
+        <p:nvSpPr>
+          <p:cNvPr id="3" name="슬라이드 노트 개체 틀 2"/>
+          <p:cNvSpPr>
+            <a:spLocks noGrp="1"/>
+          </p:cNvSpPr>
+          <p:nvPr>
+            <p:ph type="body" idx="1"/>
+          </p:nvPr>
+        </p:nvSpPr>
+        <p:spPr/>
+        <p:txBody>
+          <a:bodyPr/>
+          <a:lstStyle/>
+          <a:p>
+            <a:endParaRPr lang="ko-KR" altLang="en-US" dirty="0"/>
+          </a:p>
+        </p:txBody>
+      </p:sp>
+      <p:sp>
+        <p:nvSpPr>
+          <p:cNvPr id="4" name="슬라이드 번호 개체 틀 3"/>
+          <p:cNvSpPr>
+            <a:spLocks noGrp="1"/>
+          </p:cNvSpPr>
+          <p:nvPr>
+            <p:ph type="sldNum" sz="quarter" idx="5"/>
+          </p:nvPr>
+        </p:nvSpPr>
+        <p:spPr/>
+        <p:txBody>
+          <a:bodyPr/>
+          <a:lstStyle/>
+          <a:p>
+            <a:fld id="{D8DCC404-E41A-4BC0-921C-BBFB3AB1AB4E}" type="slidenum">
+              <a:rPr lang="ko-KR" altLang="en-US" smtClean="0"/>
+              <a:t>3</a:t>
+            </a:fld>
+            <a:endParaRPr lang="ko-KR" altLang="en-US"/>
+          </a:p>
+        </p:txBody>
+      </p:sp>
+    </p:spTree>
+    <p:extLst>
+      <p:ext uri="{BB962C8B-B14F-4D97-AF65-F5344CB8AC3E}">
+        <p14:creationId xmlns:p14="http://schemas.microsoft.com/office/powerpoint/2010/main" val="2525112418"/>
+      </p:ext>
+    </p:extLst>
+  </p:cSld>
+  <p:clrMapOvr>
+    <a:masterClrMapping/>
+  </p:clrMapOvr>
+</p:notes>
+</file>
+
 <file path=ppt/slideLayouts/slideLayout1.xml><?xml version="1.0" encoding="utf-8"?>
 <p:sldLayout xmlns:a="http://schemas.openxmlformats.org/drawingml/2006/main" xmlns:r="http://schemas.openxmlformats.org/officeDocument/2006/relationships" xmlns:p="http://schemas.openxmlformats.org/presentationml/2006/main" type="title" preserve="1">
   <p:cSld name="제목 슬라이드">
@@ -719,7 +808,7 @@
           <a:p>
             <a:fld id="{F1041C39-2947-4515-B6CA-3C2FD3810A02}" type="datetimeFigureOut">
               <a:rPr lang="ko-KR" altLang="en-US" smtClean="0"/>
-              <a:t>2023-08-18</a:t>
+              <a:t>2023-08-19</a:t>
             </a:fld>
             <a:endParaRPr lang="ko-KR" altLang="en-US"/>
           </a:p>
@@ -917,7 +1006,7 @@
           <a:p>
             <a:fld id="{F1041C39-2947-4515-B6CA-3C2FD3810A02}" type="datetimeFigureOut">
               <a:rPr lang="ko-KR" altLang="en-US" smtClean="0"/>
-              <a:t>2023-08-18</a:t>
+              <a:t>2023-08-19</a:t>
             </a:fld>
             <a:endParaRPr lang="ko-KR" altLang="en-US"/>
           </a:p>
@@ -1125,7 +1214,7 @@
           <a:p>
             <a:fld id="{F1041C39-2947-4515-B6CA-3C2FD3810A02}" type="datetimeFigureOut">
               <a:rPr lang="ko-KR" altLang="en-US" smtClean="0"/>
-              <a:t>2023-08-18</a:t>
+              <a:t>2023-08-19</a:t>
             </a:fld>
             <a:endParaRPr lang="ko-KR" altLang="en-US"/>
           </a:p>
@@ -1323,7 +1412,7 @@
           <a:p>
             <a:fld id="{F1041C39-2947-4515-B6CA-3C2FD3810A02}" type="datetimeFigureOut">
               <a:rPr lang="ko-KR" altLang="en-US" smtClean="0"/>
-              <a:t>2023-08-18</a:t>
+              <a:t>2023-08-19</a:t>
             </a:fld>
             <a:endParaRPr lang="ko-KR" altLang="en-US"/>
           </a:p>
@@ -1598,7 +1687,7 @@
           <a:p>
             <a:fld id="{F1041C39-2947-4515-B6CA-3C2FD3810A02}" type="datetimeFigureOut">
               <a:rPr lang="ko-KR" altLang="en-US" smtClean="0"/>
-              <a:t>2023-08-18</a:t>
+              <a:t>2023-08-19</a:t>
             </a:fld>
             <a:endParaRPr lang="ko-KR" altLang="en-US"/>
           </a:p>
@@ -1863,7 +1952,7 @@
           <a:p>
             <a:fld id="{F1041C39-2947-4515-B6CA-3C2FD3810A02}" type="datetimeFigureOut">
               <a:rPr lang="ko-KR" altLang="en-US" smtClean="0"/>
-              <a:t>2023-08-18</a:t>
+              <a:t>2023-08-19</a:t>
             </a:fld>
             <a:endParaRPr lang="ko-KR" altLang="en-US"/>
           </a:p>
@@ -2275,7 +2364,7 @@
           <a:p>
             <a:fld id="{F1041C39-2947-4515-B6CA-3C2FD3810A02}" type="datetimeFigureOut">
               <a:rPr lang="ko-KR" altLang="en-US" smtClean="0"/>
-              <a:t>2023-08-18</a:t>
+              <a:t>2023-08-19</a:t>
             </a:fld>
             <a:endParaRPr lang="ko-KR" altLang="en-US"/>
           </a:p>
@@ -2416,7 +2505,7 @@
           <a:p>
             <a:fld id="{F1041C39-2947-4515-B6CA-3C2FD3810A02}" type="datetimeFigureOut">
               <a:rPr lang="ko-KR" altLang="en-US" smtClean="0"/>
-              <a:t>2023-08-18</a:t>
+              <a:t>2023-08-19</a:t>
             </a:fld>
             <a:endParaRPr lang="ko-KR" altLang="en-US"/>
           </a:p>
@@ -2529,7 +2618,7 @@
           <a:p>
             <a:fld id="{F1041C39-2947-4515-B6CA-3C2FD3810A02}" type="datetimeFigureOut">
               <a:rPr lang="ko-KR" altLang="en-US" smtClean="0"/>
-              <a:t>2023-08-18</a:t>
+              <a:t>2023-08-19</a:t>
             </a:fld>
             <a:endParaRPr lang="ko-KR" altLang="en-US"/>
           </a:p>
@@ -2840,7 +2929,7 @@
           <a:p>
             <a:fld id="{F1041C39-2947-4515-B6CA-3C2FD3810A02}" type="datetimeFigureOut">
               <a:rPr lang="ko-KR" altLang="en-US" smtClean="0"/>
-              <a:t>2023-08-18</a:t>
+              <a:t>2023-08-19</a:t>
             </a:fld>
             <a:endParaRPr lang="ko-KR" altLang="en-US"/>
           </a:p>
@@ -3128,7 +3217,7 @@
           <a:p>
             <a:fld id="{F1041C39-2947-4515-B6CA-3C2FD3810A02}" type="datetimeFigureOut">
               <a:rPr lang="ko-KR" altLang="en-US" smtClean="0"/>
-              <a:t>2023-08-18</a:t>
+              <a:t>2023-08-19</a:t>
             </a:fld>
             <a:endParaRPr lang="ko-KR" altLang="en-US"/>
           </a:p>
@@ -3369,7 +3458,7 @@
           <a:p>
             <a:fld id="{F1041C39-2947-4515-B6CA-3C2FD3810A02}" type="datetimeFigureOut">
               <a:rPr lang="ko-KR" altLang="en-US" smtClean="0"/>
-              <a:t>2023-08-18</a:t>
+              <a:t>2023-08-19</a:t>
             </a:fld>
             <a:endParaRPr lang="ko-KR" altLang="en-US"/>
           </a:p>
@@ -3924,10 +4013,10 @@
       </p:grpSpPr>
       <p:sp>
         <p:nvSpPr>
-          <p:cNvPr id="2" name="직사각형 1">
-            <a:extLst>
-              <a:ext uri="{FF2B5EF4-FFF2-40B4-BE49-F238E27FC236}">
-                <a16:creationId xmlns:a16="http://schemas.microsoft.com/office/drawing/2014/main" id="{54E2CD7B-74A6-44AA-A46D-C26DA263A8E7}"/>
+          <p:cNvPr id="19" name="직사각형 18">
+            <a:extLst>
+              <a:ext uri="{FF2B5EF4-FFF2-40B4-BE49-F238E27FC236}">
+                <a16:creationId xmlns:a16="http://schemas.microsoft.com/office/drawing/2014/main" id="{B358466D-FADB-4396-9ABF-9F4B712698BA}"/>
               </a:ext>
             </a:extLst>
           </p:cNvPr>
@@ -3936,8 +4025,8 @@
         </p:nvSpPr>
         <p:spPr>
           <a:xfrm>
-            <a:off x="0" y="339365"/>
-            <a:ext cx="3619893" cy="1221117"/>
+            <a:off x="0" y="2582771"/>
+            <a:ext cx="12192000" cy="1692458"/>
           </a:xfrm>
           <a:prstGeom prst="rect">
             <a:avLst/>
@@ -3980,102 +4069,10 @@
           </a:p>
         </p:txBody>
       </p:sp>
-      <p:sp>
-        <p:nvSpPr>
-          <p:cNvPr id="3" name="직사각형 2">
-            <a:extLst>
-              <a:ext uri="{FF2B5EF4-FFF2-40B4-BE49-F238E27FC236}">
-                <a16:creationId xmlns:a16="http://schemas.microsoft.com/office/drawing/2014/main" id="{337B8CA6-0479-4E25-8206-9F9BBB1ECBC6}"/>
-              </a:ext>
-            </a:extLst>
-          </p:cNvPr>
-          <p:cNvSpPr/>
-          <p:nvPr/>
-        </p:nvSpPr>
-        <p:spPr>
-          <a:xfrm>
-            <a:off x="3587298" y="2741886"/>
-            <a:ext cx="5017399" cy="707886"/>
-          </a:xfrm>
-          <a:prstGeom prst="rect">
-            <a:avLst/>
-          </a:prstGeom>
-        </p:spPr>
-        <p:txBody>
-          <a:bodyPr wrap="none">
-            <a:spAutoFit/>
-          </a:bodyPr>
-          <a:lstStyle/>
-          <a:p>
-            <a:r>
-              <a:rPr lang="en-US" altLang="ko-KR" sz="4000" b="1" dirty="0">
-                <a:latin typeface="배달의민족 주아" panose="02020603020101020101" pitchFamily="18" charset="-127"/>
-                <a:ea typeface="배달의민족 주아" panose="02020603020101020101" pitchFamily="18" charset="-127"/>
-              </a:rPr>
-              <a:t>PEER-TO-PEER (P2P)</a:t>
-            </a:r>
-            <a:endParaRPr lang="ko-KR" altLang="en-US" sz="4000" b="1" dirty="0">
-              <a:latin typeface="배달의민족 주아" panose="02020603020101020101" pitchFamily="18" charset="-127"/>
-              <a:ea typeface="배달의민족 주아" panose="02020603020101020101" pitchFamily="18" charset="-127"/>
-            </a:endParaRPr>
-          </a:p>
-        </p:txBody>
-      </p:sp>
-      <p:sp>
-        <p:nvSpPr>
-          <p:cNvPr id="19" name="직사각형 18">
-            <a:extLst>
-              <a:ext uri="{FF2B5EF4-FFF2-40B4-BE49-F238E27FC236}">
-                <a16:creationId xmlns:a16="http://schemas.microsoft.com/office/drawing/2014/main" id="{AB498B63-3B59-4563-AAEA-A95AF69653AE}"/>
-              </a:ext>
-            </a:extLst>
-          </p:cNvPr>
-          <p:cNvSpPr/>
-          <p:nvPr/>
-        </p:nvSpPr>
-        <p:spPr>
-          <a:xfrm>
-            <a:off x="3824381" y="4277233"/>
-            <a:ext cx="4543231" cy="707886"/>
-          </a:xfrm>
-          <a:prstGeom prst="rect">
-            <a:avLst/>
-          </a:prstGeom>
-        </p:spPr>
-        <p:txBody>
-          <a:bodyPr wrap="none">
-            <a:spAutoFit/>
-          </a:bodyPr>
-          <a:lstStyle/>
-          <a:p>
-            <a:r>
-              <a:rPr lang="ko-KR" altLang="en-US" sz="4000" b="1" dirty="0">
-                <a:latin typeface="배달의민족 주아" panose="02020603020101020101" pitchFamily="18" charset="-127"/>
-                <a:ea typeface="배달의민족 주아" panose="02020603020101020101" pitchFamily="18" charset="-127"/>
-              </a:rPr>
-              <a:t>클라이언트 </a:t>
-            </a:r>
-            <a:r>
-              <a:rPr lang="en-US" altLang="ko-KR" sz="4000" b="1" dirty="0">
-                <a:latin typeface="배달의민족 주아" panose="02020603020101020101" pitchFamily="18" charset="-127"/>
-                <a:ea typeface="배달의민족 주아" panose="02020603020101020101" pitchFamily="18" charset="-127"/>
-              </a:rPr>
-              <a:t>- </a:t>
-            </a:r>
-            <a:r>
-              <a:rPr lang="ko-KR" altLang="en-US" sz="4000" b="1" dirty="0">
-                <a:latin typeface="배달의민족 주아" panose="02020603020101020101" pitchFamily="18" charset="-127"/>
-                <a:ea typeface="배달의민족 주아" panose="02020603020101020101" pitchFamily="18" charset="-127"/>
-              </a:rPr>
-              <a:t>서버 모델</a:t>
-            </a:r>
-          </a:p>
-        </p:txBody>
-      </p:sp>
     </p:spTree>
     <p:extLst>
       <p:ext uri="{BB962C8B-B14F-4D97-AF65-F5344CB8AC3E}">
-        <p14:creationId xmlns:p14="http://schemas.microsoft.com/office/powerpoint/2010/main" val="3154505465"/>
+        <p14:creationId xmlns:p14="http://schemas.microsoft.com/office/powerpoint/2010/main" val="1496136177"/>
       </p:ext>
     </p:extLst>
   </p:cSld>
@@ -4102,42 +4099,6 @@
           <a:chExt cx="0" cy="0"/>
         </a:xfrm>
       </p:grpSpPr>
-      <p:pic>
-        <p:nvPicPr>
-          <p:cNvPr id="7" name="그림 6">
-            <a:extLst>
-              <a:ext uri="{FF2B5EF4-FFF2-40B4-BE49-F238E27FC236}">
-                <a16:creationId xmlns:a16="http://schemas.microsoft.com/office/drawing/2014/main" id="{8B8FF3EB-3274-4730-A714-8246EB08C7CE}"/>
-              </a:ext>
-            </a:extLst>
-          </p:cNvPr>
-          <p:cNvPicPr>
-            <a:picLocks noChangeAspect="1"/>
-          </p:cNvPicPr>
-          <p:nvPr/>
-        </p:nvPicPr>
-        <p:blipFill>
-          <a:blip r:embed="rId2">
-            <a:extLst>
-              <a:ext uri="{28A0092B-C50C-407E-A947-70E740481C1C}">
-                <a14:useLocalDpi xmlns:a14="http://schemas.microsoft.com/office/drawing/2010/main" val="0"/>
-              </a:ext>
-            </a:extLst>
-          </a:blip>
-          <a:stretch>
-            <a:fillRect/>
-          </a:stretch>
-        </p:blipFill>
-        <p:spPr>
-          <a:xfrm>
-            <a:off x="708139" y="0"/>
-            <a:ext cx="10775722" cy="6858000"/>
-          </a:xfrm>
-          <a:prstGeom prst="rect">
-            <a:avLst/>
-          </a:prstGeom>
-        </p:spPr>
-      </p:pic>
       <p:sp>
         <p:nvSpPr>
           <p:cNvPr id="2" name="직사각형 1">
@@ -4184,31 +4145,24 @@
           <a:p>
             <a:pPr algn="ctr"/>
             <a:r>
-              <a:rPr lang="en-US" altLang="ko-KR" sz="4800" dirty="0">
+              <a:rPr lang="ko-KR" altLang="en-US" sz="4800" dirty="0">
                 <a:solidFill>
                   <a:schemeClr val="bg1"/>
                 </a:solidFill>
                 <a:latin typeface="태나다체 " panose="02000000000000000000" pitchFamily="2" charset="-127"/>
                 <a:ea typeface="태나다체 " panose="02000000000000000000" pitchFamily="2" charset="-127"/>
               </a:rPr>
-              <a:t>P2P</a:t>
-            </a:r>
-            <a:endParaRPr lang="ko-KR" altLang="en-US" sz="4800" dirty="0">
-              <a:solidFill>
-                <a:schemeClr val="bg1"/>
-              </a:solidFill>
-              <a:latin typeface="태나다체 " panose="02000000000000000000" pitchFamily="2" charset="-127"/>
-              <a:ea typeface="태나다체 " panose="02000000000000000000" pitchFamily="2" charset="-127"/>
-            </a:endParaRPr>
-          </a:p>
-        </p:txBody>
-      </p:sp>
-      <p:sp>
-        <p:nvSpPr>
-          <p:cNvPr id="8" name="TextBox 7">
-            <a:extLst>
-              <a:ext uri="{FF2B5EF4-FFF2-40B4-BE49-F238E27FC236}">
-                <a16:creationId xmlns:a16="http://schemas.microsoft.com/office/drawing/2014/main" id="{DB0AA005-569E-4CD7-8B43-264C82B70BE8}"/>
+              <a:t>서버의 종류</a:t>
+            </a:r>
+          </a:p>
+        </p:txBody>
+      </p:sp>
+      <p:sp>
+        <p:nvSpPr>
+          <p:cNvPr id="15" name="TextBox 14">
+            <a:extLst>
+              <a:ext uri="{FF2B5EF4-FFF2-40B4-BE49-F238E27FC236}">
+                <a16:creationId xmlns:a16="http://schemas.microsoft.com/office/drawing/2014/main" id="{E419FB9C-9461-4191-AAED-0CB6FDC704ED}"/>
               </a:ext>
             </a:extLst>
           </p:cNvPr>
@@ -4217,8 +4171,8 @@
         </p:nvSpPr>
         <p:spPr>
           <a:xfrm>
-            <a:off x="4781065" y="442091"/>
-            <a:ext cx="6007261" cy="1015663"/>
+            <a:off x="983530" y="2033393"/>
+            <a:ext cx="4033101" cy="923330"/>
           </a:xfrm>
           <a:prstGeom prst="rect">
             <a:avLst/>
@@ -4233,15 +4187,546 @@
           <a:p>
             <a:pPr algn="ctr"/>
             <a:r>
-              <a:rPr lang="en-US" altLang="ko-KR" sz="6000" dirty="0">
-                <a:latin typeface="태나다체 " panose="02000000000000000000" pitchFamily="2" charset="-127"/>
-                <a:ea typeface="태나다체 " panose="02000000000000000000" pitchFamily="2" charset="-127"/>
-              </a:rPr>
-              <a:t>PEER TO PEER</a:t>
-            </a:r>
-            <a:endParaRPr lang="ko-KR" altLang="en-US" sz="6000" dirty="0">
-              <a:latin typeface="태나다체 " panose="02000000000000000000" pitchFamily="2" charset="-127"/>
-              <a:ea typeface="태나다체 " panose="02000000000000000000" pitchFamily="2" charset="-127"/>
+              <a:rPr lang="ko-KR" altLang="en-US" sz="5400" dirty="0">
+                <a:latin typeface="배달의민족 주아" panose="02020603020101020101" pitchFamily="18" charset="-127"/>
+                <a:ea typeface="배달의민족 주아" panose="02020603020101020101" pitchFamily="18" charset="-127"/>
+              </a:rPr>
+              <a:t>웹 서버</a:t>
+            </a:r>
+          </a:p>
+        </p:txBody>
+      </p:sp>
+      <p:sp>
+        <p:nvSpPr>
+          <p:cNvPr id="16" name="TextBox 15">
+            <a:extLst>
+              <a:ext uri="{FF2B5EF4-FFF2-40B4-BE49-F238E27FC236}">
+                <a16:creationId xmlns:a16="http://schemas.microsoft.com/office/drawing/2014/main" id="{94BC8CB0-6559-42DB-943A-A8E7E9812CEF}"/>
+              </a:ext>
+            </a:extLst>
+          </p:cNvPr>
+          <p:cNvSpPr txBox="1"/>
+          <p:nvPr/>
+        </p:nvSpPr>
+        <p:spPr>
+          <a:xfrm>
+            <a:off x="7175369" y="2033393"/>
+            <a:ext cx="4033101" cy="923330"/>
+          </a:xfrm>
+          <a:prstGeom prst="rect">
+            <a:avLst/>
+          </a:prstGeom>
+          <a:noFill/>
+        </p:spPr>
+        <p:txBody>
+          <a:bodyPr wrap="square" rtlCol="0">
+            <a:spAutoFit/>
+          </a:bodyPr>
+          <a:lstStyle/>
+          <a:p>
+            <a:pPr algn="ctr"/>
+            <a:r>
+              <a:rPr lang="ko-KR" altLang="en-US" sz="5400" dirty="0">
+                <a:latin typeface="배달의민족 주아" panose="02020603020101020101" pitchFamily="18" charset="-127"/>
+                <a:ea typeface="배달의민족 주아" panose="02020603020101020101" pitchFamily="18" charset="-127"/>
+              </a:rPr>
+              <a:t>게임 서버</a:t>
+            </a:r>
+          </a:p>
+        </p:txBody>
+      </p:sp>
+      <p:cxnSp>
+        <p:nvCxnSpPr>
+          <p:cNvPr id="4" name="직선 연결선 3">
+            <a:extLst>
+              <a:ext uri="{FF2B5EF4-FFF2-40B4-BE49-F238E27FC236}">
+                <a16:creationId xmlns:a16="http://schemas.microsoft.com/office/drawing/2014/main" id="{D7648EE5-0557-49E0-91E2-B14C6DD2497C}"/>
+              </a:ext>
+            </a:extLst>
+          </p:cNvPr>
+          <p:cNvCxnSpPr>
+            <a:cxnSpLocks/>
+          </p:cNvCxnSpPr>
+          <p:nvPr/>
+        </p:nvCxnSpPr>
+        <p:spPr>
+          <a:xfrm>
+            <a:off x="6077146" y="1923068"/>
+            <a:ext cx="0" cy="4934932"/>
+          </a:xfrm>
+          <a:prstGeom prst="line">
+            <a:avLst/>
+          </a:prstGeom>
+          <a:ln w="38100">
+            <a:solidFill>
+              <a:schemeClr val="tx1"/>
+            </a:solidFill>
+          </a:ln>
+        </p:spPr>
+        <p:style>
+          <a:lnRef idx="1">
+            <a:schemeClr val="accent1"/>
+          </a:lnRef>
+          <a:fillRef idx="0">
+            <a:schemeClr val="accent1"/>
+          </a:fillRef>
+          <a:effectRef idx="0">
+            <a:schemeClr val="accent1"/>
+          </a:effectRef>
+          <a:fontRef idx="minor">
+            <a:schemeClr val="tx1"/>
+          </a:fontRef>
+        </p:style>
+      </p:cxnSp>
+      <p:cxnSp>
+        <p:nvCxnSpPr>
+          <p:cNvPr id="17" name="직선 연결선 16">
+            <a:extLst>
+              <a:ext uri="{FF2B5EF4-FFF2-40B4-BE49-F238E27FC236}">
+                <a16:creationId xmlns:a16="http://schemas.microsoft.com/office/drawing/2014/main" id="{30BE4FAD-1065-4A69-A862-BADB14F035D8}"/>
+              </a:ext>
+            </a:extLst>
+          </p:cNvPr>
+          <p:cNvCxnSpPr>
+            <a:cxnSpLocks/>
+          </p:cNvCxnSpPr>
+          <p:nvPr/>
+        </p:nvCxnSpPr>
+        <p:spPr>
+          <a:xfrm>
+            <a:off x="0" y="1923068"/>
+            <a:ext cx="12192000" cy="0"/>
+          </a:xfrm>
+          <a:prstGeom prst="line">
+            <a:avLst/>
+          </a:prstGeom>
+          <a:ln w="38100">
+            <a:solidFill>
+              <a:schemeClr val="tx1"/>
+            </a:solidFill>
+          </a:ln>
+        </p:spPr>
+        <p:style>
+          <a:lnRef idx="1">
+            <a:schemeClr val="accent1"/>
+          </a:lnRef>
+          <a:fillRef idx="0">
+            <a:schemeClr val="accent1"/>
+          </a:fillRef>
+          <a:effectRef idx="0">
+            <a:schemeClr val="accent1"/>
+          </a:effectRef>
+          <a:fontRef idx="minor">
+            <a:schemeClr val="tx1"/>
+          </a:fontRef>
+        </p:style>
+      </p:cxnSp>
+      <p:sp>
+        <p:nvSpPr>
+          <p:cNvPr id="22" name="TextBox 21">
+            <a:extLst>
+              <a:ext uri="{FF2B5EF4-FFF2-40B4-BE49-F238E27FC236}">
+                <a16:creationId xmlns:a16="http://schemas.microsoft.com/office/drawing/2014/main" id="{0FE1F616-BF93-4F17-B30E-FCF1EAE2CBDB}"/>
+              </a:ext>
+            </a:extLst>
+          </p:cNvPr>
+          <p:cNvSpPr txBox="1"/>
+          <p:nvPr/>
+        </p:nvSpPr>
+        <p:spPr>
+          <a:xfrm>
+            <a:off x="1693292" y="3198638"/>
+            <a:ext cx="2613576" cy="461665"/>
+          </a:xfrm>
+          <a:prstGeom prst="rect">
+            <a:avLst/>
+          </a:prstGeom>
+          <a:noFill/>
+        </p:spPr>
+        <p:txBody>
+          <a:bodyPr wrap="square" rtlCol="0">
+            <a:spAutoFit/>
+          </a:bodyPr>
+          <a:lstStyle/>
+          <a:p>
+            <a:pPr algn="ctr"/>
+            <a:r>
+              <a:rPr lang="ko-KR" altLang="en-US" sz="2400" dirty="0">
+                <a:latin typeface="배달의민족 주아" panose="02020603020101020101" pitchFamily="18" charset="-127"/>
+                <a:ea typeface="배달의민족 주아" panose="02020603020101020101" pitchFamily="18" charset="-127"/>
+              </a:rPr>
+              <a:t>질의 </a:t>
+            </a:r>
+            <a:r>
+              <a:rPr lang="en-US" altLang="ko-KR" sz="2400" dirty="0">
+                <a:latin typeface="배달의민족 주아" panose="02020603020101020101" pitchFamily="18" charset="-127"/>
+                <a:ea typeface="배달의민족 주아" panose="02020603020101020101" pitchFamily="18" charset="-127"/>
+              </a:rPr>
+              <a:t>/ </a:t>
+            </a:r>
+            <a:r>
+              <a:rPr lang="ko-KR" altLang="en-US" sz="2400" dirty="0">
+                <a:latin typeface="배달의민족 주아" panose="02020603020101020101" pitchFamily="18" charset="-127"/>
+                <a:ea typeface="배달의민족 주아" panose="02020603020101020101" pitchFamily="18" charset="-127"/>
+              </a:rPr>
+              <a:t>응답 형태</a:t>
+            </a:r>
+          </a:p>
+        </p:txBody>
+      </p:sp>
+      <p:sp>
+        <p:nvSpPr>
+          <p:cNvPr id="9" name="TextBox 8">
+            <a:extLst>
+              <a:ext uri="{FF2B5EF4-FFF2-40B4-BE49-F238E27FC236}">
+                <a16:creationId xmlns:a16="http://schemas.microsoft.com/office/drawing/2014/main" id="{6020C365-5634-4FA4-B062-0E3A388DF52A}"/>
+              </a:ext>
+            </a:extLst>
+          </p:cNvPr>
+          <p:cNvSpPr txBox="1"/>
+          <p:nvPr/>
+        </p:nvSpPr>
+        <p:spPr>
+          <a:xfrm>
+            <a:off x="1693292" y="3909768"/>
+            <a:ext cx="2613576" cy="830997"/>
+          </a:xfrm>
+          <a:prstGeom prst="rect">
+            <a:avLst/>
+          </a:prstGeom>
+          <a:noFill/>
+        </p:spPr>
+        <p:txBody>
+          <a:bodyPr wrap="square" rtlCol="0">
+            <a:spAutoFit/>
+          </a:bodyPr>
+          <a:lstStyle/>
+          <a:p>
+            <a:pPr algn="ctr"/>
+            <a:r>
+              <a:rPr lang="ko-KR" altLang="en-US" sz="2400" dirty="0">
+                <a:latin typeface="배달의민족 주아" panose="02020603020101020101" pitchFamily="18" charset="-127"/>
+                <a:ea typeface="배달의민족 주아" panose="02020603020101020101" pitchFamily="18" charset="-127"/>
+              </a:rPr>
+              <a:t>요청에 대한 응답 후 연결 해제</a:t>
+            </a:r>
+          </a:p>
+        </p:txBody>
+      </p:sp>
+      <p:sp>
+        <p:nvSpPr>
+          <p:cNvPr id="12" name="TextBox 11">
+            <a:extLst>
+              <a:ext uri="{FF2B5EF4-FFF2-40B4-BE49-F238E27FC236}">
+                <a16:creationId xmlns:a16="http://schemas.microsoft.com/office/drawing/2014/main" id="{521A0770-8099-4CEE-965F-DA6AC4609632}"/>
+              </a:ext>
+            </a:extLst>
+          </p:cNvPr>
+          <p:cNvSpPr txBox="1"/>
+          <p:nvPr/>
+        </p:nvSpPr>
+        <p:spPr>
+          <a:xfrm>
+            <a:off x="7885131" y="3198638"/>
+            <a:ext cx="2613576" cy="461665"/>
+          </a:xfrm>
+          <a:prstGeom prst="rect">
+            <a:avLst/>
+          </a:prstGeom>
+          <a:noFill/>
+        </p:spPr>
+        <p:txBody>
+          <a:bodyPr wrap="square" rtlCol="0">
+            <a:spAutoFit/>
+          </a:bodyPr>
+          <a:lstStyle/>
+          <a:p>
+            <a:pPr algn="ctr"/>
+            <a:r>
+              <a:rPr lang="ko-KR" altLang="en-US" sz="2400" dirty="0">
+                <a:latin typeface="배달의민족 주아" panose="02020603020101020101" pitchFamily="18" charset="-127"/>
+                <a:ea typeface="배달의민족 주아" panose="02020603020101020101" pitchFamily="18" charset="-127"/>
+              </a:rPr>
+              <a:t>실시간 통신 형태</a:t>
+            </a:r>
+          </a:p>
+        </p:txBody>
+      </p:sp>
+      <p:sp>
+        <p:nvSpPr>
+          <p:cNvPr id="13" name="TextBox 12">
+            <a:extLst>
+              <a:ext uri="{FF2B5EF4-FFF2-40B4-BE49-F238E27FC236}">
+                <a16:creationId xmlns:a16="http://schemas.microsoft.com/office/drawing/2014/main" id="{F6EC3591-2DA2-4507-848E-29741AA0E1B4}"/>
+              </a:ext>
+            </a:extLst>
+          </p:cNvPr>
+          <p:cNvSpPr txBox="1"/>
+          <p:nvPr/>
+        </p:nvSpPr>
+        <p:spPr>
+          <a:xfrm>
+            <a:off x="7841338" y="3784267"/>
+            <a:ext cx="2701161" cy="461665"/>
+          </a:xfrm>
+          <a:prstGeom prst="rect">
+            <a:avLst/>
+          </a:prstGeom>
+          <a:noFill/>
+        </p:spPr>
+        <p:txBody>
+          <a:bodyPr wrap="square" rtlCol="0">
+            <a:spAutoFit/>
+          </a:bodyPr>
+          <a:lstStyle/>
+          <a:p>
+            <a:pPr algn="ctr"/>
+            <a:r>
+              <a:rPr lang="ko-KR" altLang="en-US" sz="2400" dirty="0">
+                <a:latin typeface="배달의민족 주아" panose="02020603020101020101" pitchFamily="18" charset="-127"/>
+                <a:ea typeface="배달의민족 주아" panose="02020603020101020101" pitchFamily="18" charset="-127"/>
+              </a:rPr>
+              <a:t>서버와 연결 상태 유지</a:t>
+            </a:r>
+          </a:p>
+        </p:txBody>
+      </p:sp>
+      <p:sp>
+        <p:nvSpPr>
+          <p:cNvPr id="14" name="TextBox 13">
+            <a:extLst>
+              <a:ext uri="{FF2B5EF4-FFF2-40B4-BE49-F238E27FC236}">
+                <a16:creationId xmlns:a16="http://schemas.microsoft.com/office/drawing/2014/main" id="{DCBC58D6-959F-45D1-A32B-BCA85EA08213}"/>
+              </a:ext>
+            </a:extLst>
+          </p:cNvPr>
+          <p:cNvSpPr txBox="1"/>
+          <p:nvPr/>
+        </p:nvSpPr>
+        <p:spPr>
+          <a:xfrm>
+            <a:off x="7841338" y="4388752"/>
+            <a:ext cx="2701161" cy="461665"/>
+          </a:xfrm>
+          <a:prstGeom prst="rect">
+            <a:avLst/>
+          </a:prstGeom>
+          <a:noFill/>
+        </p:spPr>
+        <p:txBody>
+          <a:bodyPr wrap="square" rtlCol="0">
+            <a:spAutoFit/>
+          </a:bodyPr>
+          <a:lstStyle/>
+          <a:p>
+            <a:pPr algn="ctr"/>
+            <a:r>
+              <a:rPr lang="ko-KR" altLang="en-US" sz="2400" dirty="0">
+                <a:latin typeface="배달의민족 주아" panose="02020603020101020101" pitchFamily="18" charset="-127"/>
+                <a:ea typeface="배달의민족 주아" panose="02020603020101020101" pitchFamily="18" charset="-127"/>
+              </a:rPr>
+              <a:t>대화 형식의 통신</a:t>
+            </a:r>
+          </a:p>
+        </p:txBody>
+      </p:sp>
+      <p:sp>
+        <p:nvSpPr>
+          <p:cNvPr id="18" name="TextBox 17">
+            <a:extLst>
+              <a:ext uri="{FF2B5EF4-FFF2-40B4-BE49-F238E27FC236}">
+                <a16:creationId xmlns:a16="http://schemas.microsoft.com/office/drawing/2014/main" id="{3B07B0F1-E258-475E-87BB-A3338880EC50}"/>
+              </a:ext>
+            </a:extLst>
+          </p:cNvPr>
+          <p:cNvSpPr txBox="1"/>
+          <p:nvPr/>
+        </p:nvSpPr>
+        <p:spPr>
+          <a:xfrm>
+            <a:off x="1731785" y="5152245"/>
+            <a:ext cx="2613576" cy="1354217"/>
+          </a:xfrm>
+          <a:prstGeom prst="rect">
+            <a:avLst/>
+          </a:prstGeom>
+          <a:noFill/>
+        </p:spPr>
+        <p:txBody>
+          <a:bodyPr wrap="square" rtlCol="0">
+            <a:spAutoFit/>
+          </a:bodyPr>
+          <a:lstStyle/>
+          <a:p>
+            <a:pPr algn="ctr"/>
+            <a:r>
+              <a:rPr lang="en-US" altLang="ko-KR" sz="1600" dirty="0">
+                <a:latin typeface="배달의민족 주아" panose="02020603020101020101" pitchFamily="18" charset="-127"/>
+                <a:ea typeface="배달의민족 주아" panose="02020603020101020101" pitchFamily="18" charset="-127"/>
+              </a:rPr>
+              <a:t>ASP.NET (C#)</a:t>
+            </a:r>
+          </a:p>
+          <a:p>
+            <a:pPr algn="ctr"/>
+            <a:r>
+              <a:rPr lang="en-US" altLang="ko-KR" sz="1600" dirty="0">
+                <a:latin typeface="배달의민족 주아" panose="02020603020101020101" pitchFamily="18" charset="-127"/>
+                <a:ea typeface="배달의민족 주아" panose="02020603020101020101" pitchFamily="18" charset="-127"/>
+              </a:rPr>
+              <a:t>Spring (Java)</a:t>
+            </a:r>
+          </a:p>
+          <a:p>
+            <a:pPr algn="ctr"/>
+            <a:r>
+              <a:rPr lang="en-US" altLang="ko-KR" sz="1600" dirty="0">
+                <a:latin typeface="배달의민족 주아" panose="02020603020101020101" pitchFamily="18" charset="-127"/>
+                <a:ea typeface="배달의민족 주아" panose="02020603020101020101" pitchFamily="18" charset="-127"/>
+              </a:rPr>
+              <a:t>NodeJS (</a:t>
+            </a:r>
+            <a:r>
+              <a:rPr lang="en-US" altLang="ko-KR" sz="1600" dirty="0" err="1">
+                <a:latin typeface="배달의민족 주아" panose="02020603020101020101" pitchFamily="18" charset="-127"/>
+                <a:ea typeface="배달의민족 주아" panose="02020603020101020101" pitchFamily="18" charset="-127"/>
+              </a:rPr>
+              <a:t>js</a:t>
+            </a:r>
+            <a:r>
+              <a:rPr lang="en-US" altLang="ko-KR" sz="1600" dirty="0">
+                <a:latin typeface="배달의민족 주아" panose="02020603020101020101" pitchFamily="18" charset="-127"/>
+                <a:ea typeface="배달의민족 주아" panose="02020603020101020101" pitchFamily="18" charset="-127"/>
+              </a:rPr>
+              <a:t>)</a:t>
+            </a:r>
+          </a:p>
+          <a:p>
+            <a:pPr algn="ctr"/>
+            <a:r>
+              <a:rPr lang="en-US" altLang="ko-KR" sz="1600" dirty="0">
+                <a:latin typeface="배달의민족 주아" panose="02020603020101020101" pitchFamily="18" charset="-127"/>
+                <a:ea typeface="배달의민족 주아" panose="02020603020101020101" pitchFamily="18" charset="-127"/>
+              </a:rPr>
+              <a:t>Django, Flask (</a:t>
+            </a:r>
+            <a:r>
+              <a:rPr lang="en-US" altLang="ko-KR" sz="1600" dirty="0" err="1">
+                <a:latin typeface="배달의민족 주아" panose="02020603020101020101" pitchFamily="18" charset="-127"/>
+                <a:ea typeface="배달의민족 주아" panose="02020603020101020101" pitchFamily="18" charset="-127"/>
+              </a:rPr>
+              <a:t>py</a:t>
+            </a:r>
+            <a:r>
+              <a:rPr lang="en-US" altLang="ko-KR" sz="1600" dirty="0">
+                <a:latin typeface="배달의민족 주아" panose="02020603020101020101" pitchFamily="18" charset="-127"/>
+                <a:ea typeface="배달의민족 주아" panose="02020603020101020101" pitchFamily="18" charset="-127"/>
+              </a:rPr>
+              <a:t>)</a:t>
+            </a:r>
+          </a:p>
+          <a:p>
+            <a:pPr algn="ctr"/>
+            <a:r>
+              <a:rPr lang="en-US" altLang="ko-KR" sz="1600" dirty="0">
+                <a:latin typeface="배달의민족 주아" panose="02020603020101020101" pitchFamily="18" charset="-127"/>
+                <a:ea typeface="배달의민족 주아" panose="02020603020101020101" pitchFamily="18" charset="-127"/>
+              </a:rPr>
+              <a:t>PHP</a:t>
+            </a:r>
+            <a:endParaRPr lang="ko-KR" altLang="en-US" sz="1600" dirty="0">
+              <a:latin typeface="배달의민족 주아" panose="02020603020101020101" pitchFamily="18" charset="-127"/>
+              <a:ea typeface="배달의민족 주아" panose="02020603020101020101" pitchFamily="18" charset="-127"/>
+            </a:endParaRPr>
+          </a:p>
+        </p:txBody>
+      </p:sp>
+      <p:sp>
+        <p:nvSpPr>
+          <p:cNvPr id="20" name="TextBox 19">
+            <a:extLst>
+              <a:ext uri="{FF2B5EF4-FFF2-40B4-BE49-F238E27FC236}">
+                <a16:creationId xmlns:a16="http://schemas.microsoft.com/office/drawing/2014/main" id="{F0DB452A-7CF7-49CE-8D35-1FB0A1E08934}"/>
+              </a:ext>
+            </a:extLst>
+          </p:cNvPr>
+          <p:cNvSpPr txBox="1"/>
+          <p:nvPr/>
+        </p:nvSpPr>
+        <p:spPr>
+          <a:xfrm>
+            <a:off x="7885130" y="5152245"/>
+            <a:ext cx="2613576" cy="1323439"/>
+          </a:xfrm>
+          <a:prstGeom prst="rect">
+            <a:avLst/>
+          </a:prstGeom>
+          <a:noFill/>
+        </p:spPr>
+        <p:txBody>
+          <a:bodyPr wrap="square" rtlCol="0">
+            <a:spAutoFit/>
+          </a:bodyPr>
+          <a:lstStyle/>
+          <a:p>
+            <a:pPr algn="ctr"/>
+            <a:r>
+              <a:rPr lang="ko-KR" altLang="en-US" sz="1600" dirty="0">
+                <a:latin typeface="배달의민족 주아" panose="02020603020101020101" pitchFamily="18" charset="-127"/>
+                <a:ea typeface="배달의민족 주아" panose="02020603020101020101" pitchFamily="18" charset="-127"/>
+              </a:rPr>
+              <a:t>프레임워크 </a:t>
+            </a:r>
+            <a:r>
+              <a:rPr lang="en-US" altLang="ko-KR" sz="1600" dirty="0">
+                <a:latin typeface="배달의민족 주아" panose="02020603020101020101" pitchFamily="18" charset="-127"/>
+                <a:ea typeface="배달의민족 주아" panose="02020603020101020101" pitchFamily="18" charset="-127"/>
+              </a:rPr>
+              <a:t>X</a:t>
+            </a:r>
+          </a:p>
+          <a:p>
+            <a:pPr algn="ctr"/>
+            <a:r>
+              <a:rPr lang="en-US" altLang="ko-KR" sz="1600" dirty="0">
+                <a:latin typeface="배달의민족 주아" panose="02020603020101020101" pitchFamily="18" charset="-127"/>
+                <a:ea typeface="배달의민족 주아" panose="02020603020101020101" pitchFamily="18" charset="-127"/>
+              </a:rPr>
+              <a:t>C++</a:t>
+            </a:r>
+          </a:p>
+          <a:p>
+            <a:pPr algn="ctr"/>
+            <a:r>
+              <a:rPr lang="en-US" altLang="ko-KR" sz="1600" dirty="0">
+                <a:latin typeface="배달의민족 주아" panose="02020603020101020101" pitchFamily="18" charset="-127"/>
+                <a:ea typeface="배달의민족 주아" panose="02020603020101020101" pitchFamily="18" charset="-127"/>
+              </a:rPr>
+              <a:t>C#</a:t>
+            </a:r>
+          </a:p>
+          <a:p>
+            <a:pPr algn="ctr"/>
+            <a:r>
+              <a:rPr lang="en-US" altLang="ko-KR" sz="1600" dirty="0">
+                <a:latin typeface="배달의민족 주아" panose="02020603020101020101" pitchFamily="18" charset="-127"/>
+                <a:ea typeface="배달의민족 주아" panose="02020603020101020101" pitchFamily="18" charset="-127"/>
+              </a:rPr>
+              <a:t>Java</a:t>
+            </a:r>
+          </a:p>
+          <a:p>
+            <a:pPr algn="ctr"/>
+            <a:r>
+              <a:rPr lang="en-US" altLang="ko-KR" sz="1600" dirty="0">
+                <a:latin typeface="배달의민족 주아" panose="02020603020101020101" pitchFamily="18" charset="-127"/>
+                <a:ea typeface="배달의민족 주아" panose="02020603020101020101" pitchFamily="18" charset="-127"/>
+              </a:rPr>
+              <a:t>JS</a:t>
+            </a:r>
+            <a:endParaRPr lang="ko-KR" altLang="en-US" sz="1600" dirty="0">
+              <a:latin typeface="배달의민족 주아" panose="02020603020101020101" pitchFamily="18" charset="-127"/>
+              <a:ea typeface="배달의민족 주아" panose="02020603020101020101" pitchFamily="18" charset="-127"/>
             </a:endParaRPr>
           </a:p>
         </p:txBody>
@@ -4249,7 +4734,7 @@
     </p:spTree>
     <p:extLst>
       <p:ext uri="{BB962C8B-B14F-4D97-AF65-F5344CB8AC3E}">
-        <p14:creationId xmlns:p14="http://schemas.microsoft.com/office/powerpoint/2010/main" val="2234343126"/>
+        <p14:creationId xmlns:p14="http://schemas.microsoft.com/office/powerpoint/2010/main" val="31533083"/>
       </p:ext>
     </p:extLst>
   </p:cSld>
@@ -4322,97 +4807,53 @@
           <a:p>
             <a:pPr algn="ctr"/>
             <a:r>
-              <a:rPr lang="en-US" altLang="ko-KR" sz="2800" dirty="0">
+              <a:rPr lang="ko-KR" altLang="en-US" sz="4800" dirty="0">
                 <a:solidFill>
                   <a:schemeClr val="bg1"/>
                 </a:solidFill>
                 <a:latin typeface="태나다체 " panose="02000000000000000000" pitchFamily="2" charset="-127"/>
                 <a:ea typeface="태나다체 " panose="02000000000000000000" pitchFamily="2" charset="-127"/>
               </a:rPr>
-              <a:t>Client – Server Model</a:t>
-            </a:r>
-            <a:endParaRPr lang="ko-KR" altLang="en-US" sz="2800" dirty="0">
-              <a:solidFill>
-                <a:schemeClr val="bg1"/>
-              </a:solidFill>
-              <a:latin typeface="태나다체 " panose="02000000000000000000" pitchFamily="2" charset="-127"/>
-              <a:ea typeface="태나다체 " panose="02000000000000000000" pitchFamily="2" charset="-127"/>
-            </a:endParaRPr>
-          </a:p>
-        </p:txBody>
-      </p:sp>
-      <p:pic>
-        <p:nvPicPr>
-          <p:cNvPr id="4" name="그림 3">
-            <a:extLst>
-              <a:ext uri="{FF2B5EF4-FFF2-40B4-BE49-F238E27FC236}">
-                <a16:creationId xmlns:a16="http://schemas.microsoft.com/office/drawing/2014/main" id="{857FEAA3-1975-4064-A2E3-8F8CC67396CA}"/>
-              </a:ext>
-            </a:extLst>
-          </p:cNvPr>
-          <p:cNvPicPr>
-            <a:picLocks noChangeAspect="1"/>
-          </p:cNvPicPr>
+              <a:t>서버의 종류</a:t>
+            </a:r>
+          </a:p>
+        </p:txBody>
+      </p:sp>
+      <p:sp>
+        <p:nvSpPr>
+          <p:cNvPr id="3" name="직사각형 2">
+            <a:extLst>
+              <a:ext uri="{FF2B5EF4-FFF2-40B4-BE49-F238E27FC236}">
+                <a16:creationId xmlns:a16="http://schemas.microsoft.com/office/drawing/2014/main" id="{337B8CA6-0479-4E25-8206-9F9BBB1ECBC6}"/>
+              </a:ext>
+            </a:extLst>
+          </p:cNvPr>
+          <p:cNvSpPr/>
           <p:nvPr/>
-        </p:nvPicPr>
-        <p:blipFill>
-          <a:blip r:embed="rId2">
-            <a:extLst>
-              <a:ext uri="{28A0092B-C50C-407E-A947-70E740481C1C}">
-                <a14:useLocalDpi xmlns:a14="http://schemas.microsoft.com/office/drawing/2010/main" val="0"/>
-              </a:ext>
-            </a:extLst>
-          </a:blip>
-          <a:stretch>
-            <a:fillRect/>
-          </a:stretch>
-        </p:blipFill>
-        <p:spPr>
-          <a:xfrm>
-            <a:off x="375602" y="0"/>
-            <a:ext cx="11440796" cy="6858000"/>
+        </p:nvSpPr>
+        <p:spPr>
+          <a:xfrm>
+            <a:off x="3587298" y="2741886"/>
+            <a:ext cx="5017399" cy="707886"/>
           </a:xfrm>
           <a:prstGeom prst="rect">
             <a:avLst/>
           </a:prstGeom>
         </p:spPr>
-      </p:pic>
-      <p:sp>
-        <p:nvSpPr>
-          <p:cNvPr id="5" name="TextBox 4">
-            <a:extLst>
-              <a:ext uri="{FF2B5EF4-FFF2-40B4-BE49-F238E27FC236}">
-                <a16:creationId xmlns:a16="http://schemas.microsoft.com/office/drawing/2014/main" id="{253ACD41-EFA4-4217-9ED7-B9BE934B2045}"/>
-              </a:ext>
-            </a:extLst>
-          </p:cNvPr>
-          <p:cNvSpPr txBox="1"/>
-          <p:nvPr/>
-        </p:nvSpPr>
-        <p:spPr>
-          <a:xfrm>
-            <a:off x="1713054" y="3440575"/>
-            <a:ext cx="926651" cy="461665"/>
-          </a:xfrm>
-          <a:prstGeom prst="rect">
-            <a:avLst/>
-          </a:prstGeom>
-          <a:noFill/>
-        </p:spPr>
-        <p:txBody>
-          <a:bodyPr wrap="square" rtlCol="0">
+        <p:txBody>
+          <a:bodyPr wrap="none">
             <a:spAutoFit/>
           </a:bodyPr>
           <a:lstStyle/>
           <a:p>
             <a:r>
-              <a:rPr lang="en-US" altLang="ko-KR" sz="2400" dirty="0">
+              <a:rPr lang="en-US" altLang="ko-KR" sz="4000" b="1" dirty="0">
                 <a:latin typeface="배달의민족 주아" panose="02020603020101020101" pitchFamily="18" charset="-127"/>
                 <a:ea typeface="배달의민족 주아" panose="02020603020101020101" pitchFamily="18" charset="-127"/>
               </a:rPr>
-              <a:t>client</a:t>
-            </a:r>
-            <a:endParaRPr lang="ko-KR" altLang="en-US" sz="2400" dirty="0">
+              <a:t>PEER-TO-PEER (P2P)</a:t>
+            </a:r>
+            <a:endParaRPr lang="ko-KR" altLang="en-US" sz="4000" b="1" dirty="0">
               <a:latin typeface="배달의민족 주아" panose="02020603020101020101" pitchFamily="18" charset="-127"/>
               <a:ea typeface="배달의민족 주아" panose="02020603020101020101" pitchFamily="18" charset="-127"/>
             </a:endParaRPr>
@@ -4421,177 +4862,59 @@
       </p:sp>
       <p:sp>
         <p:nvSpPr>
-          <p:cNvPr id="9" name="TextBox 8">
-            <a:extLst>
-              <a:ext uri="{FF2B5EF4-FFF2-40B4-BE49-F238E27FC236}">
-                <a16:creationId xmlns:a16="http://schemas.microsoft.com/office/drawing/2014/main" id="{6129C9A1-E79C-4AFB-89BF-AFD111D2E0EB}"/>
-              </a:ext>
-            </a:extLst>
-          </p:cNvPr>
-          <p:cNvSpPr txBox="1"/>
+          <p:cNvPr id="19" name="직사각형 18">
+            <a:extLst>
+              <a:ext uri="{FF2B5EF4-FFF2-40B4-BE49-F238E27FC236}">
+                <a16:creationId xmlns:a16="http://schemas.microsoft.com/office/drawing/2014/main" id="{AB498B63-3B59-4563-AAEA-A95AF69653AE}"/>
+              </a:ext>
+            </a:extLst>
+          </p:cNvPr>
+          <p:cNvSpPr/>
           <p:nvPr/>
         </p:nvSpPr>
         <p:spPr>
           <a:xfrm>
-            <a:off x="5465181" y="1357533"/>
-            <a:ext cx="926651" cy="461665"/>
+            <a:off x="3824381" y="4277233"/>
+            <a:ext cx="4543231" cy="707886"/>
           </a:xfrm>
           <a:prstGeom prst="rect">
             <a:avLst/>
           </a:prstGeom>
-          <a:noFill/>
-        </p:spPr>
-        <p:txBody>
-          <a:bodyPr wrap="square" rtlCol="0">
+        </p:spPr>
+        <p:txBody>
+          <a:bodyPr wrap="none">
             <a:spAutoFit/>
           </a:bodyPr>
           <a:lstStyle/>
           <a:p>
             <a:r>
-              <a:rPr lang="en-US" altLang="ko-KR" sz="2400" dirty="0">
+              <a:rPr lang="ko-KR" altLang="en-US" sz="4000" b="1" dirty="0">
                 <a:latin typeface="배달의민족 주아" panose="02020603020101020101" pitchFamily="18" charset="-127"/>
                 <a:ea typeface="배달의민족 주아" panose="02020603020101020101" pitchFamily="18" charset="-127"/>
               </a:rPr>
-              <a:t>client</a:t>
-            </a:r>
-            <a:endParaRPr lang="ko-KR" altLang="en-US" sz="2400" dirty="0">
-              <a:latin typeface="배달의민족 주아" panose="02020603020101020101" pitchFamily="18" charset="-127"/>
-              <a:ea typeface="배달의민족 주아" panose="02020603020101020101" pitchFamily="18" charset="-127"/>
-            </a:endParaRPr>
-          </a:p>
-        </p:txBody>
-      </p:sp>
-      <p:sp>
-        <p:nvSpPr>
-          <p:cNvPr id="10" name="TextBox 9">
-            <a:extLst>
-              <a:ext uri="{FF2B5EF4-FFF2-40B4-BE49-F238E27FC236}">
-                <a16:creationId xmlns:a16="http://schemas.microsoft.com/office/drawing/2014/main" id="{E43155D5-13B6-4BF6-A8B8-CEB5AA50B3BB}"/>
-              </a:ext>
-            </a:extLst>
-          </p:cNvPr>
-          <p:cNvSpPr txBox="1"/>
-          <p:nvPr/>
-        </p:nvSpPr>
-        <p:spPr>
-          <a:xfrm>
-            <a:off x="9470021" y="3426106"/>
-            <a:ext cx="926651" cy="461665"/>
-          </a:xfrm>
-          <a:prstGeom prst="rect">
-            <a:avLst/>
-          </a:prstGeom>
-          <a:noFill/>
-        </p:spPr>
-        <p:txBody>
-          <a:bodyPr wrap="square" rtlCol="0">
-            <a:spAutoFit/>
-          </a:bodyPr>
-          <a:lstStyle/>
-          <a:p>
-            <a:r>
-              <a:rPr lang="en-US" altLang="ko-KR" sz="2400" dirty="0">
+              <a:t>클라이언트 </a:t>
+            </a:r>
+            <a:r>
+              <a:rPr lang="en-US" altLang="ko-KR" sz="4000" b="1" dirty="0">
                 <a:latin typeface="배달의민족 주아" panose="02020603020101020101" pitchFamily="18" charset="-127"/>
                 <a:ea typeface="배달의민족 주아" panose="02020603020101020101" pitchFamily="18" charset="-127"/>
               </a:rPr>
-              <a:t>client</a:t>
-            </a:r>
-            <a:endParaRPr lang="ko-KR" altLang="en-US" sz="2400" dirty="0">
-              <a:latin typeface="배달의민족 주아" panose="02020603020101020101" pitchFamily="18" charset="-127"/>
-              <a:ea typeface="배달의민족 주아" panose="02020603020101020101" pitchFamily="18" charset="-127"/>
-            </a:endParaRPr>
-          </a:p>
-        </p:txBody>
-      </p:sp>
-      <p:sp>
-        <p:nvSpPr>
-          <p:cNvPr id="11" name="TextBox 10">
-            <a:extLst>
-              <a:ext uri="{FF2B5EF4-FFF2-40B4-BE49-F238E27FC236}">
-                <a16:creationId xmlns:a16="http://schemas.microsoft.com/office/drawing/2014/main" id="{928C1BFC-6BFD-43D0-8AC1-982E410C463A}"/>
-              </a:ext>
-            </a:extLst>
-          </p:cNvPr>
-          <p:cNvSpPr txBox="1"/>
-          <p:nvPr/>
-        </p:nvSpPr>
-        <p:spPr>
-          <a:xfrm>
-            <a:off x="5465180" y="5525946"/>
-            <a:ext cx="926651" cy="461665"/>
-          </a:xfrm>
-          <a:prstGeom prst="rect">
-            <a:avLst/>
-          </a:prstGeom>
-          <a:noFill/>
-        </p:spPr>
-        <p:txBody>
-          <a:bodyPr wrap="square" rtlCol="0">
-            <a:spAutoFit/>
-          </a:bodyPr>
-          <a:lstStyle/>
-          <a:p>
-            <a:r>
-              <a:rPr lang="en-US" altLang="ko-KR" sz="2400" dirty="0">
+              <a:t>- </a:t>
+            </a:r>
+            <a:r>
+              <a:rPr lang="ko-KR" altLang="en-US" sz="4000" b="1" dirty="0">
                 <a:latin typeface="배달의민족 주아" panose="02020603020101020101" pitchFamily="18" charset="-127"/>
                 <a:ea typeface="배달의민족 주아" panose="02020603020101020101" pitchFamily="18" charset="-127"/>
               </a:rPr>
-              <a:t>client</a:t>
-            </a:r>
-            <a:endParaRPr lang="ko-KR" altLang="en-US" sz="2400" dirty="0">
-              <a:latin typeface="배달의민족 주아" panose="02020603020101020101" pitchFamily="18" charset="-127"/>
-              <a:ea typeface="배달의민족 주아" panose="02020603020101020101" pitchFamily="18" charset="-127"/>
-            </a:endParaRPr>
-          </a:p>
-        </p:txBody>
-      </p:sp>
-      <p:sp>
-        <p:nvSpPr>
-          <p:cNvPr id="12" name="TextBox 11">
-            <a:extLst>
-              <a:ext uri="{FF2B5EF4-FFF2-40B4-BE49-F238E27FC236}">
-                <a16:creationId xmlns:a16="http://schemas.microsoft.com/office/drawing/2014/main" id="{3BACA2C3-000B-4A85-9858-8D808C6BDA96}"/>
-              </a:ext>
-            </a:extLst>
-          </p:cNvPr>
-          <p:cNvSpPr txBox="1"/>
-          <p:nvPr/>
-        </p:nvSpPr>
-        <p:spPr>
-          <a:xfrm>
-            <a:off x="5385121" y="3417425"/>
-            <a:ext cx="1166150" cy="461665"/>
-          </a:xfrm>
-          <a:prstGeom prst="rect">
-            <a:avLst/>
-          </a:prstGeom>
-          <a:noFill/>
-        </p:spPr>
-        <p:txBody>
-          <a:bodyPr wrap="square" rtlCol="0">
-            <a:spAutoFit/>
-          </a:bodyPr>
-          <a:lstStyle/>
-          <a:p>
-            <a:pPr algn="ctr"/>
-            <a:r>
-              <a:rPr lang="en-US" altLang="ko-KR" sz="2400" dirty="0">
-                <a:latin typeface="배달의민족 주아" panose="02020603020101020101" pitchFamily="18" charset="-127"/>
-                <a:ea typeface="배달의민족 주아" panose="02020603020101020101" pitchFamily="18" charset="-127"/>
-              </a:rPr>
-              <a:t>server</a:t>
-            </a:r>
-            <a:endParaRPr lang="ko-KR" altLang="en-US" sz="2400" dirty="0">
-              <a:latin typeface="배달의민족 주아" panose="02020603020101020101" pitchFamily="18" charset="-127"/>
-              <a:ea typeface="배달의민족 주아" panose="02020603020101020101" pitchFamily="18" charset="-127"/>
-            </a:endParaRPr>
+              <a:t>서버 모델</a:t>
+            </a:r>
           </a:p>
         </p:txBody>
       </p:sp>
     </p:spTree>
     <p:extLst>
       <p:ext uri="{BB962C8B-B14F-4D97-AF65-F5344CB8AC3E}">
-        <p14:creationId xmlns:p14="http://schemas.microsoft.com/office/powerpoint/2010/main" val="3740370598"/>
+        <p14:creationId xmlns:p14="http://schemas.microsoft.com/office/powerpoint/2010/main" val="3154505465"/>
       </p:ext>
     </p:extLst>
   </p:cSld>
@@ -4618,6 +4941,42 @@
           <a:chExt cx="0" cy="0"/>
         </a:xfrm>
       </p:grpSpPr>
+      <p:pic>
+        <p:nvPicPr>
+          <p:cNvPr id="7" name="그림 6">
+            <a:extLst>
+              <a:ext uri="{FF2B5EF4-FFF2-40B4-BE49-F238E27FC236}">
+                <a16:creationId xmlns:a16="http://schemas.microsoft.com/office/drawing/2014/main" id="{8B8FF3EB-3274-4730-A714-8246EB08C7CE}"/>
+              </a:ext>
+            </a:extLst>
+          </p:cNvPr>
+          <p:cNvPicPr>
+            <a:picLocks noChangeAspect="1"/>
+          </p:cNvPicPr>
+          <p:nvPr/>
+        </p:nvPicPr>
+        <p:blipFill>
+          <a:blip r:embed="rId2">
+            <a:extLst>
+              <a:ext uri="{28A0092B-C50C-407E-A947-70E740481C1C}">
+                <a14:useLocalDpi xmlns:a14="http://schemas.microsoft.com/office/drawing/2010/main" val="0"/>
+              </a:ext>
+            </a:extLst>
+          </a:blip>
+          <a:stretch>
+            <a:fillRect/>
+          </a:stretch>
+        </p:blipFill>
+        <p:spPr>
+          <a:xfrm>
+            <a:off x="708139" y="0"/>
+            <a:ext cx="10775722" cy="6858000"/>
+          </a:xfrm>
+          <a:prstGeom prst="rect">
+            <a:avLst/>
+          </a:prstGeom>
+        </p:spPr>
+      </p:pic>
       <p:sp>
         <p:nvSpPr>
           <p:cNvPr id="2" name="직사각형 1">
@@ -4671,72 +5030,65 @@
                 <a:latin typeface="태나다체 " panose="02000000000000000000" pitchFamily="2" charset="-127"/>
                 <a:ea typeface="태나다체 " panose="02000000000000000000" pitchFamily="2" charset="-127"/>
               </a:rPr>
-              <a:t>OSI 7</a:t>
-            </a:r>
-            <a:r>
-              <a:rPr lang="ko-KR" altLang="en-US" sz="4800" dirty="0">
-                <a:solidFill>
-                  <a:schemeClr val="bg1"/>
-                </a:solidFill>
+              <a:t>P2P</a:t>
+            </a:r>
+            <a:endParaRPr lang="ko-KR" altLang="en-US" sz="4800" dirty="0">
+              <a:solidFill>
+                <a:schemeClr val="bg1"/>
+              </a:solidFill>
+              <a:latin typeface="태나다체 " panose="02000000000000000000" pitchFamily="2" charset="-127"/>
+              <a:ea typeface="태나다체 " panose="02000000000000000000" pitchFamily="2" charset="-127"/>
+            </a:endParaRPr>
+          </a:p>
+        </p:txBody>
+      </p:sp>
+      <p:sp>
+        <p:nvSpPr>
+          <p:cNvPr id="8" name="TextBox 7">
+            <a:extLst>
+              <a:ext uri="{FF2B5EF4-FFF2-40B4-BE49-F238E27FC236}">
+                <a16:creationId xmlns:a16="http://schemas.microsoft.com/office/drawing/2014/main" id="{DB0AA005-569E-4CD7-8B43-264C82B70BE8}"/>
+              </a:ext>
+            </a:extLst>
+          </p:cNvPr>
+          <p:cNvSpPr txBox="1"/>
+          <p:nvPr/>
+        </p:nvSpPr>
+        <p:spPr>
+          <a:xfrm>
+            <a:off x="4781065" y="442091"/>
+            <a:ext cx="6007261" cy="1015663"/>
+          </a:xfrm>
+          <a:prstGeom prst="rect">
+            <a:avLst/>
+          </a:prstGeom>
+          <a:noFill/>
+        </p:spPr>
+        <p:txBody>
+          <a:bodyPr wrap="square" rtlCol="0">
+            <a:spAutoFit/>
+          </a:bodyPr>
+          <a:lstStyle/>
+          <a:p>
+            <a:pPr algn="ctr"/>
+            <a:r>
+              <a:rPr lang="en-US" altLang="ko-KR" sz="6000" dirty="0">
                 <a:latin typeface="태나다체 " panose="02000000000000000000" pitchFamily="2" charset="-127"/>
                 <a:ea typeface="태나다체 " panose="02000000000000000000" pitchFamily="2" charset="-127"/>
               </a:rPr>
-              <a:t>계층</a:t>
-            </a:r>
-          </a:p>
-        </p:txBody>
-      </p:sp>
-      <p:pic>
-        <p:nvPicPr>
-          <p:cNvPr id="2050" name="Picture 2" descr="네트워크/기본] 프로토콜(Protocol)이란? - OSI 7 계층 별 프로토콜 - 하나몬">
-            <a:extLst>
-              <a:ext uri="{FF2B5EF4-FFF2-40B4-BE49-F238E27FC236}">
-                <a16:creationId xmlns:a16="http://schemas.microsoft.com/office/drawing/2014/main" id="{F92B0B8C-8D59-4BF1-8937-52878CB96A08}"/>
-              </a:ext>
-            </a:extLst>
-          </p:cNvPr>
-          <p:cNvPicPr>
-            <a:picLocks noChangeAspect="1" noChangeArrowheads="1"/>
-          </p:cNvPicPr>
-          <p:nvPr/>
-        </p:nvPicPr>
-        <p:blipFill>
-          <a:blip r:embed="rId2">
-            <a:extLst>
-              <a:ext uri="{28A0092B-C50C-407E-A947-70E740481C1C}">
-                <a14:useLocalDpi xmlns:a14="http://schemas.microsoft.com/office/drawing/2010/main" val="0"/>
-              </a:ext>
-            </a:extLst>
-          </a:blip>
-          <a:srcRect/>
-          <a:stretch>
-            <a:fillRect/>
-          </a:stretch>
-        </p:blipFill>
-        <p:spPr bwMode="auto">
-          <a:xfrm>
-            <a:off x="4655917" y="546542"/>
-            <a:ext cx="6256498" cy="5764916"/>
-          </a:xfrm>
-          <a:prstGeom prst="rect">
-            <a:avLst/>
-          </a:prstGeom>
-          <a:noFill/>
-          <a:extLst>
-            <a:ext uri="{909E8E84-426E-40DD-AFC4-6F175D3DCCD1}">
-              <a14:hiddenFill xmlns:a14="http://schemas.microsoft.com/office/drawing/2010/main">
-                <a:solidFill>
-                  <a:srgbClr val="FFFFFF"/>
-                </a:solidFill>
-              </a14:hiddenFill>
-            </a:ext>
-          </a:extLst>
-        </p:spPr>
-      </p:pic>
+              <a:t>PEER TO PEER</a:t>
+            </a:r>
+            <a:endParaRPr lang="ko-KR" altLang="en-US" sz="6000" dirty="0">
+              <a:latin typeface="태나다체 " panose="02000000000000000000" pitchFamily="2" charset="-127"/>
+              <a:ea typeface="태나다체 " panose="02000000000000000000" pitchFamily="2" charset="-127"/>
+            </a:endParaRPr>
+          </a:p>
+        </p:txBody>
+      </p:sp>
     </p:spTree>
     <p:extLst>
       <p:ext uri="{BB962C8B-B14F-4D97-AF65-F5344CB8AC3E}">
-        <p14:creationId xmlns:p14="http://schemas.microsoft.com/office/powerpoint/2010/main" val="2229466712"/>
+        <p14:creationId xmlns:p14="http://schemas.microsoft.com/office/powerpoint/2010/main" val="2234343126"/>
       </p:ext>
     </p:extLst>
   </p:cSld>
@@ -4763,59 +5115,12 @@
           <a:chExt cx="0" cy="0"/>
         </a:xfrm>
       </p:grpSpPr>
-      <p:pic>
-        <p:nvPicPr>
-          <p:cNvPr id="2050" name="Picture 2" descr="네트워크/기본] 프로토콜(Protocol)이란? - OSI 7 계층 별 프로토콜 - 하나몬">
-            <a:extLst>
-              <a:ext uri="{FF2B5EF4-FFF2-40B4-BE49-F238E27FC236}">
-                <a16:creationId xmlns:a16="http://schemas.microsoft.com/office/drawing/2014/main" id="{F92B0B8C-8D59-4BF1-8937-52878CB96A08}"/>
-              </a:ext>
-            </a:extLst>
-          </p:cNvPr>
-          <p:cNvPicPr>
-            <a:picLocks noChangeAspect="1" noChangeArrowheads="1"/>
-          </p:cNvPicPr>
-          <p:nvPr/>
-        </p:nvPicPr>
-        <p:blipFill>
-          <a:blip r:embed="rId2">
-            <a:extLst>
-              <a:ext uri="{28A0092B-C50C-407E-A947-70E740481C1C}">
-                <a14:useLocalDpi xmlns:a14="http://schemas.microsoft.com/office/drawing/2010/main" val="0"/>
-              </a:ext>
-            </a:extLst>
-          </a:blip>
-          <a:srcRect/>
-          <a:stretch>
-            <a:fillRect/>
-          </a:stretch>
-        </p:blipFill>
-        <p:spPr bwMode="auto">
-          <a:xfrm>
-            <a:off x="4655917" y="546542"/>
-            <a:ext cx="6256498" cy="5764916"/>
-          </a:xfrm>
-          <a:prstGeom prst="rect">
-            <a:avLst/>
-          </a:prstGeom>
-          <a:noFill/>
-          <a:extLst>
-            <a:ext uri="{909E8E84-426E-40DD-AFC4-6F175D3DCCD1}">
-              <a14:hiddenFill xmlns:a14="http://schemas.microsoft.com/office/drawing/2010/main">
-                <a:solidFill>
-                  <a:srgbClr val="FFFFFF"/>
-                </a:solidFill>
-              </a14:hiddenFill>
-            </a:ext>
-          </a:extLst>
-        </p:spPr>
-      </p:pic>
-      <p:sp>
-        <p:nvSpPr>
-          <p:cNvPr id="3" name="직사각형 2">
-            <a:extLst>
-              <a:ext uri="{FF2B5EF4-FFF2-40B4-BE49-F238E27FC236}">
-                <a16:creationId xmlns:a16="http://schemas.microsoft.com/office/drawing/2014/main" id="{E0E6CBCD-70EC-4D37-8C17-44B46677B49D}"/>
+      <p:sp>
+        <p:nvSpPr>
+          <p:cNvPr id="2" name="직사각형 1">
+            <a:extLst>
+              <a:ext uri="{FF2B5EF4-FFF2-40B4-BE49-F238E27FC236}">
+                <a16:creationId xmlns:a16="http://schemas.microsoft.com/office/drawing/2014/main" id="{54E2CD7B-74A6-44AA-A46D-C26DA263A8E7}"/>
               </a:ext>
             </a:extLst>
           </p:cNvPr>
@@ -4824,16 +5129,14 @@
         </p:nvSpPr>
         <p:spPr>
           <a:xfrm>
-            <a:off x="0" y="0"/>
-            <a:ext cx="12192000" cy="6858000"/>
+            <a:off x="0" y="339365"/>
+            <a:ext cx="3619893" cy="1221117"/>
           </a:xfrm>
           <a:prstGeom prst="rect">
             <a:avLst/>
           </a:prstGeom>
           <a:solidFill>
-            <a:schemeClr val="tx1">
-              <a:alpha val="65000"/>
-            </a:schemeClr>
+            <a:schemeClr val="tx1"/>
           </a:solidFill>
         </p:spPr>
         <p:style>
@@ -4857,149 +5160,277 @@
           <a:lstStyle/>
           <a:p>
             <a:pPr algn="ctr"/>
-            <a:endParaRPr lang="ko-KR" altLang="en-US" sz="1600" dirty="0"/>
-          </a:p>
-        </p:txBody>
-      </p:sp>
-      <p:sp>
-        <p:nvSpPr>
-          <p:cNvPr id="2" name="직사각형 1">
-            <a:extLst>
-              <a:ext uri="{FF2B5EF4-FFF2-40B4-BE49-F238E27FC236}">
-                <a16:creationId xmlns:a16="http://schemas.microsoft.com/office/drawing/2014/main" id="{54E2CD7B-74A6-44AA-A46D-C26DA263A8E7}"/>
-              </a:ext>
-            </a:extLst>
-          </p:cNvPr>
-          <p:cNvSpPr/>
-          <p:nvPr/>
-        </p:nvSpPr>
-        <p:spPr>
-          <a:xfrm>
-            <a:off x="0" y="339365"/>
-            <a:ext cx="3619893" cy="1221117"/>
-          </a:xfrm>
-          <a:prstGeom prst="rect">
-            <a:avLst/>
-          </a:prstGeom>
-          <a:solidFill>
-            <a:schemeClr val="tx1"/>
-          </a:solidFill>
-        </p:spPr>
-        <p:style>
-          <a:lnRef idx="2">
-            <a:schemeClr val="accent1">
-              <a:shade val="50000"/>
-            </a:schemeClr>
-          </a:lnRef>
-          <a:fillRef idx="1">
-            <a:schemeClr val="accent1"/>
-          </a:fillRef>
-          <a:effectRef idx="0">
-            <a:schemeClr val="accent1"/>
-          </a:effectRef>
-          <a:fontRef idx="minor">
-            <a:schemeClr val="lt1"/>
-          </a:fontRef>
-        </p:style>
-        <p:txBody>
-          <a:bodyPr rtlCol="0" anchor="ctr"/>
-          <a:lstStyle/>
-          <a:p>
-            <a:pPr algn="ctr"/>
-            <a:r>
-              <a:rPr lang="en-US" altLang="ko-KR" sz="4800" dirty="0">
+            <a:r>
+              <a:rPr lang="en-US" altLang="ko-KR" sz="2800" dirty="0">
                 <a:solidFill>
                   <a:schemeClr val="bg1"/>
                 </a:solidFill>
                 <a:latin typeface="태나다체 " panose="02000000000000000000" pitchFamily="2" charset="-127"/>
                 <a:ea typeface="태나다체 " panose="02000000000000000000" pitchFamily="2" charset="-127"/>
               </a:rPr>
-              <a:t>OSI 7</a:t>
-            </a:r>
-            <a:r>
-              <a:rPr lang="ko-KR" altLang="en-US" sz="4800" dirty="0">
-                <a:solidFill>
-                  <a:schemeClr val="bg1"/>
-                </a:solidFill>
-                <a:latin typeface="태나다체 " panose="02000000000000000000" pitchFamily="2" charset="-127"/>
-                <a:ea typeface="태나다체 " panose="02000000000000000000" pitchFamily="2" charset="-127"/>
-              </a:rPr>
-              <a:t>계층</a:t>
-            </a:r>
-          </a:p>
-        </p:txBody>
-      </p:sp>
-      <p:sp>
-        <p:nvSpPr>
-          <p:cNvPr id="4" name="직사각형 3">
-            <a:extLst>
-              <a:ext uri="{FF2B5EF4-FFF2-40B4-BE49-F238E27FC236}">
-                <a16:creationId xmlns:a16="http://schemas.microsoft.com/office/drawing/2014/main" id="{E4BA5263-7A0D-41E4-8F01-8B6A2B560693}"/>
-              </a:ext>
-            </a:extLst>
-          </p:cNvPr>
-          <p:cNvSpPr/>
-          <p:nvPr/>
-        </p:nvSpPr>
-        <p:spPr>
-          <a:xfrm>
-            <a:off x="3009257" y="2967335"/>
-            <a:ext cx="6173485" cy="923330"/>
-          </a:xfrm>
-          <a:prstGeom prst="rect">
-            <a:avLst/>
-          </a:prstGeom>
-        </p:spPr>
-        <p:txBody>
-          <a:bodyPr wrap="none">
-            <a:spAutoFit/>
-          </a:bodyPr>
-          <a:lstStyle/>
-          <a:p>
-            <a:r>
-              <a:rPr lang="ko-KR" altLang="en-US" sz="5400" dirty="0">
-                <a:solidFill>
-                  <a:schemeClr val="bg1"/>
-                </a:solidFill>
-                <a:latin typeface="배달의민족 주아" panose="02020603020101020101" pitchFamily="18" charset="-127"/>
-                <a:ea typeface="배달의민족 주아" panose="02020603020101020101" pitchFamily="18" charset="-127"/>
-              </a:rPr>
-              <a:t>그래서 얘가 대체 </a:t>
-            </a:r>
-            <a:r>
-              <a:rPr lang="ko-KR" altLang="en-US" sz="5400" dirty="0" err="1">
-                <a:solidFill>
-                  <a:schemeClr val="bg1"/>
-                </a:solidFill>
-                <a:latin typeface="배달의민족 주아" panose="02020603020101020101" pitchFamily="18" charset="-127"/>
-                <a:ea typeface="배달의민족 주아" panose="02020603020101020101" pitchFamily="18" charset="-127"/>
-              </a:rPr>
-              <a:t>뭔데</a:t>
-            </a:r>
-            <a:r>
-              <a:rPr lang="en-US" altLang="ko-KR" sz="5400" dirty="0">
-                <a:solidFill>
-                  <a:schemeClr val="bg1"/>
-                </a:solidFill>
-                <a:latin typeface="배달의민족 주아" panose="02020603020101020101" pitchFamily="18" charset="-127"/>
-                <a:ea typeface="배달의민족 주아" panose="02020603020101020101" pitchFamily="18" charset="-127"/>
-              </a:rPr>
-              <a:t>?</a:t>
-            </a:r>
-            <a:endParaRPr lang="ko-KR" altLang="en-US" sz="5400" dirty="0">
+              <a:t>Client – Server Model</a:t>
+            </a:r>
+            <a:endParaRPr lang="ko-KR" altLang="en-US" sz="2800" dirty="0">
               <a:solidFill>
                 <a:schemeClr val="bg1"/>
               </a:solidFill>
+              <a:latin typeface="태나다체 " panose="02000000000000000000" pitchFamily="2" charset="-127"/>
+              <a:ea typeface="태나다체 " panose="02000000000000000000" pitchFamily="2" charset="-127"/>
+            </a:endParaRPr>
+          </a:p>
+        </p:txBody>
+      </p:sp>
+      <p:pic>
+        <p:nvPicPr>
+          <p:cNvPr id="4" name="그림 3">
+            <a:extLst>
+              <a:ext uri="{FF2B5EF4-FFF2-40B4-BE49-F238E27FC236}">
+                <a16:creationId xmlns:a16="http://schemas.microsoft.com/office/drawing/2014/main" id="{857FEAA3-1975-4064-A2E3-8F8CC67396CA}"/>
+              </a:ext>
+            </a:extLst>
+          </p:cNvPr>
+          <p:cNvPicPr>
+            <a:picLocks noChangeAspect="1"/>
+          </p:cNvPicPr>
+          <p:nvPr/>
+        </p:nvPicPr>
+        <p:blipFill>
+          <a:blip r:embed="rId2">
+            <a:extLst>
+              <a:ext uri="{28A0092B-C50C-407E-A947-70E740481C1C}">
+                <a14:useLocalDpi xmlns:a14="http://schemas.microsoft.com/office/drawing/2010/main" val="0"/>
+              </a:ext>
+            </a:extLst>
+          </a:blip>
+          <a:stretch>
+            <a:fillRect/>
+          </a:stretch>
+        </p:blipFill>
+        <p:spPr>
+          <a:xfrm>
+            <a:off x="375602" y="0"/>
+            <a:ext cx="11440796" cy="6858000"/>
+          </a:xfrm>
+          <a:prstGeom prst="rect">
+            <a:avLst/>
+          </a:prstGeom>
+        </p:spPr>
+      </p:pic>
+      <p:sp>
+        <p:nvSpPr>
+          <p:cNvPr id="5" name="TextBox 4">
+            <a:extLst>
+              <a:ext uri="{FF2B5EF4-FFF2-40B4-BE49-F238E27FC236}">
+                <a16:creationId xmlns:a16="http://schemas.microsoft.com/office/drawing/2014/main" id="{253ACD41-EFA4-4217-9ED7-B9BE934B2045}"/>
+              </a:ext>
+            </a:extLst>
+          </p:cNvPr>
+          <p:cNvSpPr txBox="1"/>
+          <p:nvPr/>
+        </p:nvSpPr>
+        <p:spPr>
+          <a:xfrm>
+            <a:off x="1713054" y="3440575"/>
+            <a:ext cx="926651" cy="461665"/>
+          </a:xfrm>
+          <a:prstGeom prst="rect">
+            <a:avLst/>
+          </a:prstGeom>
+          <a:noFill/>
+        </p:spPr>
+        <p:txBody>
+          <a:bodyPr wrap="square" rtlCol="0">
+            <a:spAutoFit/>
+          </a:bodyPr>
+          <a:lstStyle/>
+          <a:p>
+            <a:r>
+              <a:rPr lang="en-US" altLang="ko-KR" sz="2400" dirty="0">
+                <a:latin typeface="배달의민족 주아" panose="02020603020101020101" pitchFamily="18" charset="-127"/>
+                <a:ea typeface="배달의민족 주아" panose="02020603020101020101" pitchFamily="18" charset="-127"/>
+              </a:rPr>
+              <a:t>client</a:t>
+            </a:r>
+            <a:endParaRPr lang="ko-KR" altLang="en-US" sz="2400" dirty="0">
               <a:latin typeface="배달의민족 주아" panose="02020603020101020101" pitchFamily="18" charset="-127"/>
               <a:ea typeface="배달의민족 주아" panose="02020603020101020101" pitchFamily="18" charset="-127"/>
             </a:endParaRPr>
           </a:p>
         </p:txBody>
       </p:sp>
+      <p:sp>
+        <p:nvSpPr>
+          <p:cNvPr id="9" name="TextBox 8">
+            <a:extLst>
+              <a:ext uri="{FF2B5EF4-FFF2-40B4-BE49-F238E27FC236}">
+                <a16:creationId xmlns:a16="http://schemas.microsoft.com/office/drawing/2014/main" id="{6129C9A1-E79C-4AFB-89BF-AFD111D2E0EB}"/>
+              </a:ext>
+            </a:extLst>
+          </p:cNvPr>
+          <p:cNvSpPr txBox="1"/>
+          <p:nvPr/>
+        </p:nvSpPr>
+        <p:spPr>
+          <a:xfrm>
+            <a:off x="5465181" y="1357533"/>
+            <a:ext cx="926651" cy="461665"/>
+          </a:xfrm>
+          <a:prstGeom prst="rect">
+            <a:avLst/>
+          </a:prstGeom>
+          <a:noFill/>
+        </p:spPr>
+        <p:txBody>
+          <a:bodyPr wrap="square" rtlCol="0">
+            <a:spAutoFit/>
+          </a:bodyPr>
+          <a:lstStyle/>
+          <a:p>
+            <a:r>
+              <a:rPr lang="en-US" altLang="ko-KR" sz="2400" dirty="0">
+                <a:latin typeface="배달의민족 주아" panose="02020603020101020101" pitchFamily="18" charset="-127"/>
+                <a:ea typeface="배달의민족 주아" panose="02020603020101020101" pitchFamily="18" charset="-127"/>
+              </a:rPr>
+              <a:t>client</a:t>
+            </a:r>
+            <a:endParaRPr lang="ko-KR" altLang="en-US" sz="2400" dirty="0">
+              <a:latin typeface="배달의민족 주아" panose="02020603020101020101" pitchFamily="18" charset="-127"/>
+              <a:ea typeface="배달의민족 주아" panose="02020603020101020101" pitchFamily="18" charset="-127"/>
+            </a:endParaRPr>
+          </a:p>
+        </p:txBody>
+      </p:sp>
+      <p:sp>
+        <p:nvSpPr>
+          <p:cNvPr id="10" name="TextBox 9">
+            <a:extLst>
+              <a:ext uri="{FF2B5EF4-FFF2-40B4-BE49-F238E27FC236}">
+                <a16:creationId xmlns:a16="http://schemas.microsoft.com/office/drawing/2014/main" id="{E43155D5-13B6-4BF6-A8B8-CEB5AA50B3BB}"/>
+              </a:ext>
+            </a:extLst>
+          </p:cNvPr>
+          <p:cNvSpPr txBox="1"/>
+          <p:nvPr/>
+        </p:nvSpPr>
+        <p:spPr>
+          <a:xfrm>
+            <a:off x="9470021" y="3426106"/>
+            <a:ext cx="926651" cy="461665"/>
+          </a:xfrm>
+          <a:prstGeom prst="rect">
+            <a:avLst/>
+          </a:prstGeom>
+          <a:noFill/>
+        </p:spPr>
+        <p:txBody>
+          <a:bodyPr wrap="square" rtlCol="0">
+            <a:spAutoFit/>
+          </a:bodyPr>
+          <a:lstStyle/>
+          <a:p>
+            <a:r>
+              <a:rPr lang="en-US" altLang="ko-KR" sz="2400" dirty="0">
+                <a:latin typeface="배달의민족 주아" panose="02020603020101020101" pitchFamily="18" charset="-127"/>
+                <a:ea typeface="배달의민족 주아" panose="02020603020101020101" pitchFamily="18" charset="-127"/>
+              </a:rPr>
+              <a:t>client</a:t>
+            </a:r>
+            <a:endParaRPr lang="ko-KR" altLang="en-US" sz="2400" dirty="0">
+              <a:latin typeface="배달의민족 주아" panose="02020603020101020101" pitchFamily="18" charset="-127"/>
+              <a:ea typeface="배달의민족 주아" panose="02020603020101020101" pitchFamily="18" charset="-127"/>
+            </a:endParaRPr>
+          </a:p>
+        </p:txBody>
+      </p:sp>
+      <p:sp>
+        <p:nvSpPr>
+          <p:cNvPr id="11" name="TextBox 10">
+            <a:extLst>
+              <a:ext uri="{FF2B5EF4-FFF2-40B4-BE49-F238E27FC236}">
+                <a16:creationId xmlns:a16="http://schemas.microsoft.com/office/drawing/2014/main" id="{928C1BFC-6BFD-43D0-8AC1-982E410C463A}"/>
+              </a:ext>
+            </a:extLst>
+          </p:cNvPr>
+          <p:cNvSpPr txBox="1"/>
+          <p:nvPr/>
+        </p:nvSpPr>
+        <p:spPr>
+          <a:xfrm>
+            <a:off x="5465180" y="5525946"/>
+            <a:ext cx="926651" cy="461665"/>
+          </a:xfrm>
+          <a:prstGeom prst="rect">
+            <a:avLst/>
+          </a:prstGeom>
+          <a:noFill/>
+        </p:spPr>
+        <p:txBody>
+          <a:bodyPr wrap="square" rtlCol="0">
+            <a:spAutoFit/>
+          </a:bodyPr>
+          <a:lstStyle/>
+          <a:p>
+            <a:r>
+              <a:rPr lang="en-US" altLang="ko-KR" sz="2400" dirty="0">
+                <a:latin typeface="배달의민족 주아" panose="02020603020101020101" pitchFamily="18" charset="-127"/>
+                <a:ea typeface="배달의민족 주아" panose="02020603020101020101" pitchFamily="18" charset="-127"/>
+              </a:rPr>
+              <a:t>client</a:t>
+            </a:r>
+            <a:endParaRPr lang="ko-KR" altLang="en-US" sz="2400" dirty="0">
+              <a:latin typeface="배달의민족 주아" panose="02020603020101020101" pitchFamily="18" charset="-127"/>
+              <a:ea typeface="배달의민족 주아" panose="02020603020101020101" pitchFamily="18" charset="-127"/>
+            </a:endParaRPr>
+          </a:p>
+        </p:txBody>
+      </p:sp>
+      <p:sp>
+        <p:nvSpPr>
+          <p:cNvPr id="12" name="TextBox 11">
+            <a:extLst>
+              <a:ext uri="{FF2B5EF4-FFF2-40B4-BE49-F238E27FC236}">
+                <a16:creationId xmlns:a16="http://schemas.microsoft.com/office/drawing/2014/main" id="{3BACA2C3-000B-4A85-9858-8D808C6BDA96}"/>
+              </a:ext>
+            </a:extLst>
+          </p:cNvPr>
+          <p:cNvSpPr txBox="1"/>
+          <p:nvPr/>
+        </p:nvSpPr>
+        <p:spPr>
+          <a:xfrm>
+            <a:off x="5385121" y="3417425"/>
+            <a:ext cx="1166150" cy="461665"/>
+          </a:xfrm>
+          <a:prstGeom prst="rect">
+            <a:avLst/>
+          </a:prstGeom>
+          <a:noFill/>
+        </p:spPr>
+        <p:txBody>
+          <a:bodyPr wrap="square" rtlCol="0">
+            <a:spAutoFit/>
+          </a:bodyPr>
+          <a:lstStyle/>
+          <a:p>
+            <a:pPr algn="ctr"/>
+            <a:r>
+              <a:rPr lang="en-US" altLang="ko-KR" sz="2400" dirty="0">
+                <a:latin typeface="배달의민족 주아" panose="02020603020101020101" pitchFamily="18" charset="-127"/>
+                <a:ea typeface="배달의민족 주아" panose="02020603020101020101" pitchFamily="18" charset="-127"/>
+              </a:rPr>
+              <a:t>server</a:t>
+            </a:r>
+            <a:endParaRPr lang="ko-KR" altLang="en-US" sz="2400" dirty="0">
+              <a:latin typeface="배달의민족 주아" panose="02020603020101020101" pitchFamily="18" charset="-127"/>
+              <a:ea typeface="배달의민족 주아" panose="02020603020101020101" pitchFamily="18" charset="-127"/>
+            </a:endParaRPr>
+          </a:p>
+        </p:txBody>
+      </p:sp>
     </p:spTree>
     <p:extLst>
       <p:ext uri="{BB962C8B-B14F-4D97-AF65-F5344CB8AC3E}">
-        <p14:creationId xmlns:p14="http://schemas.microsoft.com/office/powerpoint/2010/main" val="4175300075"/>
+        <p14:creationId xmlns:p14="http://schemas.microsoft.com/office/powerpoint/2010/main" val="3740370598"/>
       </p:ext>
     </p:extLst>
   </p:cSld>
@@ -5026,59 +5457,12 @@
           <a:chExt cx="0" cy="0"/>
         </a:xfrm>
       </p:grpSpPr>
-      <p:pic>
-        <p:nvPicPr>
-          <p:cNvPr id="2050" name="Picture 2" descr="네트워크/기본] 프로토콜(Protocol)이란? - OSI 7 계층 별 프로토콜 - 하나몬">
-            <a:extLst>
-              <a:ext uri="{FF2B5EF4-FFF2-40B4-BE49-F238E27FC236}">
-                <a16:creationId xmlns:a16="http://schemas.microsoft.com/office/drawing/2014/main" id="{F92B0B8C-8D59-4BF1-8937-52878CB96A08}"/>
-              </a:ext>
-            </a:extLst>
-          </p:cNvPr>
-          <p:cNvPicPr>
-            <a:picLocks noChangeAspect="1" noChangeArrowheads="1"/>
-          </p:cNvPicPr>
-          <p:nvPr/>
-        </p:nvPicPr>
-        <p:blipFill>
-          <a:blip r:embed="rId2">
-            <a:extLst>
-              <a:ext uri="{28A0092B-C50C-407E-A947-70E740481C1C}">
-                <a14:useLocalDpi xmlns:a14="http://schemas.microsoft.com/office/drawing/2010/main" val="0"/>
-              </a:ext>
-            </a:extLst>
-          </a:blip>
-          <a:srcRect/>
-          <a:stretch>
-            <a:fillRect/>
-          </a:stretch>
-        </p:blipFill>
-        <p:spPr bwMode="auto">
-          <a:xfrm>
-            <a:off x="4655917" y="546542"/>
-            <a:ext cx="6256498" cy="5764916"/>
-          </a:xfrm>
-          <a:prstGeom prst="rect">
-            <a:avLst/>
-          </a:prstGeom>
-          <a:noFill/>
-          <a:extLst>
-            <a:ext uri="{909E8E84-426E-40DD-AFC4-6F175D3DCCD1}">
-              <a14:hiddenFill xmlns:a14="http://schemas.microsoft.com/office/drawing/2010/main">
-                <a:solidFill>
-                  <a:srgbClr val="FFFFFF"/>
-                </a:solidFill>
-              </a14:hiddenFill>
-            </a:ext>
-          </a:extLst>
-        </p:spPr>
-      </p:pic>
-      <p:sp>
-        <p:nvSpPr>
-          <p:cNvPr id="3" name="직사각형 2">
-            <a:extLst>
-              <a:ext uri="{FF2B5EF4-FFF2-40B4-BE49-F238E27FC236}">
-                <a16:creationId xmlns:a16="http://schemas.microsoft.com/office/drawing/2014/main" id="{E0E6CBCD-70EC-4D37-8C17-44B46677B49D}"/>
+      <p:sp>
+        <p:nvSpPr>
+          <p:cNvPr id="13" name="직사각형 12">
+            <a:extLst>
+              <a:ext uri="{FF2B5EF4-FFF2-40B4-BE49-F238E27FC236}">
+                <a16:creationId xmlns:a16="http://schemas.microsoft.com/office/drawing/2014/main" id="{9E3BFF0F-519C-4776-AEF8-CD94FD7D14AB}"/>
               </a:ext>
             </a:extLst>
           </p:cNvPr>
@@ -5087,16 +5471,14 @@
         </p:nvSpPr>
         <p:spPr>
           <a:xfrm>
-            <a:off x="0" y="0"/>
-            <a:ext cx="12192000" cy="6858000"/>
+            <a:off x="0" y="2582771"/>
+            <a:ext cx="12192000" cy="1692458"/>
           </a:xfrm>
           <a:prstGeom prst="rect">
             <a:avLst/>
           </a:prstGeom>
           <a:solidFill>
-            <a:schemeClr val="tx1">
-              <a:alpha val="65000"/>
-            </a:schemeClr>
+            <a:schemeClr val="tx1"/>
           </a:solidFill>
         </p:spPr>
         <p:style>
@@ -5120,55 +5502,6 @@
           <a:lstStyle/>
           <a:p>
             <a:pPr algn="ctr"/>
-            <a:endParaRPr lang="ko-KR" altLang="en-US" sz="1600"/>
-          </a:p>
-        </p:txBody>
-      </p:sp>
-      <p:sp>
-        <p:nvSpPr>
-          <p:cNvPr id="2" name="직사각형 1">
-            <a:extLst>
-              <a:ext uri="{FF2B5EF4-FFF2-40B4-BE49-F238E27FC236}">
-                <a16:creationId xmlns:a16="http://schemas.microsoft.com/office/drawing/2014/main" id="{54E2CD7B-74A6-44AA-A46D-C26DA263A8E7}"/>
-              </a:ext>
-            </a:extLst>
-          </p:cNvPr>
-          <p:cNvSpPr/>
-          <p:nvPr/>
-        </p:nvSpPr>
-        <p:spPr>
-          <a:xfrm>
-            <a:off x="0" y="339365"/>
-            <a:ext cx="3619893" cy="1221117"/>
-          </a:xfrm>
-          <a:prstGeom prst="rect">
-            <a:avLst/>
-          </a:prstGeom>
-          <a:solidFill>
-            <a:schemeClr val="tx1"/>
-          </a:solidFill>
-        </p:spPr>
-        <p:style>
-          <a:lnRef idx="2">
-            <a:schemeClr val="accent1">
-              <a:shade val="50000"/>
-            </a:schemeClr>
-          </a:lnRef>
-          <a:fillRef idx="1">
-            <a:schemeClr val="accent1"/>
-          </a:fillRef>
-          <a:effectRef idx="0">
-            <a:schemeClr val="accent1"/>
-          </a:effectRef>
-          <a:fontRef idx="minor">
-            <a:schemeClr val="lt1"/>
-          </a:fontRef>
-        </p:style>
-        <p:txBody>
-          <a:bodyPr rtlCol="0" anchor="ctr"/>
-          <a:lstStyle/>
-          <a:p>
-            <a:pPr algn="ctr"/>
             <a:r>
               <a:rPr lang="en-US" altLang="ko-KR" sz="4800" dirty="0">
                 <a:solidFill>
@@ -5192,50 +5525,10 @@
           </a:p>
         </p:txBody>
       </p:sp>
-      <p:sp>
-        <p:nvSpPr>
-          <p:cNvPr id="4" name="직사각형 3">
-            <a:extLst>
-              <a:ext uri="{FF2B5EF4-FFF2-40B4-BE49-F238E27FC236}">
-                <a16:creationId xmlns:a16="http://schemas.microsoft.com/office/drawing/2014/main" id="{E4BA5263-7A0D-41E4-8F01-8B6A2B560693}"/>
-              </a:ext>
-            </a:extLst>
-          </p:cNvPr>
-          <p:cNvSpPr/>
-          <p:nvPr/>
-        </p:nvSpPr>
-        <p:spPr>
-          <a:xfrm>
-            <a:off x="3607979" y="2967335"/>
-            <a:ext cx="4976042" cy="923330"/>
-          </a:xfrm>
-          <a:prstGeom prst="rect">
-            <a:avLst/>
-          </a:prstGeom>
-        </p:spPr>
-        <p:txBody>
-          <a:bodyPr wrap="none">
-            <a:spAutoFit/>
-          </a:bodyPr>
-          <a:lstStyle/>
-          <a:p>
-            <a:r>
-              <a:rPr lang="ko-KR" altLang="en-US" sz="5400" dirty="0">
-                <a:solidFill>
-                  <a:schemeClr val="bg1"/>
-                </a:solidFill>
-                <a:latin typeface="배달의민족 주아" panose="02020603020101020101" pitchFamily="18" charset="-127"/>
-                <a:ea typeface="배달의민족 주아" panose="02020603020101020101" pitchFamily="18" charset="-127"/>
-              </a:rPr>
-              <a:t>네트워크 통신 과정</a:t>
-            </a:r>
-          </a:p>
-        </p:txBody>
-      </p:sp>
     </p:spTree>
     <p:extLst>
       <p:ext uri="{BB962C8B-B14F-4D97-AF65-F5344CB8AC3E}">
-        <p14:creationId xmlns:p14="http://schemas.microsoft.com/office/powerpoint/2010/main" val="541791234"/>
+        <p14:creationId xmlns:p14="http://schemas.microsoft.com/office/powerpoint/2010/main" val="1733666837"/>
       </p:ext>
     </p:extLst>
   </p:cSld>
@@ -5332,10 +5625,10 @@
       </p:sp>
       <p:pic>
         <p:nvPicPr>
-          <p:cNvPr id="4098" name="Picture 2" descr="https://github.com/SEH00N/GameServer_Study/raw/main/ETC/NetworkCommunication2.png">
-            <a:extLst>
-              <a:ext uri="{FF2B5EF4-FFF2-40B4-BE49-F238E27FC236}">
-                <a16:creationId xmlns:a16="http://schemas.microsoft.com/office/drawing/2014/main" id="{1A548FD0-F608-4B9F-A907-D54503C3F3F5}"/>
+          <p:cNvPr id="2050" name="Picture 2" descr="네트워크/기본] 프로토콜(Protocol)이란? - OSI 7 계층 별 프로토콜 - 하나몬">
+            <a:extLst>
+              <a:ext uri="{FF2B5EF4-FFF2-40B4-BE49-F238E27FC236}">
+                <a16:creationId xmlns:a16="http://schemas.microsoft.com/office/drawing/2014/main" id="{F92B0B8C-8D59-4BF1-8937-52878CB96A08}"/>
               </a:ext>
             </a:extLst>
           </p:cNvPr>
@@ -5359,8 +5652,8 @@
         </p:blipFill>
         <p:spPr bwMode="auto">
           <a:xfrm>
-            <a:off x="3859314" y="719878"/>
-            <a:ext cx="8039461" cy="5464544"/>
+            <a:off x="4655917" y="546542"/>
+            <a:ext cx="6256498" cy="5764916"/>
           </a:xfrm>
           <a:prstGeom prst="rect">
             <a:avLst/>
@@ -5380,7 +5673,7 @@
     </p:spTree>
     <p:extLst>
       <p:ext uri="{BB962C8B-B14F-4D97-AF65-F5344CB8AC3E}">
-        <p14:creationId xmlns:p14="http://schemas.microsoft.com/office/powerpoint/2010/main" val="916182991"/>
+        <p14:creationId xmlns:p14="http://schemas.microsoft.com/office/powerpoint/2010/main" val="2229466712"/>
       </p:ext>
     </p:extLst>
   </p:cSld>
@@ -5407,12 +5700,59 @@
           <a:chExt cx="0" cy="0"/>
         </a:xfrm>
       </p:grpSpPr>
-      <p:sp>
-        <p:nvSpPr>
-          <p:cNvPr id="2" name="직사각형 1">
-            <a:extLst>
-              <a:ext uri="{FF2B5EF4-FFF2-40B4-BE49-F238E27FC236}">
-                <a16:creationId xmlns:a16="http://schemas.microsoft.com/office/drawing/2014/main" id="{54E2CD7B-74A6-44AA-A46D-C26DA263A8E7}"/>
+      <p:pic>
+        <p:nvPicPr>
+          <p:cNvPr id="2050" name="Picture 2" descr="네트워크/기본] 프로토콜(Protocol)이란? - OSI 7 계층 별 프로토콜 - 하나몬">
+            <a:extLst>
+              <a:ext uri="{FF2B5EF4-FFF2-40B4-BE49-F238E27FC236}">
+                <a16:creationId xmlns:a16="http://schemas.microsoft.com/office/drawing/2014/main" id="{F92B0B8C-8D59-4BF1-8937-52878CB96A08}"/>
+              </a:ext>
+            </a:extLst>
+          </p:cNvPr>
+          <p:cNvPicPr>
+            <a:picLocks noChangeAspect="1" noChangeArrowheads="1"/>
+          </p:cNvPicPr>
+          <p:nvPr/>
+        </p:nvPicPr>
+        <p:blipFill>
+          <a:blip r:embed="rId2">
+            <a:extLst>
+              <a:ext uri="{28A0092B-C50C-407E-A947-70E740481C1C}">
+                <a14:useLocalDpi xmlns:a14="http://schemas.microsoft.com/office/drawing/2010/main" val="0"/>
+              </a:ext>
+            </a:extLst>
+          </a:blip>
+          <a:srcRect/>
+          <a:stretch>
+            <a:fillRect/>
+          </a:stretch>
+        </p:blipFill>
+        <p:spPr bwMode="auto">
+          <a:xfrm>
+            <a:off x="4655917" y="546542"/>
+            <a:ext cx="6256498" cy="5764916"/>
+          </a:xfrm>
+          <a:prstGeom prst="rect">
+            <a:avLst/>
+          </a:prstGeom>
+          <a:noFill/>
+          <a:extLst>
+            <a:ext uri="{909E8E84-426E-40DD-AFC4-6F175D3DCCD1}">
+              <a14:hiddenFill xmlns:a14="http://schemas.microsoft.com/office/drawing/2010/main">
+                <a:solidFill>
+                  <a:srgbClr val="FFFFFF"/>
+                </a:solidFill>
+              </a14:hiddenFill>
+            </a:ext>
+          </a:extLst>
+        </p:spPr>
+      </p:pic>
+      <p:sp>
+        <p:nvSpPr>
+          <p:cNvPr id="3" name="직사각형 2">
+            <a:extLst>
+              <a:ext uri="{FF2B5EF4-FFF2-40B4-BE49-F238E27FC236}">
+                <a16:creationId xmlns:a16="http://schemas.microsoft.com/office/drawing/2014/main" id="{E0E6CBCD-70EC-4D37-8C17-44B46677B49D}"/>
               </a:ext>
             </a:extLst>
           </p:cNvPr>
@@ -5421,14 +5761,16 @@
         </p:nvSpPr>
         <p:spPr>
           <a:xfrm>
-            <a:off x="0" y="339365"/>
-            <a:ext cx="3619893" cy="1221117"/>
+            <a:off x="0" y="0"/>
+            <a:ext cx="12192000" cy="6858000"/>
           </a:xfrm>
           <a:prstGeom prst="rect">
             <a:avLst/>
           </a:prstGeom>
           <a:solidFill>
-            <a:schemeClr val="tx1"/>
+            <a:schemeClr val="tx1">
+              <a:alpha val="65000"/>
+            </a:schemeClr>
           </a:solidFill>
         </p:spPr>
         <p:style>
@@ -5452,6 +5794,55 @@
           <a:lstStyle/>
           <a:p>
             <a:pPr algn="ctr"/>
+            <a:endParaRPr lang="ko-KR" altLang="en-US" sz="1600" dirty="0"/>
+          </a:p>
+        </p:txBody>
+      </p:sp>
+      <p:sp>
+        <p:nvSpPr>
+          <p:cNvPr id="2" name="직사각형 1">
+            <a:extLst>
+              <a:ext uri="{FF2B5EF4-FFF2-40B4-BE49-F238E27FC236}">
+                <a16:creationId xmlns:a16="http://schemas.microsoft.com/office/drawing/2014/main" id="{54E2CD7B-74A6-44AA-A46D-C26DA263A8E7}"/>
+              </a:ext>
+            </a:extLst>
+          </p:cNvPr>
+          <p:cNvSpPr/>
+          <p:nvPr/>
+        </p:nvSpPr>
+        <p:spPr>
+          <a:xfrm>
+            <a:off x="0" y="339365"/>
+            <a:ext cx="3619893" cy="1221117"/>
+          </a:xfrm>
+          <a:prstGeom prst="rect">
+            <a:avLst/>
+          </a:prstGeom>
+          <a:solidFill>
+            <a:schemeClr val="tx1"/>
+          </a:solidFill>
+        </p:spPr>
+        <p:style>
+          <a:lnRef idx="2">
+            <a:schemeClr val="accent1">
+              <a:shade val="50000"/>
+            </a:schemeClr>
+          </a:lnRef>
+          <a:fillRef idx="1">
+            <a:schemeClr val="accent1"/>
+          </a:fillRef>
+          <a:effectRef idx="0">
+            <a:schemeClr val="accent1"/>
+          </a:effectRef>
+          <a:fontRef idx="minor">
+            <a:schemeClr val="lt1"/>
+          </a:fontRef>
+        </p:style>
+        <p:txBody>
+          <a:bodyPr rtlCol="0" anchor="ctr"/>
+          <a:lstStyle/>
+          <a:p>
+            <a:pPr algn="ctr"/>
             <a:r>
               <a:rPr lang="en-US" altLang="ko-KR" sz="4800" dirty="0">
                 <a:solidFill>
@@ -5460,147 +5851,82 @@
                 <a:latin typeface="태나다체 " panose="02000000000000000000" pitchFamily="2" charset="-127"/>
                 <a:ea typeface="태나다체 " panose="02000000000000000000" pitchFamily="2" charset="-127"/>
               </a:rPr>
-              <a:t>TCP/IP</a:t>
-            </a:r>
-            <a:endParaRPr lang="ko-KR" altLang="en-US" sz="4800" dirty="0">
+              <a:t>OSI 7</a:t>
+            </a:r>
+            <a:r>
+              <a:rPr lang="ko-KR" altLang="en-US" sz="4800" dirty="0">
+                <a:solidFill>
+                  <a:schemeClr val="bg1"/>
+                </a:solidFill>
+                <a:latin typeface="태나다체 " panose="02000000000000000000" pitchFamily="2" charset="-127"/>
+                <a:ea typeface="태나다체 " panose="02000000000000000000" pitchFamily="2" charset="-127"/>
+              </a:rPr>
+              <a:t>계층</a:t>
+            </a:r>
+          </a:p>
+        </p:txBody>
+      </p:sp>
+      <p:sp>
+        <p:nvSpPr>
+          <p:cNvPr id="4" name="직사각형 3">
+            <a:extLst>
+              <a:ext uri="{FF2B5EF4-FFF2-40B4-BE49-F238E27FC236}">
+                <a16:creationId xmlns:a16="http://schemas.microsoft.com/office/drawing/2014/main" id="{E4BA5263-7A0D-41E4-8F01-8B6A2B560693}"/>
+              </a:ext>
+            </a:extLst>
+          </p:cNvPr>
+          <p:cNvSpPr/>
+          <p:nvPr/>
+        </p:nvSpPr>
+        <p:spPr>
+          <a:xfrm>
+            <a:off x="3009257" y="2967335"/>
+            <a:ext cx="6173485" cy="923330"/>
+          </a:xfrm>
+          <a:prstGeom prst="rect">
+            <a:avLst/>
+          </a:prstGeom>
+        </p:spPr>
+        <p:txBody>
+          <a:bodyPr wrap="none">
+            <a:spAutoFit/>
+          </a:bodyPr>
+          <a:lstStyle/>
+          <a:p>
+            <a:r>
+              <a:rPr lang="ko-KR" altLang="en-US" sz="5400" dirty="0">
+                <a:solidFill>
+                  <a:schemeClr val="bg1"/>
+                </a:solidFill>
+                <a:latin typeface="배달의민족 주아" panose="02020603020101020101" pitchFamily="18" charset="-127"/>
+                <a:ea typeface="배달의민족 주아" panose="02020603020101020101" pitchFamily="18" charset="-127"/>
+              </a:rPr>
+              <a:t>그래서 얘가 대체 </a:t>
+            </a:r>
+            <a:r>
+              <a:rPr lang="ko-KR" altLang="en-US" sz="5400" dirty="0" err="1">
+                <a:solidFill>
+                  <a:schemeClr val="bg1"/>
+                </a:solidFill>
+                <a:latin typeface="배달의민족 주아" panose="02020603020101020101" pitchFamily="18" charset="-127"/>
+                <a:ea typeface="배달의민족 주아" panose="02020603020101020101" pitchFamily="18" charset="-127"/>
+              </a:rPr>
+              <a:t>뭔데</a:t>
+            </a:r>
+            <a:r>
+              <a:rPr lang="en-US" altLang="ko-KR" sz="5400" dirty="0">
+                <a:solidFill>
+                  <a:schemeClr val="bg1"/>
+                </a:solidFill>
+                <a:latin typeface="배달의민족 주아" panose="02020603020101020101" pitchFamily="18" charset="-127"/>
+                <a:ea typeface="배달의민족 주아" panose="02020603020101020101" pitchFamily="18" charset="-127"/>
+              </a:rPr>
+              <a:t>?</a:t>
+            </a:r>
+            <a:endParaRPr lang="ko-KR" altLang="en-US" sz="5400" dirty="0">
               <a:solidFill>
                 <a:schemeClr val="bg1"/>
               </a:solidFill>
-              <a:latin typeface="태나다체 " panose="02000000000000000000" pitchFamily="2" charset="-127"/>
-              <a:ea typeface="태나다체 " panose="02000000000000000000" pitchFamily="2" charset="-127"/>
-            </a:endParaRPr>
-          </a:p>
-        </p:txBody>
-      </p:sp>
-      <p:sp>
-        <p:nvSpPr>
-          <p:cNvPr id="4" name="직사각형 3">
-            <a:extLst>
-              <a:ext uri="{FF2B5EF4-FFF2-40B4-BE49-F238E27FC236}">
-                <a16:creationId xmlns:a16="http://schemas.microsoft.com/office/drawing/2014/main" id="{0F920093-B5EB-482C-A0DF-470F7700C8D5}"/>
-              </a:ext>
-            </a:extLst>
-          </p:cNvPr>
-          <p:cNvSpPr/>
-          <p:nvPr/>
-        </p:nvSpPr>
-        <p:spPr>
-          <a:xfrm>
-            <a:off x="2618669" y="2767280"/>
-            <a:ext cx="6954661" cy="707886"/>
-          </a:xfrm>
-          <a:prstGeom prst="rect">
-            <a:avLst/>
-          </a:prstGeom>
-        </p:spPr>
-        <p:txBody>
-          <a:bodyPr wrap="none">
-            <a:spAutoFit/>
-          </a:bodyPr>
-          <a:lstStyle/>
-          <a:p>
-            <a:r>
-              <a:rPr lang="en-US" altLang="ko-KR" sz="4000" u="sng" dirty="0">
-                <a:latin typeface="배달의민족 주아" panose="02020603020101020101" pitchFamily="18" charset="-127"/>
-                <a:ea typeface="배달의민족 주아" panose="02020603020101020101" pitchFamily="18" charset="-127"/>
-              </a:rPr>
-              <a:t>T</a:t>
-            </a:r>
-            <a:r>
-              <a:rPr lang="en-US" altLang="ko-KR" sz="4000" dirty="0">
-                <a:latin typeface="배달의민족 주아" panose="02020603020101020101" pitchFamily="18" charset="-127"/>
-                <a:ea typeface="배달의민족 주아" panose="02020603020101020101" pitchFamily="18" charset="-127"/>
-              </a:rPr>
-              <a:t>ransmission </a:t>
-            </a:r>
-            <a:r>
-              <a:rPr lang="en-US" altLang="ko-KR" sz="4000" u="sng" dirty="0">
-                <a:latin typeface="배달의민족 주아" panose="02020603020101020101" pitchFamily="18" charset="-127"/>
-                <a:ea typeface="배달의민족 주아" panose="02020603020101020101" pitchFamily="18" charset="-127"/>
-              </a:rPr>
-              <a:t>C</a:t>
-            </a:r>
-            <a:r>
-              <a:rPr lang="en-US" altLang="ko-KR" sz="4000" dirty="0">
-                <a:latin typeface="배달의민족 주아" panose="02020603020101020101" pitchFamily="18" charset="-127"/>
-                <a:ea typeface="배달의민족 주아" panose="02020603020101020101" pitchFamily="18" charset="-127"/>
-              </a:rPr>
-              <a:t>ontrol </a:t>
-            </a:r>
-            <a:r>
-              <a:rPr lang="en-US" altLang="ko-KR" sz="4000" u="sng" dirty="0">
-                <a:latin typeface="배달의민족 주아" panose="02020603020101020101" pitchFamily="18" charset="-127"/>
-                <a:ea typeface="배달의민족 주아" panose="02020603020101020101" pitchFamily="18" charset="-127"/>
-              </a:rPr>
-              <a:t>P</a:t>
-            </a:r>
-            <a:r>
-              <a:rPr lang="en-US" altLang="ko-KR" sz="4000" dirty="0">
-                <a:latin typeface="배달의민족 주아" panose="02020603020101020101" pitchFamily="18" charset="-127"/>
-                <a:ea typeface="배달의민족 주아" panose="02020603020101020101" pitchFamily="18" charset="-127"/>
-              </a:rPr>
-              <a:t>rotocol</a:t>
-            </a:r>
-          </a:p>
-        </p:txBody>
-      </p:sp>
-      <p:sp>
-        <p:nvSpPr>
-          <p:cNvPr id="6" name="직사각형 5">
-            <a:extLst>
-              <a:ext uri="{FF2B5EF4-FFF2-40B4-BE49-F238E27FC236}">
-                <a16:creationId xmlns:a16="http://schemas.microsoft.com/office/drawing/2014/main" id="{1D85B040-3EDF-4D9F-A94E-75000DB8E3EA}"/>
-              </a:ext>
-            </a:extLst>
-          </p:cNvPr>
-          <p:cNvSpPr/>
-          <p:nvPr/>
-        </p:nvSpPr>
-        <p:spPr>
-          <a:xfrm>
-            <a:off x="4026265" y="3475166"/>
-            <a:ext cx="4139467" cy="707886"/>
-          </a:xfrm>
-          <a:prstGeom prst="rect">
-            <a:avLst/>
-          </a:prstGeom>
-        </p:spPr>
-        <p:txBody>
-          <a:bodyPr wrap="none">
-            <a:spAutoFit/>
-          </a:bodyPr>
-          <a:lstStyle/>
-          <a:p>
-            <a:pPr algn="ctr"/>
-            <a:r>
-              <a:rPr lang="en-US" altLang="ko-KR" sz="4000" u="sng" dirty="0">
-                <a:latin typeface="배달의민족 주아" panose="02020603020101020101" pitchFamily="18" charset="-127"/>
-                <a:ea typeface="배달의민족 주아" panose="02020603020101020101" pitchFamily="18" charset="-127"/>
-              </a:rPr>
-              <a:t>I</a:t>
-            </a:r>
-            <a:r>
-              <a:rPr lang="en-US" altLang="ko-KR" sz="4000" dirty="0">
-                <a:latin typeface="배달의민족 주아" panose="02020603020101020101" pitchFamily="18" charset="-127"/>
-                <a:ea typeface="배달의민족 주아" panose="02020603020101020101" pitchFamily="18" charset="-127"/>
-              </a:rPr>
-              <a:t>nternet </a:t>
-            </a:r>
-            <a:r>
-              <a:rPr lang="en-US" altLang="ko-KR" sz="4000" u="sng" dirty="0">
-                <a:latin typeface="배달의민족 주아" panose="02020603020101020101" pitchFamily="18" charset="-127"/>
-                <a:ea typeface="배달의민족 주아" panose="02020603020101020101" pitchFamily="18" charset="-127"/>
-              </a:rPr>
-              <a:t>P</a:t>
-            </a:r>
-            <a:r>
-              <a:rPr lang="en-US" altLang="ko-KR" sz="4000" dirty="0">
-                <a:latin typeface="배달의민족 주아" panose="02020603020101020101" pitchFamily="18" charset="-127"/>
-                <a:ea typeface="배달의민족 주아" panose="02020603020101020101" pitchFamily="18" charset="-127"/>
-              </a:rPr>
-              <a:t>rotocol</a:t>
-            </a:r>
-            <a:endParaRPr lang="ko-KR" altLang="en-US" sz="4000" dirty="0">
               <a:latin typeface="배달의민족 주아" panose="02020603020101020101" pitchFamily="18" charset="-127"/>
               <a:ea typeface="배달의민족 주아" panose="02020603020101020101" pitchFamily="18" charset="-127"/>
             </a:endParaRPr>
@@ -5610,7 +5936,7 @@
     </p:spTree>
     <p:extLst>
       <p:ext uri="{BB962C8B-B14F-4D97-AF65-F5344CB8AC3E}">
-        <p14:creationId xmlns:p14="http://schemas.microsoft.com/office/powerpoint/2010/main" val="784482528"/>
+        <p14:creationId xmlns:p14="http://schemas.microsoft.com/office/powerpoint/2010/main" val="4175300075"/>
       </p:ext>
     </p:extLst>
   </p:cSld>
@@ -5637,12 +5963,59 @@
           <a:chExt cx="0" cy="0"/>
         </a:xfrm>
       </p:grpSpPr>
-      <p:sp>
-        <p:nvSpPr>
-          <p:cNvPr id="8" name="직사각형 7">
-            <a:extLst>
-              <a:ext uri="{FF2B5EF4-FFF2-40B4-BE49-F238E27FC236}">
-                <a16:creationId xmlns:a16="http://schemas.microsoft.com/office/drawing/2014/main" id="{85917E34-56F5-407E-9E06-48B52273F6D5}"/>
+      <p:pic>
+        <p:nvPicPr>
+          <p:cNvPr id="2050" name="Picture 2" descr="네트워크/기본] 프로토콜(Protocol)이란? - OSI 7 계층 별 프로토콜 - 하나몬">
+            <a:extLst>
+              <a:ext uri="{FF2B5EF4-FFF2-40B4-BE49-F238E27FC236}">
+                <a16:creationId xmlns:a16="http://schemas.microsoft.com/office/drawing/2014/main" id="{F92B0B8C-8D59-4BF1-8937-52878CB96A08}"/>
+              </a:ext>
+            </a:extLst>
+          </p:cNvPr>
+          <p:cNvPicPr>
+            <a:picLocks noChangeAspect="1" noChangeArrowheads="1"/>
+          </p:cNvPicPr>
+          <p:nvPr/>
+        </p:nvPicPr>
+        <p:blipFill>
+          <a:blip r:embed="rId2">
+            <a:extLst>
+              <a:ext uri="{28A0092B-C50C-407E-A947-70E740481C1C}">
+                <a14:useLocalDpi xmlns:a14="http://schemas.microsoft.com/office/drawing/2010/main" val="0"/>
+              </a:ext>
+            </a:extLst>
+          </a:blip>
+          <a:srcRect/>
+          <a:stretch>
+            <a:fillRect/>
+          </a:stretch>
+        </p:blipFill>
+        <p:spPr bwMode="auto">
+          <a:xfrm>
+            <a:off x="4655917" y="546542"/>
+            <a:ext cx="6256498" cy="5764916"/>
+          </a:xfrm>
+          <a:prstGeom prst="rect">
+            <a:avLst/>
+          </a:prstGeom>
+          <a:noFill/>
+          <a:extLst>
+            <a:ext uri="{909E8E84-426E-40DD-AFC4-6F175D3DCCD1}">
+              <a14:hiddenFill xmlns:a14="http://schemas.microsoft.com/office/drawing/2010/main">
+                <a:solidFill>
+                  <a:srgbClr val="FFFFFF"/>
+                </a:solidFill>
+              </a14:hiddenFill>
+            </a:ext>
+          </a:extLst>
+        </p:spPr>
+      </p:pic>
+      <p:sp>
+        <p:nvSpPr>
+          <p:cNvPr id="3" name="직사각형 2">
+            <a:extLst>
+              <a:ext uri="{FF2B5EF4-FFF2-40B4-BE49-F238E27FC236}">
+                <a16:creationId xmlns:a16="http://schemas.microsoft.com/office/drawing/2014/main" id="{E0E6CBCD-70EC-4D37-8C17-44B46677B49D}"/>
               </a:ext>
             </a:extLst>
           </p:cNvPr>
@@ -5684,7 +6057,7 @@
           <a:lstStyle/>
           <a:p>
             <a:pPr algn="ctr"/>
-            <a:endParaRPr lang="ko-KR" altLang="en-US" sz="1400"/>
+            <a:endParaRPr lang="ko-KR" altLang="en-US" sz="1600"/>
           </a:p>
         </p:txBody>
       </p:sp>
@@ -5741,15 +6114,18 @@
                 <a:latin typeface="태나다체 " panose="02000000000000000000" pitchFamily="2" charset="-127"/>
                 <a:ea typeface="태나다체 " panose="02000000000000000000" pitchFamily="2" charset="-127"/>
               </a:rPr>
-              <a:t>TCP/IP</a:t>
-            </a:r>
-            <a:endParaRPr lang="ko-KR" altLang="en-US" sz="4800" dirty="0">
-              <a:solidFill>
-                <a:schemeClr val="bg1"/>
-              </a:solidFill>
-              <a:latin typeface="태나다체 " panose="02000000000000000000" pitchFamily="2" charset="-127"/>
-              <a:ea typeface="태나다체 " panose="02000000000000000000" pitchFamily="2" charset="-127"/>
-            </a:endParaRPr>
+              <a:t>OSI 7</a:t>
+            </a:r>
+            <a:r>
+              <a:rPr lang="ko-KR" altLang="en-US" sz="4800" dirty="0">
+                <a:solidFill>
+                  <a:schemeClr val="bg1"/>
+                </a:solidFill>
+                <a:latin typeface="태나다체 " panose="02000000000000000000" pitchFamily="2" charset="-127"/>
+                <a:ea typeface="태나다체 " panose="02000000000000000000" pitchFamily="2" charset="-127"/>
+              </a:rPr>
+              <a:t>계층</a:t>
+            </a:r>
           </a:p>
         </p:txBody>
       </p:sp>
@@ -5758,7 +6134,7 @@
           <p:cNvPr id="4" name="직사각형 3">
             <a:extLst>
               <a:ext uri="{FF2B5EF4-FFF2-40B4-BE49-F238E27FC236}">
-                <a16:creationId xmlns:a16="http://schemas.microsoft.com/office/drawing/2014/main" id="{0F920093-B5EB-482C-A0DF-470F7700C8D5}"/>
+                <a16:creationId xmlns:a16="http://schemas.microsoft.com/office/drawing/2014/main" id="{E4BA5263-7A0D-41E4-8F01-8B6A2B560693}"/>
               </a:ext>
             </a:extLst>
           </p:cNvPr>
@@ -5767,143 +6143,8 @@
         </p:nvSpPr>
         <p:spPr>
           <a:xfrm>
-            <a:off x="2618669" y="2767280"/>
-            <a:ext cx="6954661" cy="707886"/>
-          </a:xfrm>
-          <a:prstGeom prst="rect">
-            <a:avLst/>
-          </a:prstGeom>
-        </p:spPr>
-        <p:txBody>
-          <a:bodyPr wrap="none">
-            <a:spAutoFit/>
-          </a:bodyPr>
-          <a:lstStyle/>
-          <a:p>
-            <a:r>
-              <a:rPr lang="en-US" altLang="ko-KR" sz="4000" u="sng" dirty="0">
-                <a:latin typeface="배달의민족 주아" panose="02020603020101020101" pitchFamily="18" charset="-127"/>
-                <a:ea typeface="배달의민족 주아" panose="02020603020101020101" pitchFamily="18" charset="-127"/>
-              </a:rPr>
-              <a:t>T</a:t>
-            </a:r>
-            <a:r>
-              <a:rPr lang="en-US" altLang="ko-KR" sz="4000" dirty="0">
-                <a:latin typeface="배달의민족 주아" panose="02020603020101020101" pitchFamily="18" charset="-127"/>
-                <a:ea typeface="배달의민족 주아" panose="02020603020101020101" pitchFamily="18" charset="-127"/>
-              </a:rPr>
-              <a:t>ransmission </a:t>
-            </a:r>
-            <a:r>
-              <a:rPr lang="en-US" altLang="ko-KR" sz="4000" u="sng" dirty="0">
-                <a:latin typeface="배달의민족 주아" panose="02020603020101020101" pitchFamily="18" charset="-127"/>
-                <a:ea typeface="배달의민족 주아" panose="02020603020101020101" pitchFamily="18" charset="-127"/>
-              </a:rPr>
-              <a:t>C</a:t>
-            </a:r>
-            <a:r>
-              <a:rPr lang="en-US" altLang="ko-KR" sz="4000" dirty="0">
-                <a:latin typeface="배달의민족 주아" panose="02020603020101020101" pitchFamily="18" charset="-127"/>
-                <a:ea typeface="배달의민족 주아" panose="02020603020101020101" pitchFamily="18" charset="-127"/>
-              </a:rPr>
-              <a:t>ontrol </a:t>
-            </a:r>
-            <a:r>
-              <a:rPr lang="en-US" altLang="ko-KR" sz="4000" u="sng" dirty="0">
-                <a:latin typeface="배달의민족 주아" panose="02020603020101020101" pitchFamily="18" charset="-127"/>
-                <a:ea typeface="배달의민족 주아" panose="02020603020101020101" pitchFamily="18" charset="-127"/>
-              </a:rPr>
-              <a:t>P</a:t>
-            </a:r>
-            <a:r>
-              <a:rPr lang="en-US" altLang="ko-KR" sz="4000" dirty="0">
-                <a:latin typeface="배달의민족 주아" panose="02020603020101020101" pitchFamily="18" charset="-127"/>
-                <a:ea typeface="배달의민족 주아" panose="02020603020101020101" pitchFamily="18" charset="-127"/>
-              </a:rPr>
-              <a:t>rotocol</a:t>
-            </a:r>
-          </a:p>
-        </p:txBody>
-      </p:sp>
-      <p:sp>
-        <p:nvSpPr>
-          <p:cNvPr id="6" name="직사각형 5">
-            <a:extLst>
-              <a:ext uri="{FF2B5EF4-FFF2-40B4-BE49-F238E27FC236}">
-                <a16:creationId xmlns:a16="http://schemas.microsoft.com/office/drawing/2014/main" id="{1D85B040-3EDF-4D9F-A94E-75000DB8E3EA}"/>
-              </a:ext>
-            </a:extLst>
-          </p:cNvPr>
-          <p:cNvSpPr/>
-          <p:nvPr/>
-        </p:nvSpPr>
-        <p:spPr>
-          <a:xfrm>
-            <a:off x="4026265" y="3475166"/>
-            <a:ext cx="4139467" cy="707886"/>
-          </a:xfrm>
-          <a:prstGeom prst="rect">
-            <a:avLst/>
-          </a:prstGeom>
-        </p:spPr>
-        <p:txBody>
-          <a:bodyPr wrap="none">
-            <a:spAutoFit/>
-          </a:bodyPr>
-          <a:lstStyle/>
-          <a:p>
-            <a:pPr algn="ctr"/>
-            <a:r>
-              <a:rPr lang="en-US" altLang="ko-KR" sz="4000" u="sng" dirty="0">
-                <a:latin typeface="배달의민족 주아" panose="02020603020101020101" pitchFamily="18" charset="-127"/>
-                <a:ea typeface="배달의민족 주아" panose="02020603020101020101" pitchFamily="18" charset="-127"/>
-              </a:rPr>
-              <a:t>I</a:t>
-            </a:r>
-            <a:r>
-              <a:rPr lang="en-US" altLang="ko-KR" sz="4000" dirty="0">
-                <a:latin typeface="배달의민족 주아" panose="02020603020101020101" pitchFamily="18" charset="-127"/>
-                <a:ea typeface="배달의민족 주아" panose="02020603020101020101" pitchFamily="18" charset="-127"/>
-              </a:rPr>
-              <a:t>nternet </a:t>
-            </a:r>
-            <a:r>
-              <a:rPr lang="en-US" altLang="ko-KR" sz="4000" u="sng" dirty="0">
-                <a:latin typeface="배달의민족 주아" panose="02020603020101020101" pitchFamily="18" charset="-127"/>
-                <a:ea typeface="배달의민족 주아" panose="02020603020101020101" pitchFamily="18" charset="-127"/>
-              </a:rPr>
-              <a:t>P</a:t>
-            </a:r>
-            <a:r>
-              <a:rPr lang="en-US" altLang="ko-KR" sz="4000" dirty="0">
-                <a:latin typeface="배달의민족 주아" panose="02020603020101020101" pitchFamily="18" charset="-127"/>
-                <a:ea typeface="배달의민족 주아" panose="02020603020101020101" pitchFamily="18" charset="-127"/>
-              </a:rPr>
-              <a:t>rotocol</a:t>
-            </a:r>
-            <a:endParaRPr lang="ko-KR" altLang="en-US" sz="4000" dirty="0">
-              <a:latin typeface="배달의민족 주아" panose="02020603020101020101" pitchFamily="18" charset="-127"/>
-              <a:ea typeface="배달의민족 주아" panose="02020603020101020101" pitchFamily="18" charset="-127"/>
-            </a:endParaRPr>
-          </a:p>
-        </p:txBody>
-      </p:sp>
-      <p:sp>
-        <p:nvSpPr>
-          <p:cNvPr id="9" name="직사각형 8">
-            <a:extLst>
-              <a:ext uri="{FF2B5EF4-FFF2-40B4-BE49-F238E27FC236}">
-                <a16:creationId xmlns:a16="http://schemas.microsoft.com/office/drawing/2014/main" id="{D0DD8159-C15D-4594-87BF-2695ECA8C201}"/>
-              </a:ext>
-            </a:extLst>
-          </p:cNvPr>
-          <p:cNvSpPr/>
-          <p:nvPr/>
-        </p:nvSpPr>
-        <p:spPr>
-          <a:xfrm>
-            <a:off x="4241163" y="2967335"/>
-            <a:ext cx="3709670" cy="923330"/>
+            <a:off x="3607979" y="2967335"/>
+            <a:ext cx="4976042" cy="923330"/>
           </a:xfrm>
           <a:prstGeom prst="rect">
             <a:avLst/>
@@ -5923,42 +6164,15 @@
                 <a:latin typeface="배달의민족 주아" panose="02020603020101020101" pitchFamily="18" charset="-127"/>
                 <a:ea typeface="배달의민족 주아" panose="02020603020101020101" pitchFamily="18" charset="-127"/>
               </a:rPr>
-              <a:t>얘는 또 </a:t>
-            </a:r>
-            <a:r>
-              <a:rPr lang="ko-KR" altLang="en-US" sz="5400" dirty="0" err="1">
-                <a:solidFill>
-                  <a:schemeClr val="bg1"/>
-                </a:solidFill>
-                <a:latin typeface="배달의민족 주아" panose="02020603020101020101" pitchFamily="18" charset="-127"/>
-                <a:ea typeface="배달의민족 주아" panose="02020603020101020101" pitchFamily="18" charset="-127"/>
-              </a:rPr>
-              <a:t>뭔데</a:t>
-            </a:r>
-            <a:r>
-              <a:rPr lang="en-US" altLang="ko-KR" sz="5400" dirty="0">
-                <a:solidFill>
-                  <a:schemeClr val="bg1"/>
-                </a:solidFill>
-                <a:latin typeface="배달의민족 주아" panose="02020603020101020101" pitchFamily="18" charset="-127"/>
-                <a:ea typeface="배달의민족 주아" panose="02020603020101020101" pitchFamily="18" charset="-127"/>
-              </a:rPr>
-              <a:t>;;</a:t>
-            </a:r>
-            <a:endParaRPr lang="ko-KR" altLang="en-US" sz="5400" dirty="0">
-              <a:solidFill>
-                <a:schemeClr val="bg1"/>
-              </a:solidFill>
-              <a:latin typeface="배달의민족 주아" panose="02020603020101020101" pitchFamily="18" charset="-127"/>
-              <a:ea typeface="배달의민족 주아" panose="02020603020101020101" pitchFamily="18" charset="-127"/>
-            </a:endParaRPr>
+              <a:t>네트워크 통신 과정</a:t>
+            </a:r>
           </a:p>
         </p:txBody>
       </p:sp>
     </p:spTree>
     <p:extLst>
       <p:ext uri="{BB962C8B-B14F-4D97-AF65-F5344CB8AC3E}">
-        <p14:creationId xmlns:p14="http://schemas.microsoft.com/office/powerpoint/2010/main" val="3988870193"/>
+        <p14:creationId xmlns:p14="http://schemas.microsoft.com/office/powerpoint/2010/main" val="541791234"/>
       </p:ext>
     </p:extLst>
   </p:cSld>
@@ -5987,10 +6201,10 @@
       </p:grpSpPr>
       <p:sp>
         <p:nvSpPr>
-          <p:cNvPr id="4" name="직사각형 3">
-            <a:extLst>
-              <a:ext uri="{FF2B5EF4-FFF2-40B4-BE49-F238E27FC236}">
-                <a16:creationId xmlns:a16="http://schemas.microsoft.com/office/drawing/2014/main" id="{0F920093-B5EB-482C-A0DF-470F7700C8D5}"/>
+          <p:cNvPr id="2" name="직사각형 1">
+            <a:extLst>
+              <a:ext uri="{FF2B5EF4-FFF2-40B4-BE49-F238E27FC236}">
+                <a16:creationId xmlns:a16="http://schemas.microsoft.com/office/drawing/2014/main" id="{54E2CD7B-74A6-44AA-A46D-C26DA263A8E7}"/>
               </a:ext>
             </a:extLst>
           </p:cNvPr>
@@ -5999,151 +6213,14 @@
         </p:nvSpPr>
         <p:spPr>
           <a:xfrm>
-            <a:off x="2618669" y="2767280"/>
-            <a:ext cx="6954661" cy="707886"/>
+            <a:off x="0" y="339365"/>
+            <a:ext cx="3619893" cy="1221117"/>
           </a:xfrm>
           <a:prstGeom prst="rect">
             <a:avLst/>
           </a:prstGeom>
-        </p:spPr>
-        <p:txBody>
-          <a:bodyPr wrap="none">
-            <a:spAutoFit/>
-          </a:bodyPr>
-          <a:lstStyle/>
-          <a:p>
-            <a:r>
-              <a:rPr lang="en-US" altLang="ko-KR" sz="4000" u="sng" dirty="0">
-                <a:latin typeface="배달의민족 주아" panose="02020603020101020101" pitchFamily="18" charset="-127"/>
-                <a:ea typeface="배달의민족 주아" panose="02020603020101020101" pitchFamily="18" charset="-127"/>
-              </a:rPr>
-              <a:t>T</a:t>
-            </a:r>
-            <a:r>
-              <a:rPr lang="en-US" altLang="ko-KR" sz="4000" dirty="0">
-                <a:latin typeface="배달의민족 주아" panose="02020603020101020101" pitchFamily="18" charset="-127"/>
-                <a:ea typeface="배달의민족 주아" panose="02020603020101020101" pitchFamily="18" charset="-127"/>
-              </a:rPr>
-              <a:t>ransmission </a:t>
-            </a:r>
-            <a:r>
-              <a:rPr lang="en-US" altLang="ko-KR" sz="4000" u="sng" dirty="0">
-                <a:latin typeface="배달의민족 주아" panose="02020603020101020101" pitchFamily="18" charset="-127"/>
-                <a:ea typeface="배달의민족 주아" panose="02020603020101020101" pitchFamily="18" charset="-127"/>
-              </a:rPr>
-              <a:t>C</a:t>
-            </a:r>
-            <a:r>
-              <a:rPr lang="en-US" altLang="ko-KR" sz="4000" dirty="0">
-                <a:latin typeface="배달의민족 주아" panose="02020603020101020101" pitchFamily="18" charset="-127"/>
-                <a:ea typeface="배달의민족 주아" panose="02020603020101020101" pitchFamily="18" charset="-127"/>
-              </a:rPr>
-              <a:t>ontrol </a:t>
-            </a:r>
-            <a:r>
-              <a:rPr lang="en-US" altLang="ko-KR" sz="4000" u="sng" dirty="0">
-                <a:latin typeface="배달의민족 주아" panose="02020603020101020101" pitchFamily="18" charset="-127"/>
-                <a:ea typeface="배달의민족 주아" panose="02020603020101020101" pitchFamily="18" charset="-127"/>
-              </a:rPr>
-              <a:t>P</a:t>
-            </a:r>
-            <a:r>
-              <a:rPr lang="en-US" altLang="ko-KR" sz="4000" dirty="0">
-                <a:latin typeface="배달의민족 주아" panose="02020603020101020101" pitchFamily="18" charset="-127"/>
-                <a:ea typeface="배달의민족 주아" panose="02020603020101020101" pitchFamily="18" charset="-127"/>
-              </a:rPr>
-              <a:t>rotocol</a:t>
-            </a:r>
-          </a:p>
-        </p:txBody>
-      </p:sp>
-      <p:sp>
-        <p:nvSpPr>
-          <p:cNvPr id="6" name="직사각형 5">
-            <a:extLst>
-              <a:ext uri="{FF2B5EF4-FFF2-40B4-BE49-F238E27FC236}">
-                <a16:creationId xmlns:a16="http://schemas.microsoft.com/office/drawing/2014/main" id="{1D85B040-3EDF-4D9F-A94E-75000DB8E3EA}"/>
-              </a:ext>
-            </a:extLst>
-          </p:cNvPr>
-          <p:cNvSpPr/>
-          <p:nvPr/>
-        </p:nvSpPr>
-        <p:spPr>
-          <a:xfrm>
-            <a:off x="4026265" y="3475166"/>
-            <a:ext cx="4139467" cy="707886"/>
-          </a:xfrm>
-          <a:prstGeom prst="rect">
-            <a:avLst/>
-          </a:prstGeom>
-        </p:spPr>
-        <p:txBody>
-          <a:bodyPr wrap="none">
-            <a:spAutoFit/>
-          </a:bodyPr>
-          <a:lstStyle/>
-          <a:p>
-            <a:pPr algn="ctr"/>
-            <a:r>
-              <a:rPr lang="en-US" altLang="ko-KR" sz="4000" u="sng" dirty="0">
-                <a:latin typeface="배달의민족 주아" panose="02020603020101020101" pitchFamily="18" charset="-127"/>
-                <a:ea typeface="배달의민족 주아" panose="02020603020101020101" pitchFamily="18" charset="-127"/>
-              </a:rPr>
-              <a:t>I</a:t>
-            </a:r>
-            <a:r>
-              <a:rPr lang="en-US" altLang="ko-KR" sz="4000" dirty="0">
-                <a:latin typeface="배달의민족 주아" panose="02020603020101020101" pitchFamily="18" charset="-127"/>
-                <a:ea typeface="배달의민족 주아" panose="02020603020101020101" pitchFamily="18" charset="-127"/>
-              </a:rPr>
-              <a:t>nternet </a:t>
-            </a:r>
-            <a:r>
-              <a:rPr lang="en-US" altLang="ko-KR" sz="4000" u="sng" dirty="0">
-                <a:latin typeface="배달의민족 주아" panose="02020603020101020101" pitchFamily="18" charset="-127"/>
-                <a:ea typeface="배달의민족 주아" panose="02020603020101020101" pitchFamily="18" charset="-127"/>
-              </a:rPr>
-              <a:t>P</a:t>
-            </a:r>
-            <a:r>
-              <a:rPr lang="en-US" altLang="ko-KR" sz="4000" dirty="0">
-                <a:latin typeface="배달의민족 주아" panose="02020603020101020101" pitchFamily="18" charset="-127"/>
-                <a:ea typeface="배달의민족 주아" panose="02020603020101020101" pitchFamily="18" charset="-127"/>
-              </a:rPr>
-              <a:t>rotocol</a:t>
-            </a:r>
-            <a:endParaRPr lang="ko-KR" altLang="en-US" sz="4000" dirty="0">
-              <a:latin typeface="배달의민족 주아" panose="02020603020101020101" pitchFamily="18" charset="-127"/>
-              <a:ea typeface="배달의민족 주아" panose="02020603020101020101" pitchFamily="18" charset="-127"/>
-            </a:endParaRPr>
-          </a:p>
-        </p:txBody>
-      </p:sp>
-      <p:sp>
-        <p:nvSpPr>
-          <p:cNvPr id="8" name="직사각형 7">
-            <a:extLst>
-              <a:ext uri="{FF2B5EF4-FFF2-40B4-BE49-F238E27FC236}">
-                <a16:creationId xmlns:a16="http://schemas.microsoft.com/office/drawing/2014/main" id="{85917E34-56F5-407E-9E06-48B52273F6D5}"/>
-              </a:ext>
-            </a:extLst>
-          </p:cNvPr>
-          <p:cNvSpPr/>
-          <p:nvPr/>
-        </p:nvSpPr>
-        <p:spPr>
-          <a:xfrm>
-            <a:off x="0" y="0"/>
-            <a:ext cx="12192000" cy="6858000"/>
-          </a:xfrm>
-          <a:prstGeom prst="rect">
-            <a:avLst/>
-          </a:prstGeom>
           <a:solidFill>
-            <a:schemeClr val="tx1">
-              <a:alpha val="65000"/>
-            </a:schemeClr>
+            <a:schemeClr val="tx1"/>
           </a:solidFill>
         </p:spPr>
         <p:style>
@@ -6167,55 +6244,6 @@
           <a:lstStyle/>
           <a:p>
             <a:pPr algn="ctr"/>
-            <a:endParaRPr lang="ko-KR" altLang="en-US" sz="1400" dirty="0"/>
-          </a:p>
-        </p:txBody>
-      </p:sp>
-      <p:sp>
-        <p:nvSpPr>
-          <p:cNvPr id="2" name="직사각형 1">
-            <a:extLst>
-              <a:ext uri="{FF2B5EF4-FFF2-40B4-BE49-F238E27FC236}">
-                <a16:creationId xmlns:a16="http://schemas.microsoft.com/office/drawing/2014/main" id="{54E2CD7B-74A6-44AA-A46D-C26DA263A8E7}"/>
-              </a:ext>
-            </a:extLst>
-          </p:cNvPr>
-          <p:cNvSpPr/>
-          <p:nvPr/>
-        </p:nvSpPr>
-        <p:spPr>
-          <a:xfrm>
-            <a:off x="0" y="339365"/>
-            <a:ext cx="3619893" cy="1221117"/>
-          </a:xfrm>
-          <a:prstGeom prst="rect">
-            <a:avLst/>
-          </a:prstGeom>
-          <a:solidFill>
-            <a:schemeClr val="tx1"/>
-          </a:solidFill>
-        </p:spPr>
-        <p:style>
-          <a:lnRef idx="2">
-            <a:schemeClr val="accent1">
-              <a:shade val="50000"/>
-            </a:schemeClr>
-          </a:lnRef>
-          <a:fillRef idx="1">
-            <a:schemeClr val="accent1"/>
-          </a:fillRef>
-          <a:effectRef idx="0">
-            <a:schemeClr val="accent1"/>
-          </a:effectRef>
-          <a:fontRef idx="minor">
-            <a:schemeClr val="lt1"/>
-          </a:fontRef>
-        </p:style>
-        <p:txBody>
-          <a:bodyPr rtlCol="0" anchor="ctr"/>
-          <a:lstStyle/>
-          <a:p>
-            <a:pPr algn="ctr"/>
             <a:r>
               <a:rPr lang="en-US" altLang="ko-KR" sz="4800" dirty="0">
                 <a:solidFill>
@@ -6224,62 +6252,72 @@
                 <a:latin typeface="태나다체 " panose="02000000000000000000" pitchFamily="2" charset="-127"/>
                 <a:ea typeface="태나다체 " panose="02000000000000000000" pitchFamily="2" charset="-127"/>
               </a:rPr>
-              <a:t>TCP/IP</a:t>
-            </a:r>
-            <a:endParaRPr lang="ko-KR" altLang="en-US" sz="4800" dirty="0">
-              <a:solidFill>
-                <a:schemeClr val="bg1"/>
-              </a:solidFill>
-              <a:latin typeface="태나다체 " panose="02000000000000000000" pitchFamily="2" charset="-127"/>
-              <a:ea typeface="태나다체 " panose="02000000000000000000" pitchFamily="2" charset="-127"/>
-            </a:endParaRPr>
-          </a:p>
-        </p:txBody>
-      </p:sp>
-      <p:sp>
-        <p:nvSpPr>
-          <p:cNvPr id="9" name="직사각형 8">
-            <a:extLst>
-              <a:ext uri="{FF2B5EF4-FFF2-40B4-BE49-F238E27FC236}">
-                <a16:creationId xmlns:a16="http://schemas.microsoft.com/office/drawing/2014/main" id="{D0DD8159-C15D-4594-87BF-2695ECA8C201}"/>
-              </a:ext>
-            </a:extLst>
-          </p:cNvPr>
-          <p:cNvSpPr/>
-          <p:nvPr/>
-        </p:nvSpPr>
-        <p:spPr>
-          <a:xfrm>
-            <a:off x="4889578" y="2967335"/>
-            <a:ext cx="2412840" cy="923330"/>
-          </a:xfrm>
-          <a:prstGeom prst="rect">
-            <a:avLst/>
-          </a:prstGeom>
-        </p:spPr>
-        <p:txBody>
-          <a:bodyPr wrap="none">
-            <a:spAutoFit/>
-          </a:bodyPr>
-          <a:lstStyle/>
-          <a:p>
-            <a:r>
-              <a:rPr lang="ko-KR" altLang="en-US" sz="5400" dirty="0">
+              <a:t>OSI 7</a:t>
+            </a:r>
+            <a:r>
+              <a:rPr lang="ko-KR" altLang="en-US" sz="4800" dirty="0">
                 <a:solidFill>
                   <a:schemeClr val="bg1"/>
                 </a:solidFill>
-                <a:latin typeface="배달의민족 주아" panose="02020603020101020101" pitchFamily="18" charset="-127"/>
-                <a:ea typeface="배달의민족 주아" panose="02020603020101020101" pitchFamily="18" charset="-127"/>
-              </a:rPr>
-              <a:t>프로토콜</a:t>
-            </a:r>
-          </a:p>
-        </p:txBody>
-      </p:sp>
+                <a:latin typeface="태나다체 " panose="02000000000000000000" pitchFamily="2" charset="-127"/>
+                <a:ea typeface="태나다체 " panose="02000000000000000000" pitchFamily="2" charset="-127"/>
+              </a:rPr>
+              <a:t>계층</a:t>
+            </a:r>
+          </a:p>
+        </p:txBody>
+      </p:sp>
+      <p:pic>
+        <p:nvPicPr>
+          <p:cNvPr id="4098" name="Picture 2" descr="https://github.com/SEH00N/GameServer_Study/raw/main/ETC/NetworkCommunication2.png">
+            <a:extLst>
+              <a:ext uri="{FF2B5EF4-FFF2-40B4-BE49-F238E27FC236}">
+                <a16:creationId xmlns:a16="http://schemas.microsoft.com/office/drawing/2014/main" id="{1A548FD0-F608-4B9F-A907-D54503C3F3F5}"/>
+              </a:ext>
+            </a:extLst>
+          </p:cNvPr>
+          <p:cNvPicPr>
+            <a:picLocks noChangeAspect="1" noChangeArrowheads="1"/>
+          </p:cNvPicPr>
+          <p:nvPr/>
+        </p:nvPicPr>
+        <p:blipFill>
+          <a:blip r:embed="rId2">
+            <a:extLst>
+              <a:ext uri="{28A0092B-C50C-407E-A947-70E740481C1C}">
+                <a14:useLocalDpi xmlns:a14="http://schemas.microsoft.com/office/drawing/2010/main" val="0"/>
+              </a:ext>
+            </a:extLst>
+          </a:blip>
+          <a:srcRect/>
+          <a:stretch>
+            <a:fillRect/>
+          </a:stretch>
+        </p:blipFill>
+        <p:spPr bwMode="auto">
+          <a:xfrm>
+            <a:off x="3859314" y="719878"/>
+            <a:ext cx="8039461" cy="5464544"/>
+          </a:xfrm>
+          <a:prstGeom prst="rect">
+            <a:avLst/>
+          </a:prstGeom>
+          <a:noFill/>
+          <a:extLst>
+            <a:ext uri="{909E8E84-426E-40DD-AFC4-6F175D3DCCD1}">
+              <a14:hiddenFill xmlns:a14="http://schemas.microsoft.com/office/drawing/2010/main">
+                <a:solidFill>
+                  <a:srgbClr val="FFFFFF"/>
+                </a:solidFill>
+              </a14:hiddenFill>
+            </a:ext>
+          </a:extLst>
+        </p:spPr>
+      </p:pic>
     </p:spTree>
     <p:extLst>
       <p:ext uri="{BB962C8B-B14F-4D97-AF65-F5344CB8AC3E}">
-        <p14:creationId xmlns:p14="http://schemas.microsoft.com/office/powerpoint/2010/main" val="1753598387"/>
+        <p14:creationId xmlns:p14="http://schemas.microsoft.com/office/powerpoint/2010/main" val="916182991"/>
       </p:ext>
     </p:extLst>
   </p:cSld>
@@ -6320,8 +6358,8 @@
         </p:nvSpPr>
         <p:spPr>
           <a:xfrm>
-            <a:off x="0" y="339365"/>
-            <a:ext cx="3619893" cy="1221117"/>
+            <a:off x="0" y="2582771"/>
+            <a:ext cx="12192000" cy="1692458"/>
           </a:xfrm>
           <a:prstGeom prst="rect">
             <a:avLst/>
@@ -6362,6 +6400,16 @@
               <a:t>서버란</a:t>
             </a:r>
             <a:r>
+              <a:rPr lang="ko-KR" altLang="en-US" sz="4800" dirty="0">
+                <a:solidFill>
+                  <a:schemeClr val="bg1"/>
+                </a:solidFill>
+                <a:latin typeface="태나다체 " panose="02000000000000000000" pitchFamily="2" charset="-127"/>
+                <a:ea typeface="태나다체 " panose="02000000000000000000" pitchFamily="2" charset="-127"/>
+              </a:rPr>
+              <a:t> 무엇일까</a:t>
+            </a:r>
+            <a:r>
               <a:rPr lang="en-US" altLang="ko-KR" sz="4800" dirty="0">
                 <a:solidFill>
                   <a:schemeClr val="bg1"/>
@@ -6377,149 +6425,6 @@
               </a:solidFill>
               <a:latin typeface="태나다체 " panose="02000000000000000000" pitchFamily="2" charset="-127"/>
               <a:ea typeface="태나다체 " panose="02000000000000000000" pitchFamily="2" charset="-127"/>
-            </a:endParaRPr>
-          </a:p>
-        </p:txBody>
-      </p:sp>
-      <p:pic>
-        <p:nvPicPr>
-          <p:cNvPr id="7" name="Picture 4" descr="서버 - 무료 컴퓨터개 아이콘">
-            <a:extLst>
-              <a:ext uri="{FF2B5EF4-FFF2-40B4-BE49-F238E27FC236}">
-                <a16:creationId xmlns:a16="http://schemas.microsoft.com/office/drawing/2014/main" id="{8FE4CD72-A01E-4B10-96E6-5D94E48BD05B}"/>
-              </a:ext>
-            </a:extLst>
-          </p:cNvPr>
-          <p:cNvPicPr>
-            <a:picLocks noChangeAspect="1" noChangeArrowheads="1"/>
-          </p:cNvPicPr>
-          <p:nvPr/>
-        </p:nvPicPr>
-        <p:blipFill>
-          <a:blip r:embed="rId3">
-            <a:extLst>
-              <a:ext uri="{28A0092B-C50C-407E-A947-70E740481C1C}">
-                <a14:useLocalDpi xmlns:a14="http://schemas.microsoft.com/office/drawing/2010/main" val="0"/>
-              </a:ext>
-            </a:extLst>
-          </a:blip>
-          <a:srcRect/>
-          <a:stretch>
-            <a:fillRect/>
-          </a:stretch>
-        </p:blipFill>
-        <p:spPr bwMode="auto">
-          <a:xfrm>
-            <a:off x="1497105" y="2084109"/>
-            <a:ext cx="4876800" cy="4876800"/>
-          </a:xfrm>
-          <a:prstGeom prst="rect">
-            <a:avLst/>
-          </a:prstGeom>
-          <a:noFill/>
-          <a:extLst>
-            <a:ext uri="{909E8E84-426E-40DD-AFC4-6F175D3DCCD1}">
-              <a14:hiddenFill xmlns:a14="http://schemas.microsoft.com/office/drawing/2010/main">
-                <a:solidFill>
-                  <a:srgbClr val="FFFFFF"/>
-                </a:solidFill>
-              </a14:hiddenFill>
-            </a:ext>
-          </a:extLst>
-        </p:spPr>
-      </p:pic>
-      <p:sp>
-        <p:nvSpPr>
-          <p:cNvPr id="8" name="TextBox 7">
-            <a:extLst>
-              <a:ext uri="{FF2B5EF4-FFF2-40B4-BE49-F238E27FC236}">
-                <a16:creationId xmlns:a16="http://schemas.microsoft.com/office/drawing/2014/main" id="{CF86D6B2-5497-4545-9CF3-A6432EDF62C2}"/>
-              </a:ext>
-            </a:extLst>
-          </p:cNvPr>
-          <p:cNvSpPr txBox="1"/>
-          <p:nvPr/>
-        </p:nvSpPr>
-        <p:spPr>
-          <a:xfrm>
-            <a:off x="3016392" y="1560482"/>
-            <a:ext cx="1838226" cy="646331"/>
-          </a:xfrm>
-          <a:prstGeom prst="rect">
-            <a:avLst/>
-          </a:prstGeom>
-          <a:noFill/>
-        </p:spPr>
-        <p:txBody>
-          <a:bodyPr wrap="square" rtlCol="0">
-            <a:spAutoFit/>
-          </a:bodyPr>
-          <a:lstStyle/>
-          <a:p>
-            <a:pPr algn="ctr"/>
-            <a:r>
-              <a:rPr lang="ko-KR" altLang="en-US" sz="3600" dirty="0">
-                <a:latin typeface="배달의민족 주아" panose="02020603020101020101" pitchFamily="18" charset="-127"/>
-                <a:ea typeface="배달의민족 주아" panose="02020603020101020101" pitchFamily="18" charset="-127"/>
-              </a:rPr>
-              <a:t>서버</a:t>
-            </a:r>
-          </a:p>
-        </p:txBody>
-      </p:sp>
-      <p:sp>
-        <p:nvSpPr>
-          <p:cNvPr id="9" name="TextBox 8">
-            <a:extLst>
-              <a:ext uri="{FF2B5EF4-FFF2-40B4-BE49-F238E27FC236}">
-                <a16:creationId xmlns:a16="http://schemas.microsoft.com/office/drawing/2014/main" id="{D0132730-F8DB-4A1F-8A3C-0B46AA297D2D}"/>
-              </a:ext>
-            </a:extLst>
-          </p:cNvPr>
-          <p:cNvSpPr txBox="1"/>
-          <p:nvPr/>
-        </p:nvSpPr>
-        <p:spPr>
-          <a:xfrm>
-            <a:off x="7570464" y="3640427"/>
-            <a:ext cx="2434148" cy="707886"/>
-          </a:xfrm>
-          <a:prstGeom prst="rect">
-            <a:avLst/>
-          </a:prstGeom>
-          <a:noFill/>
-        </p:spPr>
-        <p:txBody>
-          <a:bodyPr wrap="square" rtlCol="0">
-            <a:spAutoFit/>
-          </a:bodyPr>
-          <a:lstStyle/>
-          <a:p>
-            <a:pPr algn="ctr"/>
-            <a:r>
-              <a:rPr lang="ko-KR" altLang="en-US" sz="4000" dirty="0">
-                <a:latin typeface="배달의민족 주아" panose="02020603020101020101" pitchFamily="18" charset="-127"/>
-                <a:ea typeface="배달의민족 주아" panose="02020603020101020101" pitchFamily="18" charset="-127"/>
-              </a:rPr>
-              <a:t>얘가 </a:t>
-            </a:r>
-            <a:r>
-              <a:rPr lang="ko-KR" altLang="en-US" sz="4000" dirty="0" err="1">
-                <a:latin typeface="배달의민족 주아" panose="02020603020101020101" pitchFamily="18" charset="-127"/>
-                <a:ea typeface="배달의민족 주아" panose="02020603020101020101" pitchFamily="18" charset="-127"/>
-              </a:rPr>
-              <a:t>뭔데</a:t>
-            </a:r>
-            <a:r>
-              <a:rPr lang="en-US" altLang="ko-KR" sz="4000" dirty="0">
-                <a:latin typeface="배달의민족 주아" panose="02020603020101020101" pitchFamily="18" charset="-127"/>
-                <a:ea typeface="배달의민족 주아" panose="02020603020101020101" pitchFamily="18" charset="-127"/>
-              </a:rPr>
-              <a:t>;;</a:t>
-            </a:r>
-            <a:endParaRPr lang="ko-KR" altLang="en-US" sz="4000" dirty="0">
-              <a:latin typeface="배달의민족 주아" panose="02020603020101020101" pitchFamily="18" charset="-127"/>
-              <a:ea typeface="배달의민족 주아" panose="02020603020101020101" pitchFamily="18" charset="-127"/>
             </a:endParaRPr>
           </a:p>
         </p:txBody>
@@ -6556,10 +6461,10 @@
       </p:grpSpPr>
       <p:sp>
         <p:nvSpPr>
-          <p:cNvPr id="2" name="직사각형 1">
-            <a:extLst>
-              <a:ext uri="{FF2B5EF4-FFF2-40B4-BE49-F238E27FC236}">
-                <a16:creationId xmlns:a16="http://schemas.microsoft.com/office/drawing/2014/main" id="{54E2CD7B-74A6-44AA-A46D-C26DA263A8E7}"/>
+          <p:cNvPr id="5" name="직사각형 4">
+            <a:extLst>
+              <a:ext uri="{FF2B5EF4-FFF2-40B4-BE49-F238E27FC236}">
+                <a16:creationId xmlns:a16="http://schemas.microsoft.com/office/drawing/2014/main" id="{31C7E174-6ABC-4265-B505-6C3FAFF25E4D}"/>
               </a:ext>
             </a:extLst>
           </p:cNvPr>
@@ -6568,8 +6473,8 @@
         </p:nvSpPr>
         <p:spPr>
           <a:xfrm>
-            <a:off x="0" y="339365"/>
-            <a:ext cx="3619893" cy="1221117"/>
+            <a:off x="0" y="2582771"/>
+            <a:ext cx="12192000" cy="1692458"/>
           </a:xfrm>
           <a:prstGeom prst="rect">
             <a:avLst/>
@@ -6607,7 +6512,7 @@
                 <a:latin typeface="태나다체 " panose="02000000000000000000" pitchFamily="2" charset="-127"/>
                 <a:ea typeface="태나다체 " panose="02000000000000000000" pitchFamily="2" charset="-127"/>
               </a:rPr>
-              <a:t>TCP/IP</a:t>
+              <a:t>TCP / IP</a:t>
             </a:r>
             <a:endParaRPr lang="ko-KR" altLang="en-US" sz="4800" dirty="0">
               <a:solidFill>
@@ -6619,57 +6524,10 @@
           </a:p>
         </p:txBody>
       </p:sp>
-      <p:pic>
-        <p:nvPicPr>
-          <p:cNvPr id="7170" name="Picture 2" descr="https://github.com/SEH00N/GameServer_Study/raw/main/ETC/TCP_IP.png">
-            <a:extLst>
-              <a:ext uri="{FF2B5EF4-FFF2-40B4-BE49-F238E27FC236}">
-                <a16:creationId xmlns:a16="http://schemas.microsoft.com/office/drawing/2014/main" id="{CC8BDC51-0B29-49BA-88D2-AD60CF6A280D}"/>
-              </a:ext>
-            </a:extLst>
-          </p:cNvPr>
-          <p:cNvPicPr>
-            <a:picLocks noChangeAspect="1" noChangeArrowheads="1"/>
-          </p:cNvPicPr>
-          <p:nvPr/>
-        </p:nvPicPr>
-        <p:blipFill>
-          <a:blip r:embed="rId2">
-            <a:extLst>
-              <a:ext uri="{28A0092B-C50C-407E-A947-70E740481C1C}">
-                <a14:useLocalDpi xmlns:a14="http://schemas.microsoft.com/office/drawing/2010/main" val="0"/>
-              </a:ext>
-            </a:extLst>
-          </a:blip>
-          <a:srcRect/>
-          <a:stretch>
-            <a:fillRect/>
-          </a:stretch>
-        </p:blipFill>
-        <p:spPr bwMode="auto">
-          <a:xfrm>
-            <a:off x="1385693" y="1887298"/>
-            <a:ext cx="9976424" cy="4282847"/>
-          </a:xfrm>
-          <a:prstGeom prst="rect">
-            <a:avLst/>
-          </a:prstGeom>
-          <a:noFill/>
-          <a:extLst>
-            <a:ext uri="{909E8E84-426E-40DD-AFC4-6F175D3DCCD1}">
-              <a14:hiddenFill xmlns:a14="http://schemas.microsoft.com/office/drawing/2010/main">
-                <a:solidFill>
-                  <a:srgbClr val="FFFFFF"/>
-                </a:solidFill>
-              </a14:hiddenFill>
-            </a:ext>
-          </a:extLst>
-        </p:spPr>
-      </p:pic>
     </p:spTree>
     <p:extLst>
       <p:ext uri="{BB962C8B-B14F-4D97-AF65-F5344CB8AC3E}">
-        <p14:creationId xmlns:p14="http://schemas.microsoft.com/office/powerpoint/2010/main" val="2125875146"/>
+        <p14:creationId xmlns:p14="http://schemas.microsoft.com/office/powerpoint/2010/main" val="417531909"/>
       </p:ext>
     </p:extLst>
   </p:cSld>
@@ -6749,7 +6607,7 @@
                 <a:latin typeface="태나다체 " panose="02000000000000000000" pitchFamily="2" charset="-127"/>
                 <a:ea typeface="태나다체 " panose="02000000000000000000" pitchFamily="2" charset="-127"/>
               </a:rPr>
-              <a:t>TCP/UDP</a:t>
+              <a:t>TCP/IP</a:t>
             </a:r>
             <a:endParaRPr lang="ko-KR" altLang="en-US" sz="4800" dirty="0">
               <a:solidFill>
@@ -6761,57 +6619,145 @@
           </a:p>
         </p:txBody>
       </p:sp>
-      <p:pic>
-        <p:nvPicPr>
-          <p:cNvPr id="10242" name="Picture 2" descr="https://github.com/SEH00N/GameServer_Study/raw/main/ETC/AboutTCP_UDP.png">
-            <a:extLst>
-              <a:ext uri="{FF2B5EF4-FFF2-40B4-BE49-F238E27FC236}">
-                <a16:creationId xmlns:a16="http://schemas.microsoft.com/office/drawing/2014/main" id="{59E95BD8-E3FC-4720-A4BD-B2AFB28C008A}"/>
-              </a:ext>
-            </a:extLst>
-          </p:cNvPr>
-          <p:cNvPicPr>
-            <a:picLocks noChangeAspect="1" noChangeArrowheads="1"/>
-          </p:cNvPicPr>
+      <p:sp>
+        <p:nvSpPr>
+          <p:cNvPr id="4" name="직사각형 3">
+            <a:extLst>
+              <a:ext uri="{FF2B5EF4-FFF2-40B4-BE49-F238E27FC236}">
+                <a16:creationId xmlns:a16="http://schemas.microsoft.com/office/drawing/2014/main" id="{0F920093-B5EB-482C-A0DF-470F7700C8D5}"/>
+              </a:ext>
+            </a:extLst>
+          </p:cNvPr>
+          <p:cNvSpPr/>
           <p:nvPr/>
-        </p:nvPicPr>
-        <p:blipFill>
-          <a:blip r:embed="rId2">
-            <a:extLst>
-              <a:ext uri="{28A0092B-C50C-407E-A947-70E740481C1C}">
-                <a14:useLocalDpi xmlns:a14="http://schemas.microsoft.com/office/drawing/2010/main" val="0"/>
-              </a:ext>
-            </a:extLst>
-          </a:blip>
-          <a:srcRect/>
-          <a:stretch>
-            <a:fillRect/>
-          </a:stretch>
-        </p:blipFill>
-        <p:spPr bwMode="auto">
-          <a:xfrm>
-            <a:off x="1543457" y="1861425"/>
-            <a:ext cx="9105086" cy="4428060"/>
+        </p:nvSpPr>
+        <p:spPr>
+          <a:xfrm>
+            <a:off x="2618669" y="2767280"/>
+            <a:ext cx="6954661" cy="707886"/>
           </a:xfrm>
           <a:prstGeom prst="rect">
             <a:avLst/>
           </a:prstGeom>
-          <a:noFill/>
-          <a:extLst>
-            <a:ext uri="{909E8E84-426E-40DD-AFC4-6F175D3DCCD1}">
-              <a14:hiddenFill xmlns:a14="http://schemas.microsoft.com/office/drawing/2010/main">
-                <a:solidFill>
-                  <a:srgbClr val="FFFFFF"/>
-                </a:solidFill>
-              </a14:hiddenFill>
-            </a:ext>
-          </a:extLst>
-        </p:spPr>
-      </p:pic>
+        </p:spPr>
+        <p:txBody>
+          <a:bodyPr wrap="none">
+            <a:spAutoFit/>
+          </a:bodyPr>
+          <a:lstStyle/>
+          <a:p>
+            <a:r>
+              <a:rPr lang="en-US" altLang="ko-KR" sz="4000" u="sng" dirty="0">
+                <a:latin typeface="배달의민족 주아" panose="02020603020101020101" pitchFamily="18" charset="-127"/>
+                <a:ea typeface="배달의민족 주아" panose="02020603020101020101" pitchFamily="18" charset="-127"/>
+              </a:rPr>
+              <a:t>T</a:t>
+            </a:r>
+            <a:r>
+              <a:rPr lang="en-US" altLang="ko-KR" sz="4000" dirty="0">
+                <a:latin typeface="배달의민족 주아" panose="02020603020101020101" pitchFamily="18" charset="-127"/>
+                <a:ea typeface="배달의민족 주아" panose="02020603020101020101" pitchFamily="18" charset="-127"/>
+              </a:rPr>
+              <a:t>ransmission </a:t>
+            </a:r>
+            <a:r>
+              <a:rPr lang="en-US" altLang="ko-KR" sz="4000" u="sng" dirty="0">
+                <a:latin typeface="배달의민족 주아" panose="02020603020101020101" pitchFamily="18" charset="-127"/>
+                <a:ea typeface="배달의민족 주아" panose="02020603020101020101" pitchFamily="18" charset="-127"/>
+              </a:rPr>
+              <a:t>C</a:t>
+            </a:r>
+            <a:r>
+              <a:rPr lang="en-US" altLang="ko-KR" sz="4000" dirty="0">
+                <a:latin typeface="배달의민족 주아" panose="02020603020101020101" pitchFamily="18" charset="-127"/>
+                <a:ea typeface="배달의민족 주아" panose="02020603020101020101" pitchFamily="18" charset="-127"/>
+              </a:rPr>
+              <a:t>ontrol </a:t>
+            </a:r>
+            <a:r>
+              <a:rPr lang="en-US" altLang="ko-KR" sz="4000" u="sng" dirty="0">
+                <a:latin typeface="배달의민족 주아" panose="02020603020101020101" pitchFamily="18" charset="-127"/>
+                <a:ea typeface="배달의민족 주아" panose="02020603020101020101" pitchFamily="18" charset="-127"/>
+              </a:rPr>
+              <a:t>P</a:t>
+            </a:r>
+            <a:r>
+              <a:rPr lang="en-US" altLang="ko-KR" sz="4000" dirty="0">
+                <a:latin typeface="배달의민족 주아" panose="02020603020101020101" pitchFamily="18" charset="-127"/>
+                <a:ea typeface="배달의민족 주아" panose="02020603020101020101" pitchFamily="18" charset="-127"/>
+              </a:rPr>
+              <a:t>rotocol</a:t>
+            </a:r>
+          </a:p>
+        </p:txBody>
+      </p:sp>
+      <p:sp>
+        <p:nvSpPr>
+          <p:cNvPr id="6" name="직사각형 5">
+            <a:extLst>
+              <a:ext uri="{FF2B5EF4-FFF2-40B4-BE49-F238E27FC236}">
+                <a16:creationId xmlns:a16="http://schemas.microsoft.com/office/drawing/2014/main" id="{1D85B040-3EDF-4D9F-A94E-75000DB8E3EA}"/>
+              </a:ext>
+            </a:extLst>
+          </p:cNvPr>
+          <p:cNvSpPr/>
+          <p:nvPr/>
+        </p:nvSpPr>
+        <p:spPr>
+          <a:xfrm>
+            <a:off x="4026265" y="3475166"/>
+            <a:ext cx="4139467" cy="707886"/>
+          </a:xfrm>
+          <a:prstGeom prst="rect">
+            <a:avLst/>
+          </a:prstGeom>
+        </p:spPr>
+        <p:txBody>
+          <a:bodyPr wrap="none">
+            <a:spAutoFit/>
+          </a:bodyPr>
+          <a:lstStyle/>
+          <a:p>
+            <a:pPr algn="ctr"/>
+            <a:r>
+              <a:rPr lang="en-US" altLang="ko-KR" sz="4000" u="sng" dirty="0">
+                <a:latin typeface="배달의민족 주아" panose="02020603020101020101" pitchFamily="18" charset="-127"/>
+                <a:ea typeface="배달의민족 주아" panose="02020603020101020101" pitchFamily="18" charset="-127"/>
+              </a:rPr>
+              <a:t>I</a:t>
+            </a:r>
+            <a:r>
+              <a:rPr lang="en-US" altLang="ko-KR" sz="4000" dirty="0">
+                <a:latin typeface="배달의민족 주아" panose="02020603020101020101" pitchFamily="18" charset="-127"/>
+                <a:ea typeface="배달의민족 주아" panose="02020603020101020101" pitchFamily="18" charset="-127"/>
+              </a:rPr>
+              <a:t>nternet </a:t>
+            </a:r>
+            <a:r>
+              <a:rPr lang="en-US" altLang="ko-KR" sz="4000" u="sng" dirty="0">
+                <a:latin typeface="배달의민족 주아" panose="02020603020101020101" pitchFamily="18" charset="-127"/>
+                <a:ea typeface="배달의민족 주아" panose="02020603020101020101" pitchFamily="18" charset="-127"/>
+              </a:rPr>
+              <a:t>P</a:t>
+            </a:r>
+            <a:r>
+              <a:rPr lang="en-US" altLang="ko-KR" sz="4000" dirty="0">
+                <a:latin typeface="배달의민족 주아" panose="02020603020101020101" pitchFamily="18" charset="-127"/>
+                <a:ea typeface="배달의민족 주아" panose="02020603020101020101" pitchFamily="18" charset="-127"/>
+              </a:rPr>
+              <a:t>rotocol</a:t>
+            </a:r>
+            <a:endParaRPr lang="ko-KR" altLang="en-US" sz="4000" dirty="0">
+              <a:latin typeface="배달의민족 주아" panose="02020603020101020101" pitchFamily="18" charset="-127"/>
+              <a:ea typeface="배달의민족 주아" panose="02020603020101020101" pitchFamily="18" charset="-127"/>
+            </a:endParaRPr>
+          </a:p>
+        </p:txBody>
+      </p:sp>
     </p:spTree>
     <p:extLst>
       <p:ext uri="{BB962C8B-B14F-4D97-AF65-F5344CB8AC3E}">
-        <p14:creationId xmlns:p14="http://schemas.microsoft.com/office/powerpoint/2010/main" val="1219418041"/>
+        <p14:creationId xmlns:p14="http://schemas.microsoft.com/office/powerpoint/2010/main" val="784482528"/>
       </p:ext>
     </p:extLst>
   </p:cSld>
@@ -6838,59 +6784,12 @@
           <a:chExt cx="0" cy="0"/>
         </a:xfrm>
       </p:grpSpPr>
-      <p:pic>
-        <p:nvPicPr>
-          <p:cNvPr id="10242" name="Picture 2" descr="https://github.com/SEH00N/GameServer_Study/raw/main/ETC/AboutTCP_UDP.png">
-            <a:extLst>
-              <a:ext uri="{FF2B5EF4-FFF2-40B4-BE49-F238E27FC236}">
-                <a16:creationId xmlns:a16="http://schemas.microsoft.com/office/drawing/2014/main" id="{59E95BD8-E3FC-4720-A4BD-B2AFB28C008A}"/>
-              </a:ext>
-            </a:extLst>
-          </p:cNvPr>
-          <p:cNvPicPr>
-            <a:picLocks noChangeAspect="1" noChangeArrowheads="1"/>
-          </p:cNvPicPr>
-          <p:nvPr/>
-        </p:nvPicPr>
-        <p:blipFill>
-          <a:blip r:embed="rId2">
-            <a:extLst>
-              <a:ext uri="{28A0092B-C50C-407E-A947-70E740481C1C}">
-                <a14:useLocalDpi xmlns:a14="http://schemas.microsoft.com/office/drawing/2010/main" val="0"/>
-              </a:ext>
-            </a:extLst>
-          </a:blip>
-          <a:srcRect/>
-          <a:stretch>
-            <a:fillRect/>
-          </a:stretch>
-        </p:blipFill>
-        <p:spPr bwMode="auto">
-          <a:xfrm>
-            <a:off x="1543457" y="1861425"/>
-            <a:ext cx="9105086" cy="4428060"/>
-          </a:xfrm>
-          <a:prstGeom prst="rect">
-            <a:avLst/>
-          </a:prstGeom>
-          <a:noFill/>
-          <a:extLst>
-            <a:ext uri="{909E8E84-426E-40DD-AFC4-6F175D3DCCD1}">
-              <a14:hiddenFill xmlns:a14="http://schemas.microsoft.com/office/drawing/2010/main">
-                <a:solidFill>
-                  <a:srgbClr val="FFFFFF"/>
-                </a:solidFill>
-              </a14:hiddenFill>
-            </a:ext>
-          </a:extLst>
-        </p:spPr>
-      </p:pic>
-      <p:sp>
-        <p:nvSpPr>
-          <p:cNvPr id="4" name="직사각형 3">
-            <a:extLst>
-              <a:ext uri="{FF2B5EF4-FFF2-40B4-BE49-F238E27FC236}">
-                <a16:creationId xmlns:a16="http://schemas.microsoft.com/office/drawing/2014/main" id="{489449FC-7605-483B-9827-BB8036E10361}"/>
+      <p:sp>
+        <p:nvSpPr>
+          <p:cNvPr id="8" name="직사각형 7">
+            <a:extLst>
+              <a:ext uri="{FF2B5EF4-FFF2-40B4-BE49-F238E27FC236}">
+                <a16:creationId xmlns:a16="http://schemas.microsoft.com/office/drawing/2014/main" id="{85917E34-56F5-407E-9E06-48B52273F6D5}"/>
               </a:ext>
             </a:extLst>
           </p:cNvPr>
@@ -6932,7 +6831,7 @@
           <a:lstStyle/>
           <a:p>
             <a:pPr algn="ctr"/>
-            <a:endParaRPr lang="ko-KR" altLang="en-US" sz="1400" dirty="0"/>
+            <a:endParaRPr lang="ko-KR" altLang="en-US" sz="1400"/>
           </a:p>
         </p:txBody>
       </p:sp>
@@ -6989,7 +6888,7 @@
                 <a:latin typeface="태나다체 " panose="02000000000000000000" pitchFamily="2" charset="-127"/>
                 <a:ea typeface="태나다체 " panose="02000000000000000000" pitchFamily="2" charset="-127"/>
               </a:rPr>
-              <a:t>TCP/UDP</a:t>
+              <a:t>TCP/IP</a:t>
             </a:r>
             <a:endParaRPr lang="ko-KR" altLang="en-US" sz="4800" dirty="0">
               <a:solidFill>
@@ -7003,10 +6902,10 @@
       </p:sp>
       <p:sp>
         <p:nvSpPr>
-          <p:cNvPr id="5" name="직사각형 4">
-            <a:extLst>
-              <a:ext uri="{FF2B5EF4-FFF2-40B4-BE49-F238E27FC236}">
-                <a16:creationId xmlns:a16="http://schemas.microsoft.com/office/drawing/2014/main" id="{6D6D3E65-6EF6-44CC-B8A1-517164438116}"/>
+          <p:cNvPr id="4" name="직사각형 3">
+            <a:extLst>
+              <a:ext uri="{FF2B5EF4-FFF2-40B4-BE49-F238E27FC236}">
+                <a16:creationId xmlns:a16="http://schemas.microsoft.com/office/drawing/2014/main" id="{0F920093-B5EB-482C-A0DF-470F7700C8D5}"/>
               </a:ext>
             </a:extLst>
           </p:cNvPr>
@@ -7015,8 +6914,8 @@
         </p:nvSpPr>
         <p:spPr>
           <a:xfrm>
-            <a:off x="2668619" y="2943649"/>
-            <a:ext cx="6854762" cy="1754326"/>
+            <a:off x="2618669" y="2767280"/>
+            <a:ext cx="6954661" cy="707886"/>
           </a:xfrm>
           <a:prstGeom prst="rect">
             <a:avLst/>
@@ -7028,6 +6927,161 @@
           </a:bodyPr>
           <a:lstStyle/>
           <a:p>
+            <a:r>
+              <a:rPr lang="en-US" altLang="ko-KR" sz="4000" u="sng" dirty="0">
+                <a:latin typeface="배달의민족 주아" panose="02020603020101020101" pitchFamily="18" charset="-127"/>
+                <a:ea typeface="배달의민족 주아" panose="02020603020101020101" pitchFamily="18" charset="-127"/>
+              </a:rPr>
+              <a:t>T</a:t>
+            </a:r>
+            <a:r>
+              <a:rPr lang="en-US" altLang="ko-KR" sz="4000" dirty="0">
+                <a:latin typeface="배달의민족 주아" panose="02020603020101020101" pitchFamily="18" charset="-127"/>
+                <a:ea typeface="배달의민족 주아" panose="02020603020101020101" pitchFamily="18" charset="-127"/>
+              </a:rPr>
+              <a:t>ransmission </a:t>
+            </a:r>
+            <a:r>
+              <a:rPr lang="en-US" altLang="ko-KR" sz="4000" u="sng" dirty="0">
+                <a:latin typeface="배달의민족 주아" panose="02020603020101020101" pitchFamily="18" charset="-127"/>
+                <a:ea typeface="배달의민족 주아" panose="02020603020101020101" pitchFamily="18" charset="-127"/>
+              </a:rPr>
+              <a:t>C</a:t>
+            </a:r>
+            <a:r>
+              <a:rPr lang="en-US" altLang="ko-KR" sz="4000" dirty="0">
+                <a:latin typeface="배달의민족 주아" panose="02020603020101020101" pitchFamily="18" charset="-127"/>
+                <a:ea typeface="배달의민족 주아" panose="02020603020101020101" pitchFamily="18" charset="-127"/>
+              </a:rPr>
+              <a:t>ontrol </a:t>
+            </a:r>
+            <a:r>
+              <a:rPr lang="en-US" altLang="ko-KR" sz="4000" u="sng" dirty="0">
+                <a:latin typeface="배달의민족 주아" panose="02020603020101020101" pitchFamily="18" charset="-127"/>
+                <a:ea typeface="배달의민족 주아" panose="02020603020101020101" pitchFamily="18" charset="-127"/>
+              </a:rPr>
+              <a:t>P</a:t>
+            </a:r>
+            <a:r>
+              <a:rPr lang="en-US" altLang="ko-KR" sz="4000" dirty="0">
+                <a:latin typeface="배달의민족 주아" panose="02020603020101020101" pitchFamily="18" charset="-127"/>
+                <a:ea typeface="배달의민족 주아" panose="02020603020101020101" pitchFamily="18" charset="-127"/>
+              </a:rPr>
+              <a:t>rotocol</a:t>
+            </a:r>
+          </a:p>
+        </p:txBody>
+      </p:sp>
+      <p:sp>
+        <p:nvSpPr>
+          <p:cNvPr id="6" name="직사각형 5">
+            <a:extLst>
+              <a:ext uri="{FF2B5EF4-FFF2-40B4-BE49-F238E27FC236}">
+                <a16:creationId xmlns:a16="http://schemas.microsoft.com/office/drawing/2014/main" id="{1D85B040-3EDF-4D9F-A94E-75000DB8E3EA}"/>
+              </a:ext>
+            </a:extLst>
+          </p:cNvPr>
+          <p:cNvSpPr/>
+          <p:nvPr/>
+        </p:nvSpPr>
+        <p:spPr>
+          <a:xfrm>
+            <a:off x="4026265" y="3475166"/>
+            <a:ext cx="4139467" cy="707886"/>
+          </a:xfrm>
+          <a:prstGeom prst="rect">
+            <a:avLst/>
+          </a:prstGeom>
+        </p:spPr>
+        <p:txBody>
+          <a:bodyPr wrap="none">
+            <a:spAutoFit/>
+          </a:bodyPr>
+          <a:lstStyle/>
+          <a:p>
+            <a:pPr algn="ctr"/>
+            <a:r>
+              <a:rPr lang="en-US" altLang="ko-KR" sz="4000" u="sng" dirty="0">
+                <a:latin typeface="배달의민족 주아" panose="02020603020101020101" pitchFamily="18" charset="-127"/>
+                <a:ea typeface="배달의민족 주아" panose="02020603020101020101" pitchFamily="18" charset="-127"/>
+              </a:rPr>
+              <a:t>I</a:t>
+            </a:r>
+            <a:r>
+              <a:rPr lang="en-US" altLang="ko-KR" sz="4000" dirty="0">
+                <a:latin typeface="배달의민족 주아" panose="02020603020101020101" pitchFamily="18" charset="-127"/>
+                <a:ea typeface="배달의민족 주아" panose="02020603020101020101" pitchFamily="18" charset="-127"/>
+              </a:rPr>
+              <a:t>nternet </a:t>
+            </a:r>
+            <a:r>
+              <a:rPr lang="en-US" altLang="ko-KR" sz="4000" u="sng" dirty="0">
+                <a:latin typeface="배달의민족 주아" panose="02020603020101020101" pitchFamily="18" charset="-127"/>
+                <a:ea typeface="배달의민족 주아" panose="02020603020101020101" pitchFamily="18" charset="-127"/>
+              </a:rPr>
+              <a:t>P</a:t>
+            </a:r>
+            <a:r>
+              <a:rPr lang="en-US" altLang="ko-KR" sz="4000" dirty="0">
+                <a:latin typeface="배달의민족 주아" panose="02020603020101020101" pitchFamily="18" charset="-127"/>
+                <a:ea typeface="배달의민족 주아" panose="02020603020101020101" pitchFamily="18" charset="-127"/>
+              </a:rPr>
+              <a:t>rotocol</a:t>
+            </a:r>
+            <a:endParaRPr lang="ko-KR" altLang="en-US" sz="4000" dirty="0">
+              <a:latin typeface="배달의민족 주아" panose="02020603020101020101" pitchFamily="18" charset="-127"/>
+              <a:ea typeface="배달의민족 주아" panose="02020603020101020101" pitchFamily="18" charset="-127"/>
+            </a:endParaRPr>
+          </a:p>
+        </p:txBody>
+      </p:sp>
+      <p:sp>
+        <p:nvSpPr>
+          <p:cNvPr id="9" name="직사각형 8">
+            <a:extLst>
+              <a:ext uri="{FF2B5EF4-FFF2-40B4-BE49-F238E27FC236}">
+                <a16:creationId xmlns:a16="http://schemas.microsoft.com/office/drawing/2014/main" id="{D0DD8159-C15D-4594-87BF-2695ECA8C201}"/>
+              </a:ext>
+            </a:extLst>
+          </p:cNvPr>
+          <p:cNvSpPr/>
+          <p:nvPr/>
+        </p:nvSpPr>
+        <p:spPr>
+          <a:xfrm>
+            <a:off x="4241163" y="2967335"/>
+            <a:ext cx="3709670" cy="923330"/>
+          </a:xfrm>
+          <a:prstGeom prst="rect">
+            <a:avLst/>
+          </a:prstGeom>
+        </p:spPr>
+        <p:txBody>
+          <a:bodyPr wrap="none">
+            <a:spAutoFit/>
+          </a:bodyPr>
+          <a:lstStyle/>
+          <a:p>
+            <a:r>
+              <a:rPr lang="ko-KR" altLang="en-US" sz="5400" dirty="0">
+                <a:solidFill>
+                  <a:schemeClr val="bg1"/>
+                </a:solidFill>
+                <a:latin typeface="배달의민족 주아" panose="02020603020101020101" pitchFamily="18" charset="-127"/>
+                <a:ea typeface="배달의민족 주아" panose="02020603020101020101" pitchFamily="18" charset="-127"/>
+              </a:rPr>
+              <a:t>얘는 또 </a:t>
+            </a:r>
+            <a:r>
+              <a:rPr lang="ko-KR" altLang="en-US" sz="5400" dirty="0" err="1">
+                <a:solidFill>
+                  <a:schemeClr val="bg1"/>
+                </a:solidFill>
+                <a:latin typeface="배달의민족 주아" panose="02020603020101020101" pitchFamily="18" charset="-127"/>
+                <a:ea typeface="배달의민족 주아" panose="02020603020101020101" pitchFamily="18" charset="-127"/>
+              </a:rPr>
+              <a:t>뭔데</a:t>
+            </a:r>
             <a:r>
               <a:rPr lang="en-US" altLang="ko-KR" sz="5400" dirty="0">
                 <a:solidFill>
@@ -7036,19 +7090,9 @@
                 <a:latin typeface="배달의민족 주아" panose="02020603020101020101" pitchFamily="18" charset="-127"/>
                 <a:ea typeface="배달의민족 주아" panose="02020603020101020101" pitchFamily="18" charset="-127"/>
               </a:rPr>
-              <a:t>TCP : </a:t>
-            </a:r>
-            <a:r>
-              <a:rPr lang="ko-KR" altLang="en-US" sz="5400" dirty="0">
-                <a:solidFill>
-                  <a:schemeClr val="bg1"/>
-                </a:solidFill>
-                <a:latin typeface="배달의민족 주아" panose="02020603020101020101" pitchFamily="18" charset="-127"/>
-                <a:ea typeface="배달의민족 주아" panose="02020603020101020101" pitchFamily="18" charset="-127"/>
-              </a:rPr>
-              <a:t>안전하고 느린 것</a:t>
-            </a:r>
-            <a:endParaRPr lang="en-US" altLang="ko-KR" sz="5400" dirty="0">
+              <a:t>;;</a:t>
+            </a:r>
+            <a:endParaRPr lang="ko-KR" altLang="en-US" sz="5400" dirty="0">
               <a:solidFill>
                 <a:schemeClr val="bg1"/>
               </a:solidFill>
@@ -7056,34 +7100,12 @@
               <a:ea typeface="배달의민족 주아" panose="02020603020101020101" pitchFamily="18" charset="-127"/>
             </a:endParaRPr>
           </a:p>
-          <a:p>
-            <a:r>
-              <a:rPr lang="en-US" altLang="ko-KR" sz="5400" dirty="0">
-                <a:solidFill>
-                  <a:schemeClr val="bg1"/>
-                </a:solidFill>
-                <a:latin typeface="배달의민족 주아" panose="02020603020101020101" pitchFamily="18" charset="-127"/>
-                <a:ea typeface="배달의민족 주아" panose="02020603020101020101" pitchFamily="18" charset="-127"/>
-              </a:rPr>
-              <a:t>UDP : </a:t>
-            </a:r>
-            <a:r>
-              <a:rPr lang="ko-KR" altLang="en-US" sz="5400" dirty="0">
-                <a:solidFill>
-                  <a:schemeClr val="bg1"/>
-                </a:solidFill>
-                <a:latin typeface="배달의민족 주아" panose="02020603020101020101" pitchFamily="18" charset="-127"/>
-                <a:ea typeface="배달의민족 주아" panose="02020603020101020101" pitchFamily="18" charset="-127"/>
-              </a:rPr>
-              <a:t>불안전하고 빠른 것</a:t>
-            </a:r>
-          </a:p>
         </p:txBody>
       </p:sp>
     </p:spTree>
     <p:extLst>
       <p:ext uri="{BB962C8B-B14F-4D97-AF65-F5344CB8AC3E}">
-        <p14:creationId xmlns:p14="http://schemas.microsoft.com/office/powerpoint/2010/main" val="1399695798"/>
+        <p14:creationId xmlns:p14="http://schemas.microsoft.com/office/powerpoint/2010/main" val="3988870193"/>
       </p:ext>
     </p:extLst>
   </p:cSld>
@@ -7110,59 +7132,12 @@
           <a:chExt cx="0" cy="0"/>
         </a:xfrm>
       </p:grpSpPr>
-      <p:pic>
-        <p:nvPicPr>
-          <p:cNvPr id="12290" name="Picture 2" descr="https://github.com/SEH00N/GameServer_Study/raw/main/ETC/Packet.png">
-            <a:extLst>
-              <a:ext uri="{FF2B5EF4-FFF2-40B4-BE49-F238E27FC236}">
-                <a16:creationId xmlns:a16="http://schemas.microsoft.com/office/drawing/2014/main" id="{095D0B5B-8E8A-486E-BAA6-5AC3B19A7C21}"/>
-              </a:ext>
-            </a:extLst>
-          </p:cNvPr>
-          <p:cNvPicPr>
-            <a:picLocks noChangeAspect="1" noChangeArrowheads="1"/>
-          </p:cNvPicPr>
-          <p:nvPr/>
-        </p:nvPicPr>
-        <p:blipFill>
-          <a:blip r:embed="rId2">
-            <a:extLst>
-              <a:ext uri="{28A0092B-C50C-407E-A947-70E740481C1C}">
-                <a14:useLocalDpi xmlns:a14="http://schemas.microsoft.com/office/drawing/2010/main" val="0"/>
-              </a:ext>
-            </a:extLst>
-          </a:blip>
-          <a:srcRect/>
-          <a:stretch>
-            <a:fillRect/>
-          </a:stretch>
-        </p:blipFill>
-        <p:spPr bwMode="auto">
-          <a:xfrm>
-            <a:off x="1548151" y="1666755"/>
-            <a:ext cx="9095698" cy="4482710"/>
-          </a:xfrm>
-          <a:prstGeom prst="rect">
-            <a:avLst/>
-          </a:prstGeom>
-          <a:noFill/>
-          <a:extLst>
-            <a:ext uri="{909E8E84-426E-40DD-AFC4-6F175D3DCCD1}">
-              <a14:hiddenFill xmlns:a14="http://schemas.microsoft.com/office/drawing/2010/main">
-                <a:solidFill>
-                  <a:srgbClr val="FFFFFF"/>
-                </a:solidFill>
-              </a14:hiddenFill>
-            </a:ext>
-          </a:extLst>
-        </p:spPr>
-      </p:pic>
-      <p:sp>
-        <p:nvSpPr>
-          <p:cNvPr id="2" name="직사각형 1">
-            <a:extLst>
-              <a:ext uri="{FF2B5EF4-FFF2-40B4-BE49-F238E27FC236}">
-                <a16:creationId xmlns:a16="http://schemas.microsoft.com/office/drawing/2014/main" id="{54E2CD7B-74A6-44AA-A46D-C26DA263A8E7}"/>
+      <p:sp>
+        <p:nvSpPr>
+          <p:cNvPr id="4" name="직사각형 3">
+            <a:extLst>
+              <a:ext uri="{FF2B5EF4-FFF2-40B4-BE49-F238E27FC236}">
+                <a16:creationId xmlns:a16="http://schemas.microsoft.com/office/drawing/2014/main" id="{0F920093-B5EB-482C-A0DF-470F7700C8D5}"/>
               </a:ext>
             </a:extLst>
           </p:cNvPr>
@@ -7171,14 +7146,151 @@
         </p:nvSpPr>
         <p:spPr>
           <a:xfrm>
-            <a:off x="0" y="339365"/>
-            <a:ext cx="3619893" cy="1221117"/>
+            <a:off x="2618669" y="2767280"/>
+            <a:ext cx="6954661" cy="707886"/>
           </a:xfrm>
           <a:prstGeom prst="rect">
             <a:avLst/>
           </a:prstGeom>
+        </p:spPr>
+        <p:txBody>
+          <a:bodyPr wrap="none">
+            <a:spAutoFit/>
+          </a:bodyPr>
+          <a:lstStyle/>
+          <a:p>
+            <a:r>
+              <a:rPr lang="en-US" altLang="ko-KR" sz="4000" u="sng" dirty="0">
+                <a:latin typeface="배달의민족 주아" panose="02020603020101020101" pitchFamily="18" charset="-127"/>
+                <a:ea typeface="배달의민족 주아" panose="02020603020101020101" pitchFamily="18" charset="-127"/>
+              </a:rPr>
+              <a:t>T</a:t>
+            </a:r>
+            <a:r>
+              <a:rPr lang="en-US" altLang="ko-KR" sz="4000" dirty="0">
+                <a:latin typeface="배달의민족 주아" panose="02020603020101020101" pitchFamily="18" charset="-127"/>
+                <a:ea typeface="배달의민족 주아" panose="02020603020101020101" pitchFamily="18" charset="-127"/>
+              </a:rPr>
+              <a:t>ransmission </a:t>
+            </a:r>
+            <a:r>
+              <a:rPr lang="en-US" altLang="ko-KR" sz="4000" u="sng" dirty="0">
+                <a:latin typeface="배달의민족 주아" panose="02020603020101020101" pitchFamily="18" charset="-127"/>
+                <a:ea typeface="배달의민족 주아" panose="02020603020101020101" pitchFamily="18" charset="-127"/>
+              </a:rPr>
+              <a:t>C</a:t>
+            </a:r>
+            <a:r>
+              <a:rPr lang="en-US" altLang="ko-KR" sz="4000" dirty="0">
+                <a:latin typeface="배달의민족 주아" panose="02020603020101020101" pitchFamily="18" charset="-127"/>
+                <a:ea typeface="배달의민족 주아" panose="02020603020101020101" pitchFamily="18" charset="-127"/>
+              </a:rPr>
+              <a:t>ontrol </a:t>
+            </a:r>
+            <a:r>
+              <a:rPr lang="en-US" altLang="ko-KR" sz="4000" u="sng" dirty="0">
+                <a:latin typeface="배달의민족 주아" panose="02020603020101020101" pitchFamily="18" charset="-127"/>
+                <a:ea typeface="배달의민족 주아" panose="02020603020101020101" pitchFamily="18" charset="-127"/>
+              </a:rPr>
+              <a:t>P</a:t>
+            </a:r>
+            <a:r>
+              <a:rPr lang="en-US" altLang="ko-KR" sz="4000" dirty="0">
+                <a:latin typeface="배달의민족 주아" panose="02020603020101020101" pitchFamily="18" charset="-127"/>
+                <a:ea typeface="배달의민족 주아" panose="02020603020101020101" pitchFamily="18" charset="-127"/>
+              </a:rPr>
+              <a:t>rotocol</a:t>
+            </a:r>
+          </a:p>
+        </p:txBody>
+      </p:sp>
+      <p:sp>
+        <p:nvSpPr>
+          <p:cNvPr id="6" name="직사각형 5">
+            <a:extLst>
+              <a:ext uri="{FF2B5EF4-FFF2-40B4-BE49-F238E27FC236}">
+                <a16:creationId xmlns:a16="http://schemas.microsoft.com/office/drawing/2014/main" id="{1D85B040-3EDF-4D9F-A94E-75000DB8E3EA}"/>
+              </a:ext>
+            </a:extLst>
+          </p:cNvPr>
+          <p:cNvSpPr/>
+          <p:nvPr/>
+        </p:nvSpPr>
+        <p:spPr>
+          <a:xfrm>
+            <a:off x="4026265" y="3475166"/>
+            <a:ext cx="4139467" cy="707886"/>
+          </a:xfrm>
+          <a:prstGeom prst="rect">
+            <a:avLst/>
+          </a:prstGeom>
+        </p:spPr>
+        <p:txBody>
+          <a:bodyPr wrap="none">
+            <a:spAutoFit/>
+          </a:bodyPr>
+          <a:lstStyle/>
+          <a:p>
+            <a:pPr algn="ctr"/>
+            <a:r>
+              <a:rPr lang="en-US" altLang="ko-KR" sz="4000" u="sng" dirty="0">
+                <a:latin typeface="배달의민족 주아" panose="02020603020101020101" pitchFamily="18" charset="-127"/>
+                <a:ea typeface="배달의민족 주아" panose="02020603020101020101" pitchFamily="18" charset="-127"/>
+              </a:rPr>
+              <a:t>I</a:t>
+            </a:r>
+            <a:r>
+              <a:rPr lang="en-US" altLang="ko-KR" sz="4000" dirty="0">
+                <a:latin typeface="배달의민족 주아" panose="02020603020101020101" pitchFamily="18" charset="-127"/>
+                <a:ea typeface="배달의민족 주아" panose="02020603020101020101" pitchFamily="18" charset="-127"/>
+              </a:rPr>
+              <a:t>nternet </a:t>
+            </a:r>
+            <a:r>
+              <a:rPr lang="en-US" altLang="ko-KR" sz="4000" u="sng" dirty="0">
+                <a:latin typeface="배달의민족 주아" panose="02020603020101020101" pitchFamily="18" charset="-127"/>
+                <a:ea typeface="배달의민족 주아" panose="02020603020101020101" pitchFamily="18" charset="-127"/>
+              </a:rPr>
+              <a:t>P</a:t>
+            </a:r>
+            <a:r>
+              <a:rPr lang="en-US" altLang="ko-KR" sz="4000" dirty="0">
+                <a:latin typeface="배달의민족 주아" panose="02020603020101020101" pitchFamily="18" charset="-127"/>
+                <a:ea typeface="배달의민족 주아" panose="02020603020101020101" pitchFamily="18" charset="-127"/>
+              </a:rPr>
+              <a:t>rotocol</a:t>
+            </a:r>
+            <a:endParaRPr lang="ko-KR" altLang="en-US" sz="4000" dirty="0">
+              <a:latin typeface="배달의민족 주아" panose="02020603020101020101" pitchFamily="18" charset="-127"/>
+              <a:ea typeface="배달의민족 주아" panose="02020603020101020101" pitchFamily="18" charset="-127"/>
+            </a:endParaRPr>
+          </a:p>
+        </p:txBody>
+      </p:sp>
+      <p:sp>
+        <p:nvSpPr>
+          <p:cNvPr id="8" name="직사각형 7">
+            <a:extLst>
+              <a:ext uri="{FF2B5EF4-FFF2-40B4-BE49-F238E27FC236}">
+                <a16:creationId xmlns:a16="http://schemas.microsoft.com/office/drawing/2014/main" id="{85917E34-56F5-407E-9E06-48B52273F6D5}"/>
+              </a:ext>
+            </a:extLst>
+          </p:cNvPr>
+          <p:cNvSpPr/>
+          <p:nvPr/>
+        </p:nvSpPr>
+        <p:spPr>
+          <a:xfrm>
+            <a:off x="0" y="0"/>
+            <a:ext cx="12192000" cy="6858000"/>
+          </a:xfrm>
+          <a:prstGeom prst="rect">
+            <a:avLst/>
+          </a:prstGeom>
           <a:solidFill>
-            <a:schemeClr val="tx1"/>
+            <a:schemeClr val="tx1">
+              <a:alpha val="65000"/>
+            </a:schemeClr>
           </a:solidFill>
         </p:spPr>
         <p:style>
@@ -7202,15 +7314,111 @@
           <a:lstStyle/>
           <a:p>
             <a:pPr algn="ctr"/>
-            <a:r>
-              <a:rPr lang="ko-KR" altLang="en-US" sz="4800" dirty="0">
+            <a:endParaRPr lang="ko-KR" altLang="en-US" sz="1400" dirty="0"/>
+          </a:p>
+        </p:txBody>
+      </p:sp>
+      <p:sp>
+        <p:nvSpPr>
+          <p:cNvPr id="2" name="직사각형 1">
+            <a:extLst>
+              <a:ext uri="{FF2B5EF4-FFF2-40B4-BE49-F238E27FC236}">
+                <a16:creationId xmlns:a16="http://schemas.microsoft.com/office/drawing/2014/main" id="{54E2CD7B-74A6-44AA-A46D-C26DA263A8E7}"/>
+              </a:ext>
+            </a:extLst>
+          </p:cNvPr>
+          <p:cNvSpPr/>
+          <p:nvPr/>
+        </p:nvSpPr>
+        <p:spPr>
+          <a:xfrm>
+            <a:off x="0" y="339365"/>
+            <a:ext cx="3619893" cy="1221117"/>
+          </a:xfrm>
+          <a:prstGeom prst="rect">
+            <a:avLst/>
+          </a:prstGeom>
+          <a:solidFill>
+            <a:schemeClr val="tx1"/>
+          </a:solidFill>
+        </p:spPr>
+        <p:style>
+          <a:lnRef idx="2">
+            <a:schemeClr val="accent1">
+              <a:shade val="50000"/>
+            </a:schemeClr>
+          </a:lnRef>
+          <a:fillRef idx="1">
+            <a:schemeClr val="accent1"/>
+          </a:fillRef>
+          <a:effectRef idx="0">
+            <a:schemeClr val="accent1"/>
+          </a:effectRef>
+          <a:fontRef idx="minor">
+            <a:schemeClr val="lt1"/>
+          </a:fontRef>
+        </p:style>
+        <p:txBody>
+          <a:bodyPr rtlCol="0" anchor="ctr"/>
+          <a:lstStyle/>
+          <a:p>
+            <a:pPr algn="ctr"/>
+            <a:r>
+              <a:rPr lang="en-US" altLang="ko-KR" sz="4800" dirty="0">
                 <a:solidFill>
                   <a:schemeClr val="bg1"/>
                 </a:solidFill>
                 <a:latin typeface="태나다체 " panose="02000000000000000000" pitchFamily="2" charset="-127"/>
                 <a:ea typeface="태나다체 " panose="02000000000000000000" pitchFamily="2" charset="-127"/>
               </a:rPr>
-              <a:t>패킷</a:t>
+              <a:t>TCP/IP</a:t>
+            </a:r>
+            <a:endParaRPr lang="ko-KR" altLang="en-US" sz="4800" dirty="0">
+              <a:solidFill>
+                <a:schemeClr val="bg1"/>
+              </a:solidFill>
+              <a:latin typeface="태나다체 " panose="02000000000000000000" pitchFamily="2" charset="-127"/>
+              <a:ea typeface="태나다체 " panose="02000000000000000000" pitchFamily="2" charset="-127"/>
+            </a:endParaRPr>
+          </a:p>
+        </p:txBody>
+      </p:sp>
+      <p:sp>
+        <p:nvSpPr>
+          <p:cNvPr id="9" name="직사각형 8">
+            <a:extLst>
+              <a:ext uri="{FF2B5EF4-FFF2-40B4-BE49-F238E27FC236}">
+                <a16:creationId xmlns:a16="http://schemas.microsoft.com/office/drawing/2014/main" id="{D0DD8159-C15D-4594-87BF-2695ECA8C201}"/>
+              </a:ext>
+            </a:extLst>
+          </p:cNvPr>
+          <p:cNvSpPr/>
+          <p:nvPr/>
+        </p:nvSpPr>
+        <p:spPr>
+          <a:xfrm>
+            <a:off x="4889578" y="2967335"/>
+            <a:ext cx="2412840" cy="923330"/>
+          </a:xfrm>
+          <a:prstGeom prst="rect">
+            <a:avLst/>
+          </a:prstGeom>
+        </p:spPr>
+        <p:txBody>
+          <a:bodyPr wrap="none">
+            <a:spAutoFit/>
+          </a:bodyPr>
+          <a:lstStyle/>
+          <a:p>
+            <a:r>
+              <a:rPr lang="ko-KR" altLang="en-US" sz="5400" dirty="0">
+                <a:solidFill>
+                  <a:schemeClr val="bg1"/>
+                </a:solidFill>
+                <a:latin typeface="배달의민족 주아" panose="02020603020101020101" pitchFamily="18" charset="-127"/>
+                <a:ea typeface="배달의민족 주아" panose="02020603020101020101" pitchFamily="18" charset="-127"/>
+              </a:rPr>
+              <a:t>프로토콜</a:t>
             </a:r>
           </a:p>
         </p:txBody>
@@ -7218,7 +7426,7 @@
     </p:spTree>
     <p:extLst>
       <p:ext uri="{BB962C8B-B14F-4D97-AF65-F5344CB8AC3E}">
-        <p14:creationId xmlns:p14="http://schemas.microsoft.com/office/powerpoint/2010/main" val="1023705293"/>
+        <p14:creationId xmlns:p14="http://schemas.microsoft.com/office/powerpoint/2010/main" val="1753598387"/>
       </p:ext>
     </p:extLst>
   </p:cSld>
@@ -7245,59 +7453,12 @@
           <a:chExt cx="0" cy="0"/>
         </a:xfrm>
       </p:grpSpPr>
-      <p:pic>
-        <p:nvPicPr>
-          <p:cNvPr id="12290" name="Picture 2" descr="https://github.com/SEH00N/GameServer_Study/raw/main/ETC/Packet.png">
-            <a:extLst>
-              <a:ext uri="{FF2B5EF4-FFF2-40B4-BE49-F238E27FC236}">
-                <a16:creationId xmlns:a16="http://schemas.microsoft.com/office/drawing/2014/main" id="{095D0B5B-8E8A-486E-BAA6-5AC3B19A7C21}"/>
-              </a:ext>
-            </a:extLst>
-          </p:cNvPr>
-          <p:cNvPicPr>
-            <a:picLocks noChangeAspect="1" noChangeArrowheads="1"/>
-          </p:cNvPicPr>
-          <p:nvPr/>
-        </p:nvPicPr>
-        <p:blipFill>
-          <a:blip r:embed="rId2">
-            <a:extLst>
-              <a:ext uri="{28A0092B-C50C-407E-A947-70E740481C1C}">
-                <a14:useLocalDpi xmlns:a14="http://schemas.microsoft.com/office/drawing/2010/main" val="0"/>
-              </a:ext>
-            </a:extLst>
-          </a:blip>
-          <a:srcRect/>
-          <a:stretch>
-            <a:fillRect/>
-          </a:stretch>
-        </p:blipFill>
-        <p:spPr bwMode="auto">
-          <a:xfrm>
-            <a:off x="1548151" y="1666755"/>
-            <a:ext cx="9095698" cy="4482710"/>
-          </a:xfrm>
-          <a:prstGeom prst="rect">
-            <a:avLst/>
-          </a:prstGeom>
-          <a:noFill/>
-          <a:extLst>
-            <a:ext uri="{909E8E84-426E-40DD-AFC4-6F175D3DCCD1}">
-              <a14:hiddenFill xmlns:a14="http://schemas.microsoft.com/office/drawing/2010/main">
-                <a:solidFill>
-                  <a:srgbClr val="FFFFFF"/>
-                </a:solidFill>
-              </a14:hiddenFill>
-            </a:ext>
-          </a:extLst>
-        </p:spPr>
-      </p:pic>
-      <p:sp>
-        <p:nvSpPr>
-          <p:cNvPr id="7" name="직사각형 6">
-            <a:extLst>
-              <a:ext uri="{FF2B5EF4-FFF2-40B4-BE49-F238E27FC236}">
-                <a16:creationId xmlns:a16="http://schemas.microsoft.com/office/drawing/2014/main" id="{64DF5646-DB9B-4F29-8148-220CF3748FFC}"/>
+      <p:sp>
+        <p:nvSpPr>
+          <p:cNvPr id="2" name="직사각형 1">
+            <a:extLst>
+              <a:ext uri="{FF2B5EF4-FFF2-40B4-BE49-F238E27FC236}">
+                <a16:creationId xmlns:a16="http://schemas.microsoft.com/office/drawing/2014/main" id="{54E2CD7B-74A6-44AA-A46D-C26DA263A8E7}"/>
               </a:ext>
             </a:extLst>
           </p:cNvPr>
@@ -7306,16 +7467,14 @@
         </p:nvSpPr>
         <p:spPr>
           <a:xfrm>
-            <a:off x="0" y="0"/>
-            <a:ext cx="12192000" cy="6858000"/>
+            <a:off x="0" y="339365"/>
+            <a:ext cx="3619893" cy="1221117"/>
           </a:xfrm>
           <a:prstGeom prst="rect">
             <a:avLst/>
           </a:prstGeom>
           <a:solidFill>
-            <a:schemeClr val="tx1">
-              <a:alpha val="65000"/>
-            </a:schemeClr>
+            <a:schemeClr val="tx1"/>
           </a:solidFill>
         </p:spPr>
         <p:style>
@@ -7339,133 +7498,77 @@
           <a:lstStyle/>
           <a:p>
             <a:pPr algn="ctr"/>
-            <a:endParaRPr lang="ko-KR" altLang="en-US" sz="1400" dirty="0"/>
-          </a:p>
-        </p:txBody>
-      </p:sp>
-      <p:sp>
-        <p:nvSpPr>
-          <p:cNvPr id="2" name="직사각형 1">
-            <a:extLst>
-              <a:ext uri="{FF2B5EF4-FFF2-40B4-BE49-F238E27FC236}">
-                <a16:creationId xmlns:a16="http://schemas.microsoft.com/office/drawing/2014/main" id="{54E2CD7B-74A6-44AA-A46D-C26DA263A8E7}"/>
-              </a:ext>
-            </a:extLst>
-          </p:cNvPr>
-          <p:cNvSpPr/>
-          <p:nvPr/>
-        </p:nvSpPr>
-        <p:spPr>
-          <a:xfrm>
-            <a:off x="0" y="339365"/>
-            <a:ext cx="3619893" cy="1221117"/>
-          </a:xfrm>
-          <a:prstGeom prst="rect">
-            <a:avLst/>
-          </a:prstGeom>
-          <a:solidFill>
-            <a:schemeClr val="tx1"/>
-          </a:solidFill>
-        </p:spPr>
-        <p:style>
-          <a:lnRef idx="2">
-            <a:schemeClr val="accent1">
-              <a:shade val="50000"/>
-            </a:schemeClr>
-          </a:lnRef>
-          <a:fillRef idx="1">
-            <a:schemeClr val="accent1"/>
-          </a:fillRef>
-          <a:effectRef idx="0">
-            <a:schemeClr val="accent1"/>
-          </a:effectRef>
-          <a:fontRef idx="minor">
-            <a:schemeClr val="lt1"/>
-          </a:fontRef>
-        </p:style>
-        <p:txBody>
-          <a:bodyPr rtlCol="0" anchor="ctr"/>
-          <a:lstStyle/>
-          <a:p>
-            <a:pPr algn="ctr"/>
-            <a:r>
-              <a:rPr lang="ko-KR" altLang="en-US" sz="4800" dirty="0">
+            <a:r>
+              <a:rPr lang="en-US" altLang="ko-KR" sz="4800" dirty="0">
                 <a:solidFill>
                   <a:schemeClr val="bg1"/>
                 </a:solidFill>
                 <a:latin typeface="태나다체 " panose="02000000000000000000" pitchFamily="2" charset="-127"/>
                 <a:ea typeface="태나다체 " panose="02000000000000000000" pitchFamily="2" charset="-127"/>
               </a:rPr>
-              <a:t>패킷</a:t>
-            </a:r>
-          </a:p>
-        </p:txBody>
-      </p:sp>
-      <p:sp>
-        <p:nvSpPr>
-          <p:cNvPr id="5" name="직사각형 4">
-            <a:extLst>
-              <a:ext uri="{FF2B5EF4-FFF2-40B4-BE49-F238E27FC236}">
-                <a16:creationId xmlns:a16="http://schemas.microsoft.com/office/drawing/2014/main" id="{A44E8542-05C7-4E5B-A2CD-1278E6499096}"/>
-              </a:ext>
-            </a:extLst>
-          </p:cNvPr>
-          <p:cNvSpPr/>
+              <a:t>TCP/IP</a:t>
+            </a:r>
+            <a:endParaRPr lang="ko-KR" altLang="en-US" sz="4800" dirty="0">
+              <a:solidFill>
+                <a:schemeClr val="bg1"/>
+              </a:solidFill>
+              <a:latin typeface="태나다체 " panose="02000000000000000000" pitchFamily="2" charset="-127"/>
+              <a:ea typeface="태나다체 " panose="02000000000000000000" pitchFamily="2" charset="-127"/>
+            </a:endParaRPr>
+          </a:p>
+        </p:txBody>
+      </p:sp>
+      <p:pic>
+        <p:nvPicPr>
+          <p:cNvPr id="7170" name="Picture 2" descr="https://github.com/SEH00N/GameServer_Study/raw/main/ETC/TCP_IP.png">
+            <a:extLst>
+              <a:ext uri="{FF2B5EF4-FFF2-40B4-BE49-F238E27FC236}">
+                <a16:creationId xmlns:a16="http://schemas.microsoft.com/office/drawing/2014/main" id="{CC8BDC51-0B29-49BA-88D2-AD60CF6A280D}"/>
+              </a:ext>
+            </a:extLst>
+          </p:cNvPr>
+          <p:cNvPicPr>
+            <a:picLocks noChangeAspect="1" noChangeArrowheads="1"/>
+          </p:cNvPicPr>
           <p:nvPr/>
-        </p:nvSpPr>
-        <p:spPr>
-          <a:xfrm>
-            <a:off x="1816623" y="2984780"/>
-            <a:ext cx="8558753" cy="923330"/>
+        </p:nvPicPr>
+        <p:blipFill>
+          <a:blip r:embed="rId2">
+            <a:extLst>
+              <a:ext uri="{28A0092B-C50C-407E-A947-70E740481C1C}">
+                <a14:useLocalDpi xmlns:a14="http://schemas.microsoft.com/office/drawing/2010/main" val="0"/>
+              </a:ext>
+            </a:extLst>
+          </a:blip>
+          <a:srcRect/>
+          <a:stretch>
+            <a:fillRect/>
+          </a:stretch>
+        </p:blipFill>
+        <p:spPr bwMode="auto">
+          <a:xfrm>
+            <a:off x="1385693" y="1887298"/>
+            <a:ext cx="9976424" cy="4282847"/>
           </a:xfrm>
           <a:prstGeom prst="rect">
             <a:avLst/>
           </a:prstGeom>
-        </p:spPr>
-        <p:txBody>
-          <a:bodyPr wrap="none">
-            <a:spAutoFit/>
-          </a:bodyPr>
-          <a:lstStyle/>
-          <a:p>
-            <a:pPr algn="ctr"/>
-            <a:r>
-              <a:rPr lang="ko-KR" altLang="en-US" sz="5400" dirty="0">
+          <a:noFill/>
+          <a:extLst>
+            <a:ext uri="{909E8E84-426E-40DD-AFC4-6F175D3DCCD1}">
+              <a14:hiddenFill xmlns:a14="http://schemas.microsoft.com/office/drawing/2010/main">
                 <a:solidFill>
-                  <a:schemeClr val="bg1"/>
+                  <a:srgbClr val="FFFFFF"/>
                 </a:solidFill>
-                <a:latin typeface="배달의민족 주아" panose="02020603020101020101" pitchFamily="18" charset="-127"/>
-                <a:ea typeface="배달의민족 주아" panose="02020603020101020101" pitchFamily="18" charset="-127"/>
-              </a:rPr>
-              <a:t>인터넷에서 </a:t>
-            </a:r>
-            <a:r>
-              <a:rPr lang="ko-KR" altLang="en-US" sz="5400" dirty="0" err="1">
-                <a:solidFill>
-                  <a:schemeClr val="bg1"/>
-                </a:solidFill>
-                <a:latin typeface="배달의민족 주아" panose="02020603020101020101" pitchFamily="18" charset="-127"/>
-                <a:ea typeface="배달의민족 주아" panose="02020603020101020101" pitchFamily="18" charset="-127"/>
-              </a:rPr>
-              <a:t>통신되는</a:t>
-            </a:r>
-            <a:r>
-              <a:rPr lang="ko-KR" altLang="en-US" sz="5400" dirty="0">
-                <a:solidFill>
-                  <a:schemeClr val="bg1"/>
-                </a:solidFill>
-                <a:latin typeface="배달의민족 주아" panose="02020603020101020101" pitchFamily="18" charset="-127"/>
-                <a:ea typeface="배달의민족 주아" panose="02020603020101020101" pitchFamily="18" charset="-127"/>
-              </a:rPr>
-              <a:t> 데이터 단위</a:t>
-            </a:r>
-          </a:p>
-        </p:txBody>
-      </p:sp>
+              </a14:hiddenFill>
+            </a:ext>
+          </a:extLst>
+        </p:spPr>
+      </p:pic>
     </p:spTree>
     <p:extLst>
       <p:ext uri="{BB962C8B-B14F-4D97-AF65-F5344CB8AC3E}">
-        <p14:creationId xmlns:p14="http://schemas.microsoft.com/office/powerpoint/2010/main" val="280568215"/>
+        <p14:creationId xmlns:p14="http://schemas.microsoft.com/office/powerpoint/2010/main" val="2125875146"/>
       </p:ext>
     </p:extLst>
   </p:cSld>
@@ -7494,10 +7597,10 @@
       </p:grpSpPr>
       <p:sp>
         <p:nvSpPr>
-          <p:cNvPr id="2" name="직사각형 1">
-            <a:extLst>
-              <a:ext uri="{FF2B5EF4-FFF2-40B4-BE49-F238E27FC236}">
-                <a16:creationId xmlns:a16="http://schemas.microsoft.com/office/drawing/2014/main" id="{54E2CD7B-74A6-44AA-A46D-C26DA263A8E7}"/>
+          <p:cNvPr id="4" name="직사각형 3">
+            <a:extLst>
+              <a:ext uri="{FF2B5EF4-FFF2-40B4-BE49-F238E27FC236}">
+                <a16:creationId xmlns:a16="http://schemas.microsoft.com/office/drawing/2014/main" id="{B2B6E716-7CBD-49E7-9FFA-25B9DCEC75FA}"/>
               </a:ext>
             </a:extLst>
           </p:cNvPr>
@@ -7506,8 +7609,8 @@
         </p:nvSpPr>
         <p:spPr>
           <a:xfrm>
-            <a:off x="0" y="339365"/>
-            <a:ext cx="3619893" cy="1221117"/>
+            <a:off x="0" y="2582771"/>
+            <a:ext cx="12192000" cy="1692458"/>
           </a:xfrm>
           <a:prstGeom prst="rect">
             <a:avLst/>
@@ -7545,17 +7648,47 @@
                 <a:latin typeface="태나다체 " panose="02000000000000000000" pitchFamily="2" charset="-127"/>
                 <a:ea typeface="태나다체 " panose="02000000000000000000" pitchFamily="2" charset="-127"/>
               </a:rPr>
-              <a:t>기타</a:t>
-            </a:r>
-          </a:p>
-        </p:txBody>
-      </p:sp>
-      <p:sp>
-        <p:nvSpPr>
-          <p:cNvPr id="6" name="직사각형 5">
-            <a:extLst>
-              <a:ext uri="{FF2B5EF4-FFF2-40B4-BE49-F238E27FC236}">
-                <a16:creationId xmlns:a16="http://schemas.microsoft.com/office/drawing/2014/main" id="{41CE00C3-4684-47B9-BD9A-C90FEDADD325}"/>
+              <a:t>기타 네트워크 지식</a:t>
+            </a:r>
+          </a:p>
+        </p:txBody>
+      </p:sp>
+    </p:spTree>
+    <p:extLst>
+      <p:ext uri="{BB962C8B-B14F-4D97-AF65-F5344CB8AC3E}">
+        <p14:creationId xmlns:p14="http://schemas.microsoft.com/office/powerpoint/2010/main" val="1219418041"/>
+      </p:ext>
+    </p:extLst>
+  </p:cSld>
+  <p:clrMapOvr>
+    <a:masterClrMapping/>
+  </p:clrMapOvr>
+</p:sld>
+</file>
+
+<file path=ppt/slides/slide26.xml><?xml version="1.0" encoding="utf-8"?>
+<p:sld xmlns:a="http://schemas.openxmlformats.org/drawingml/2006/main" xmlns:r="http://schemas.openxmlformats.org/officeDocument/2006/relationships" xmlns:p="http://schemas.openxmlformats.org/presentationml/2006/main">
+  <p:cSld>
+    <p:spTree>
+      <p:nvGrpSpPr>
+        <p:cNvPr id="1" name=""/>
+        <p:cNvGrpSpPr/>
+        <p:nvPr/>
+      </p:nvGrpSpPr>
+      <p:grpSpPr>
+        <a:xfrm>
+          <a:off x="0" y="0"/>
+          <a:ext cx="0" cy="0"/>
+          <a:chOff x="0" y="0"/>
+          <a:chExt cx="0" cy="0"/>
+        </a:xfrm>
+      </p:grpSpPr>
+      <p:sp>
+        <p:nvSpPr>
+          <p:cNvPr id="2" name="직사각형 1">
+            <a:extLst>
+              <a:ext uri="{FF2B5EF4-FFF2-40B4-BE49-F238E27FC236}">
+                <a16:creationId xmlns:a16="http://schemas.microsoft.com/office/drawing/2014/main" id="{54E2CD7B-74A6-44AA-A46D-C26DA263A8E7}"/>
               </a:ext>
             </a:extLst>
           </p:cNvPr>
@@ -7564,8 +7697,313 @@
         </p:nvSpPr>
         <p:spPr>
           <a:xfrm>
-            <a:off x="941384" y="2644170"/>
-            <a:ext cx="10309232" cy="1569660"/>
+            <a:off x="0" y="339365"/>
+            <a:ext cx="3619893" cy="1221117"/>
+          </a:xfrm>
+          <a:prstGeom prst="rect">
+            <a:avLst/>
+          </a:prstGeom>
+          <a:solidFill>
+            <a:schemeClr val="tx1"/>
+          </a:solidFill>
+        </p:spPr>
+        <p:style>
+          <a:lnRef idx="2">
+            <a:schemeClr val="accent1">
+              <a:shade val="50000"/>
+            </a:schemeClr>
+          </a:lnRef>
+          <a:fillRef idx="1">
+            <a:schemeClr val="accent1"/>
+          </a:fillRef>
+          <a:effectRef idx="0">
+            <a:schemeClr val="accent1"/>
+          </a:effectRef>
+          <a:fontRef idx="minor">
+            <a:schemeClr val="lt1"/>
+          </a:fontRef>
+        </p:style>
+        <p:txBody>
+          <a:bodyPr rtlCol="0" anchor="ctr"/>
+          <a:lstStyle/>
+          <a:p>
+            <a:pPr algn="ctr"/>
+            <a:r>
+              <a:rPr lang="en-US" altLang="ko-KR" sz="4800" dirty="0">
+                <a:solidFill>
+                  <a:schemeClr val="bg1"/>
+                </a:solidFill>
+                <a:latin typeface="태나다체 " panose="02000000000000000000" pitchFamily="2" charset="-127"/>
+                <a:ea typeface="태나다체 " panose="02000000000000000000" pitchFamily="2" charset="-127"/>
+              </a:rPr>
+              <a:t>TCP/UDP</a:t>
+            </a:r>
+            <a:endParaRPr lang="ko-KR" altLang="en-US" sz="4800" dirty="0">
+              <a:solidFill>
+                <a:schemeClr val="bg1"/>
+              </a:solidFill>
+              <a:latin typeface="태나다체 " panose="02000000000000000000" pitchFamily="2" charset="-127"/>
+              <a:ea typeface="태나다체 " panose="02000000000000000000" pitchFamily="2" charset="-127"/>
+            </a:endParaRPr>
+          </a:p>
+        </p:txBody>
+      </p:sp>
+      <p:pic>
+        <p:nvPicPr>
+          <p:cNvPr id="10242" name="Picture 2" descr="https://github.com/SEH00N/GameServer_Study/raw/main/ETC/AboutTCP_UDP.png">
+            <a:extLst>
+              <a:ext uri="{FF2B5EF4-FFF2-40B4-BE49-F238E27FC236}">
+                <a16:creationId xmlns:a16="http://schemas.microsoft.com/office/drawing/2014/main" id="{59E95BD8-E3FC-4720-A4BD-B2AFB28C008A}"/>
+              </a:ext>
+            </a:extLst>
+          </p:cNvPr>
+          <p:cNvPicPr>
+            <a:picLocks noChangeAspect="1" noChangeArrowheads="1"/>
+          </p:cNvPicPr>
+          <p:nvPr/>
+        </p:nvPicPr>
+        <p:blipFill>
+          <a:blip r:embed="rId2">
+            <a:extLst>
+              <a:ext uri="{28A0092B-C50C-407E-A947-70E740481C1C}">
+                <a14:useLocalDpi xmlns:a14="http://schemas.microsoft.com/office/drawing/2010/main" val="0"/>
+              </a:ext>
+            </a:extLst>
+          </a:blip>
+          <a:srcRect/>
+          <a:stretch>
+            <a:fillRect/>
+          </a:stretch>
+        </p:blipFill>
+        <p:spPr bwMode="auto">
+          <a:xfrm>
+            <a:off x="1543457" y="1861425"/>
+            <a:ext cx="9105086" cy="4428060"/>
+          </a:xfrm>
+          <a:prstGeom prst="rect">
+            <a:avLst/>
+          </a:prstGeom>
+          <a:noFill/>
+          <a:extLst>
+            <a:ext uri="{909E8E84-426E-40DD-AFC4-6F175D3DCCD1}">
+              <a14:hiddenFill xmlns:a14="http://schemas.microsoft.com/office/drawing/2010/main">
+                <a:solidFill>
+                  <a:srgbClr val="FFFFFF"/>
+                </a:solidFill>
+              </a14:hiddenFill>
+            </a:ext>
+          </a:extLst>
+        </p:spPr>
+      </p:pic>
+    </p:spTree>
+    <p:extLst>
+      <p:ext uri="{BB962C8B-B14F-4D97-AF65-F5344CB8AC3E}">
+        <p14:creationId xmlns:p14="http://schemas.microsoft.com/office/powerpoint/2010/main" val="1897062346"/>
+      </p:ext>
+    </p:extLst>
+  </p:cSld>
+  <p:clrMapOvr>
+    <a:masterClrMapping/>
+  </p:clrMapOvr>
+</p:sld>
+</file>
+
+<file path=ppt/slides/slide27.xml><?xml version="1.0" encoding="utf-8"?>
+<p:sld xmlns:a="http://schemas.openxmlformats.org/drawingml/2006/main" xmlns:r="http://schemas.openxmlformats.org/officeDocument/2006/relationships" xmlns:p="http://schemas.openxmlformats.org/presentationml/2006/main">
+  <p:cSld>
+    <p:spTree>
+      <p:nvGrpSpPr>
+        <p:cNvPr id="1" name=""/>
+        <p:cNvGrpSpPr/>
+        <p:nvPr/>
+      </p:nvGrpSpPr>
+      <p:grpSpPr>
+        <a:xfrm>
+          <a:off x="0" y="0"/>
+          <a:ext cx="0" cy="0"/>
+          <a:chOff x="0" y="0"/>
+          <a:chExt cx="0" cy="0"/>
+        </a:xfrm>
+      </p:grpSpPr>
+      <p:pic>
+        <p:nvPicPr>
+          <p:cNvPr id="10242" name="Picture 2" descr="https://github.com/SEH00N/GameServer_Study/raw/main/ETC/AboutTCP_UDP.png">
+            <a:extLst>
+              <a:ext uri="{FF2B5EF4-FFF2-40B4-BE49-F238E27FC236}">
+                <a16:creationId xmlns:a16="http://schemas.microsoft.com/office/drawing/2014/main" id="{59E95BD8-E3FC-4720-A4BD-B2AFB28C008A}"/>
+              </a:ext>
+            </a:extLst>
+          </p:cNvPr>
+          <p:cNvPicPr>
+            <a:picLocks noChangeAspect="1" noChangeArrowheads="1"/>
+          </p:cNvPicPr>
+          <p:nvPr/>
+        </p:nvPicPr>
+        <p:blipFill>
+          <a:blip r:embed="rId2">
+            <a:extLst>
+              <a:ext uri="{28A0092B-C50C-407E-A947-70E740481C1C}">
+                <a14:useLocalDpi xmlns:a14="http://schemas.microsoft.com/office/drawing/2010/main" val="0"/>
+              </a:ext>
+            </a:extLst>
+          </a:blip>
+          <a:srcRect/>
+          <a:stretch>
+            <a:fillRect/>
+          </a:stretch>
+        </p:blipFill>
+        <p:spPr bwMode="auto">
+          <a:xfrm>
+            <a:off x="1543457" y="1861425"/>
+            <a:ext cx="9105086" cy="4428060"/>
+          </a:xfrm>
+          <a:prstGeom prst="rect">
+            <a:avLst/>
+          </a:prstGeom>
+          <a:noFill/>
+          <a:extLst>
+            <a:ext uri="{909E8E84-426E-40DD-AFC4-6F175D3DCCD1}">
+              <a14:hiddenFill xmlns:a14="http://schemas.microsoft.com/office/drawing/2010/main">
+                <a:solidFill>
+                  <a:srgbClr val="FFFFFF"/>
+                </a:solidFill>
+              </a14:hiddenFill>
+            </a:ext>
+          </a:extLst>
+        </p:spPr>
+      </p:pic>
+      <p:sp>
+        <p:nvSpPr>
+          <p:cNvPr id="4" name="직사각형 3">
+            <a:extLst>
+              <a:ext uri="{FF2B5EF4-FFF2-40B4-BE49-F238E27FC236}">
+                <a16:creationId xmlns:a16="http://schemas.microsoft.com/office/drawing/2014/main" id="{489449FC-7605-483B-9827-BB8036E10361}"/>
+              </a:ext>
+            </a:extLst>
+          </p:cNvPr>
+          <p:cNvSpPr/>
+          <p:nvPr/>
+        </p:nvSpPr>
+        <p:spPr>
+          <a:xfrm>
+            <a:off x="0" y="0"/>
+            <a:ext cx="12192000" cy="6858000"/>
+          </a:xfrm>
+          <a:prstGeom prst="rect">
+            <a:avLst/>
+          </a:prstGeom>
+          <a:solidFill>
+            <a:schemeClr val="tx1">
+              <a:alpha val="65000"/>
+            </a:schemeClr>
+          </a:solidFill>
+        </p:spPr>
+        <p:style>
+          <a:lnRef idx="2">
+            <a:schemeClr val="accent1">
+              <a:shade val="50000"/>
+            </a:schemeClr>
+          </a:lnRef>
+          <a:fillRef idx="1">
+            <a:schemeClr val="accent1"/>
+          </a:fillRef>
+          <a:effectRef idx="0">
+            <a:schemeClr val="accent1"/>
+          </a:effectRef>
+          <a:fontRef idx="minor">
+            <a:schemeClr val="lt1"/>
+          </a:fontRef>
+        </p:style>
+        <p:txBody>
+          <a:bodyPr rtlCol="0" anchor="ctr"/>
+          <a:lstStyle/>
+          <a:p>
+            <a:pPr algn="ctr"/>
+            <a:endParaRPr lang="ko-KR" altLang="en-US" sz="1400" dirty="0"/>
+          </a:p>
+        </p:txBody>
+      </p:sp>
+      <p:sp>
+        <p:nvSpPr>
+          <p:cNvPr id="2" name="직사각형 1">
+            <a:extLst>
+              <a:ext uri="{FF2B5EF4-FFF2-40B4-BE49-F238E27FC236}">
+                <a16:creationId xmlns:a16="http://schemas.microsoft.com/office/drawing/2014/main" id="{54E2CD7B-74A6-44AA-A46D-C26DA263A8E7}"/>
+              </a:ext>
+            </a:extLst>
+          </p:cNvPr>
+          <p:cNvSpPr/>
+          <p:nvPr/>
+        </p:nvSpPr>
+        <p:spPr>
+          <a:xfrm>
+            <a:off x="0" y="339365"/>
+            <a:ext cx="3619893" cy="1221117"/>
+          </a:xfrm>
+          <a:prstGeom prst="rect">
+            <a:avLst/>
+          </a:prstGeom>
+          <a:solidFill>
+            <a:schemeClr val="tx1"/>
+          </a:solidFill>
+        </p:spPr>
+        <p:style>
+          <a:lnRef idx="2">
+            <a:schemeClr val="accent1">
+              <a:shade val="50000"/>
+            </a:schemeClr>
+          </a:lnRef>
+          <a:fillRef idx="1">
+            <a:schemeClr val="accent1"/>
+          </a:fillRef>
+          <a:effectRef idx="0">
+            <a:schemeClr val="accent1"/>
+          </a:effectRef>
+          <a:fontRef idx="minor">
+            <a:schemeClr val="lt1"/>
+          </a:fontRef>
+        </p:style>
+        <p:txBody>
+          <a:bodyPr rtlCol="0" anchor="ctr"/>
+          <a:lstStyle/>
+          <a:p>
+            <a:pPr algn="ctr"/>
+            <a:r>
+              <a:rPr lang="en-US" altLang="ko-KR" sz="4800" dirty="0">
+                <a:solidFill>
+                  <a:schemeClr val="bg1"/>
+                </a:solidFill>
+                <a:latin typeface="태나다체 " panose="02000000000000000000" pitchFamily="2" charset="-127"/>
+                <a:ea typeface="태나다체 " panose="02000000000000000000" pitchFamily="2" charset="-127"/>
+              </a:rPr>
+              <a:t>TCP/UDP</a:t>
+            </a:r>
+            <a:endParaRPr lang="ko-KR" altLang="en-US" sz="4800" dirty="0">
+              <a:solidFill>
+                <a:schemeClr val="bg1"/>
+              </a:solidFill>
+              <a:latin typeface="태나다체 " panose="02000000000000000000" pitchFamily="2" charset="-127"/>
+              <a:ea typeface="태나다체 " panose="02000000000000000000" pitchFamily="2" charset="-127"/>
+            </a:endParaRPr>
+          </a:p>
+        </p:txBody>
+      </p:sp>
+      <p:sp>
+        <p:nvSpPr>
+          <p:cNvPr id="5" name="직사각형 4">
+            <a:extLst>
+              <a:ext uri="{FF2B5EF4-FFF2-40B4-BE49-F238E27FC236}">
+                <a16:creationId xmlns:a16="http://schemas.microsoft.com/office/drawing/2014/main" id="{6D6D3E65-6EF6-44CC-B8A1-517164438116}"/>
+              </a:ext>
+            </a:extLst>
+          </p:cNvPr>
+          <p:cNvSpPr/>
+          <p:nvPr/>
+        </p:nvSpPr>
+        <p:spPr>
+          <a:xfrm>
+            <a:off x="2668619" y="2943649"/>
+            <a:ext cx="6854762" cy="1754326"/>
           </a:xfrm>
           <a:prstGeom prst="rect">
             <a:avLst/>
@@ -7577,109 +8015,444 @@
           </a:bodyPr>
           <a:lstStyle/>
           <a:p>
-            <a:pPr algn="ctr"/>
-            <a:r>
-              <a:rPr lang="en-US" altLang="ko-KR" sz="3200" dirty="0">
+            <a:r>
+              <a:rPr lang="en-US" altLang="ko-KR" sz="5400" dirty="0">
+                <a:solidFill>
+                  <a:schemeClr val="bg1"/>
+                </a:solidFill>
                 <a:latin typeface="배달의민족 주아" panose="02020603020101020101" pitchFamily="18" charset="-127"/>
                 <a:ea typeface="배달의민족 주아" panose="02020603020101020101" pitchFamily="18" charset="-127"/>
               </a:rPr>
-              <a:t>IP</a:t>
-            </a:r>
-            <a:r>
-              <a:rPr lang="ko-KR" altLang="en-US" sz="3200" dirty="0">
+              <a:t>TCP : </a:t>
+            </a:r>
+            <a:r>
+              <a:rPr lang="ko-KR" altLang="en-US" sz="5400" dirty="0">
+                <a:solidFill>
+                  <a:schemeClr val="bg1"/>
+                </a:solidFill>
                 <a:latin typeface="배달의민족 주아" panose="02020603020101020101" pitchFamily="18" charset="-127"/>
                 <a:ea typeface="배달의민족 주아" panose="02020603020101020101" pitchFamily="18" charset="-127"/>
               </a:rPr>
-              <a:t> 주소 </a:t>
-            </a:r>
-            <a:r>
-              <a:rPr lang="en-US" altLang="ko-KR" sz="3200" dirty="0">
-                <a:latin typeface="배달의민족 주아" panose="02020603020101020101" pitchFamily="18" charset="-127"/>
-                <a:ea typeface="배달의민족 주아" panose="02020603020101020101" pitchFamily="18" charset="-127"/>
-              </a:rPr>
-              <a:t>: </a:t>
-            </a:r>
-            <a:r>
-              <a:rPr lang="ko-KR" altLang="en-US" sz="3200" dirty="0">
-                <a:latin typeface="배달의민족 주아" panose="02020603020101020101" pitchFamily="18" charset="-127"/>
-                <a:ea typeface="배달의민족 주아" panose="02020603020101020101" pitchFamily="18" charset="-127"/>
-              </a:rPr>
-              <a:t>네트워크 계층에서 기기를 식별하기 위한 논리적 주소</a:t>
-            </a:r>
-            <a:endParaRPr lang="en-US" altLang="ko-KR" sz="3200" dirty="0">
+              <a:t>안전하고 느린 것</a:t>
+            </a:r>
+            <a:endParaRPr lang="en-US" altLang="ko-KR" sz="5400" dirty="0">
+              <a:solidFill>
+                <a:schemeClr val="bg1"/>
+              </a:solidFill>
               <a:latin typeface="배달의민족 주아" panose="02020603020101020101" pitchFamily="18" charset="-127"/>
               <a:ea typeface="배달의민족 주아" panose="02020603020101020101" pitchFamily="18" charset="-127"/>
             </a:endParaRPr>
           </a:p>
           <a:p>
-            <a:pPr algn="ctr"/>
-            <a:r>
-              <a:rPr lang="en-US" altLang="ko-KR" sz="3200" dirty="0">
+            <a:r>
+              <a:rPr lang="en-US" altLang="ko-KR" sz="5400" dirty="0">
+                <a:solidFill>
+                  <a:schemeClr val="bg1"/>
+                </a:solidFill>
                 <a:latin typeface="배달의민족 주아" panose="02020603020101020101" pitchFamily="18" charset="-127"/>
                 <a:ea typeface="배달의민족 주아" panose="02020603020101020101" pitchFamily="18" charset="-127"/>
               </a:rPr>
-              <a:t>MAC </a:t>
-            </a:r>
-            <a:r>
-              <a:rPr lang="ko-KR" altLang="en-US" sz="3200" dirty="0">
+              <a:t>UDP : </a:t>
+            </a:r>
+            <a:r>
+              <a:rPr lang="ko-KR" altLang="en-US" sz="5400" dirty="0">
+                <a:solidFill>
+                  <a:schemeClr val="bg1"/>
+                </a:solidFill>
                 <a:latin typeface="배달의민족 주아" panose="02020603020101020101" pitchFamily="18" charset="-127"/>
                 <a:ea typeface="배달의민족 주아" panose="02020603020101020101" pitchFamily="18" charset="-127"/>
               </a:rPr>
-              <a:t>주소 </a:t>
-            </a:r>
-            <a:r>
-              <a:rPr lang="en-US" altLang="ko-KR" sz="3200" dirty="0">
-                <a:latin typeface="배달의민족 주아" panose="02020603020101020101" pitchFamily="18" charset="-127"/>
-                <a:ea typeface="배달의민족 주아" panose="02020603020101020101" pitchFamily="18" charset="-127"/>
-              </a:rPr>
-              <a:t>: </a:t>
-            </a:r>
-            <a:r>
-              <a:rPr lang="ko-KR" altLang="en-US" sz="3200" dirty="0">
-                <a:latin typeface="배달의민족 주아" panose="02020603020101020101" pitchFamily="18" charset="-127"/>
-                <a:ea typeface="배달의민족 주아" panose="02020603020101020101" pitchFamily="18" charset="-127"/>
-              </a:rPr>
-              <a:t>데이터링크 계층에서 기기를 식별하기 위한 물리적 주소</a:t>
-            </a:r>
-            <a:endParaRPr lang="en-US" altLang="ko-KR" sz="3200" dirty="0">
-              <a:latin typeface="배달의민족 주아" panose="02020603020101020101" pitchFamily="18" charset="-127"/>
-              <a:ea typeface="배달의민족 주아" panose="02020603020101020101" pitchFamily="18" charset="-127"/>
-            </a:endParaRPr>
-          </a:p>
-          <a:p>
-            <a:pPr algn="ctr"/>
-            <a:r>
-              <a:rPr lang="ko-KR" altLang="en-US" sz="3200" dirty="0">
-                <a:latin typeface="배달의민족 주아" panose="02020603020101020101" pitchFamily="18" charset="-127"/>
-                <a:ea typeface="배달의민족 주아" panose="02020603020101020101" pitchFamily="18" charset="-127"/>
-              </a:rPr>
-              <a:t>포트 </a:t>
-            </a:r>
-            <a:r>
-              <a:rPr lang="en-US" altLang="ko-KR" sz="3200" dirty="0">
-                <a:latin typeface="배달의민족 주아" panose="02020603020101020101" pitchFamily="18" charset="-127"/>
-                <a:ea typeface="배달의민족 주아" panose="02020603020101020101" pitchFamily="18" charset="-127"/>
-              </a:rPr>
-              <a:t>: </a:t>
-            </a:r>
-            <a:r>
-              <a:rPr lang="ko-KR" altLang="en-US" sz="3200" dirty="0">
-                <a:latin typeface="배달의민족 주아" panose="02020603020101020101" pitchFamily="18" charset="-127"/>
-                <a:ea typeface="배달의민족 주아" panose="02020603020101020101" pitchFamily="18" charset="-127"/>
-              </a:rPr>
-              <a:t>통신을 위한 만남의 광장</a:t>
-            </a:r>
-            <a:endParaRPr lang="en-US" altLang="ko-KR" sz="3200" dirty="0">
-              <a:latin typeface="배달의민족 주아" panose="02020603020101020101" pitchFamily="18" charset="-127"/>
-              <a:ea typeface="배달의민족 주아" panose="02020603020101020101" pitchFamily="18" charset="-127"/>
-            </a:endParaRPr>
+              <a:t>불안전하고 빠른 것</a:t>
+            </a:r>
           </a:p>
         </p:txBody>
       </p:sp>
     </p:spTree>
     <p:extLst>
       <p:ext uri="{BB962C8B-B14F-4D97-AF65-F5344CB8AC3E}">
-        <p14:creationId xmlns:p14="http://schemas.microsoft.com/office/powerpoint/2010/main" val="2569815291"/>
+        <p14:creationId xmlns:p14="http://schemas.microsoft.com/office/powerpoint/2010/main" val="1399695798"/>
+      </p:ext>
+    </p:extLst>
+  </p:cSld>
+  <p:clrMapOvr>
+    <a:masterClrMapping/>
+  </p:clrMapOvr>
+</p:sld>
+</file>
+
+<file path=ppt/slides/slide28.xml><?xml version="1.0" encoding="utf-8"?>
+<p:sld xmlns:a="http://schemas.openxmlformats.org/drawingml/2006/main" xmlns:r="http://schemas.openxmlformats.org/officeDocument/2006/relationships" xmlns:p="http://schemas.openxmlformats.org/presentationml/2006/main">
+  <p:cSld>
+    <p:spTree>
+      <p:nvGrpSpPr>
+        <p:cNvPr id="1" name=""/>
+        <p:cNvGrpSpPr/>
+        <p:nvPr/>
+      </p:nvGrpSpPr>
+      <p:grpSpPr>
+        <a:xfrm>
+          <a:off x="0" y="0"/>
+          <a:ext cx="0" cy="0"/>
+          <a:chOff x="0" y="0"/>
+          <a:chExt cx="0" cy="0"/>
+        </a:xfrm>
+      </p:grpSpPr>
+      <p:pic>
+        <p:nvPicPr>
+          <p:cNvPr id="12290" name="Picture 2" descr="https://github.com/SEH00N/GameServer_Study/raw/main/ETC/Packet.png">
+            <a:extLst>
+              <a:ext uri="{FF2B5EF4-FFF2-40B4-BE49-F238E27FC236}">
+                <a16:creationId xmlns:a16="http://schemas.microsoft.com/office/drawing/2014/main" id="{095D0B5B-8E8A-486E-BAA6-5AC3B19A7C21}"/>
+              </a:ext>
+            </a:extLst>
+          </p:cNvPr>
+          <p:cNvPicPr>
+            <a:picLocks noChangeAspect="1" noChangeArrowheads="1"/>
+          </p:cNvPicPr>
+          <p:nvPr/>
+        </p:nvPicPr>
+        <p:blipFill>
+          <a:blip r:embed="rId2">
+            <a:extLst>
+              <a:ext uri="{28A0092B-C50C-407E-A947-70E740481C1C}">
+                <a14:useLocalDpi xmlns:a14="http://schemas.microsoft.com/office/drawing/2010/main" val="0"/>
+              </a:ext>
+            </a:extLst>
+          </a:blip>
+          <a:srcRect/>
+          <a:stretch>
+            <a:fillRect/>
+          </a:stretch>
+        </p:blipFill>
+        <p:spPr bwMode="auto">
+          <a:xfrm>
+            <a:off x="1548151" y="1666755"/>
+            <a:ext cx="9095698" cy="4482710"/>
+          </a:xfrm>
+          <a:prstGeom prst="rect">
+            <a:avLst/>
+          </a:prstGeom>
+          <a:noFill/>
+          <a:extLst>
+            <a:ext uri="{909E8E84-426E-40DD-AFC4-6F175D3DCCD1}">
+              <a14:hiddenFill xmlns:a14="http://schemas.microsoft.com/office/drawing/2010/main">
+                <a:solidFill>
+                  <a:srgbClr val="FFFFFF"/>
+                </a:solidFill>
+              </a14:hiddenFill>
+            </a:ext>
+          </a:extLst>
+        </p:spPr>
+      </p:pic>
+      <p:sp>
+        <p:nvSpPr>
+          <p:cNvPr id="2" name="직사각형 1">
+            <a:extLst>
+              <a:ext uri="{FF2B5EF4-FFF2-40B4-BE49-F238E27FC236}">
+                <a16:creationId xmlns:a16="http://schemas.microsoft.com/office/drawing/2014/main" id="{54E2CD7B-74A6-44AA-A46D-C26DA263A8E7}"/>
+              </a:ext>
+            </a:extLst>
+          </p:cNvPr>
+          <p:cNvSpPr/>
+          <p:nvPr/>
+        </p:nvSpPr>
+        <p:spPr>
+          <a:xfrm>
+            <a:off x="0" y="339365"/>
+            <a:ext cx="3619893" cy="1221117"/>
+          </a:xfrm>
+          <a:prstGeom prst="rect">
+            <a:avLst/>
+          </a:prstGeom>
+          <a:solidFill>
+            <a:schemeClr val="tx1"/>
+          </a:solidFill>
+        </p:spPr>
+        <p:style>
+          <a:lnRef idx="2">
+            <a:schemeClr val="accent1">
+              <a:shade val="50000"/>
+            </a:schemeClr>
+          </a:lnRef>
+          <a:fillRef idx="1">
+            <a:schemeClr val="accent1"/>
+          </a:fillRef>
+          <a:effectRef idx="0">
+            <a:schemeClr val="accent1"/>
+          </a:effectRef>
+          <a:fontRef idx="minor">
+            <a:schemeClr val="lt1"/>
+          </a:fontRef>
+        </p:style>
+        <p:txBody>
+          <a:bodyPr rtlCol="0" anchor="ctr"/>
+          <a:lstStyle/>
+          <a:p>
+            <a:pPr algn="ctr"/>
+            <a:r>
+              <a:rPr lang="ko-KR" altLang="en-US" sz="4800" dirty="0">
+                <a:solidFill>
+                  <a:schemeClr val="bg1"/>
+                </a:solidFill>
+                <a:latin typeface="태나다체 " panose="02000000000000000000" pitchFamily="2" charset="-127"/>
+                <a:ea typeface="태나다체 " panose="02000000000000000000" pitchFamily="2" charset="-127"/>
+              </a:rPr>
+              <a:t>패킷</a:t>
+            </a:r>
+          </a:p>
+        </p:txBody>
+      </p:sp>
+    </p:spTree>
+    <p:extLst>
+      <p:ext uri="{BB962C8B-B14F-4D97-AF65-F5344CB8AC3E}">
+        <p14:creationId xmlns:p14="http://schemas.microsoft.com/office/powerpoint/2010/main" val="1023705293"/>
+      </p:ext>
+    </p:extLst>
+  </p:cSld>
+  <p:clrMapOvr>
+    <a:masterClrMapping/>
+  </p:clrMapOvr>
+</p:sld>
+</file>
+
+<file path=ppt/slides/slide29.xml><?xml version="1.0" encoding="utf-8"?>
+<p:sld xmlns:a="http://schemas.openxmlformats.org/drawingml/2006/main" xmlns:r="http://schemas.openxmlformats.org/officeDocument/2006/relationships" xmlns:p="http://schemas.openxmlformats.org/presentationml/2006/main">
+  <p:cSld>
+    <p:spTree>
+      <p:nvGrpSpPr>
+        <p:cNvPr id="1" name=""/>
+        <p:cNvGrpSpPr/>
+        <p:nvPr/>
+      </p:nvGrpSpPr>
+      <p:grpSpPr>
+        <a:xfrm>
+          <a:off x="0" y="0"/>
+          <a:ext cx="0" cy="0"/>
+          <a:chOff x="0" y="0"/>
+          <a:chExt cx="0" cy="0"/>
+        </a:xfrm>
+      </p:grpSpPr>
+      <p:pic>
+        <p:nvPicPr>
+          <p:cNvPr id="12290" name="Picture 2" descr="https://github.com/SEH00N/GameServer_Study/raw/main/ETC/Packet.png">
+            <a:extLst>
+              <a:ext uri="{FF2B5EF4-FFF2-40B4-BE49-F238E27FC236}">
+                <a16:creationId xmlns:a16="http://schemas.microsoft.com/office/drawing/2014/main" id="{095D0B5B-8E8A-486E-BAA6-5AC3B19A7C21}"/>
+              </a:ext>
+            </a:extLst>
+          </p:cNvPr>
+          <p:cNvPicPr>
+            <a:picLocks noChangeAspect="1" noChangeArrowheads="1"/>
+          </p:cNvPicPr>
+          <p:nvPr/>
+        </p:nvPicPr>
+        <p:blipFill>
+          <a:blip r:embed="rId2">
+            <a:extLst>
+              <a:ext uri="{28A0092B-C50C-407E-A947-70E740481C1C}">
+                <a14:useLocalDpi xmlns:a14="http://schemas.microsoft.com/office/drawing/2010/main" val="0"/>
+              </a:ext>
+            </a:extLst>
+          </a:blip>
+          <a:srcRect/>
+          <a:stretch>
+            <a:fillRect/>
+          </a:stretch>
+        </p:blipFill>
+        <p:spPr bwMode="auto">
+          <a:xfrm>
+            <a:off x="1548151" y="1666755"/>
+            <a:ext cx="9095698" cy="4482710"/>
+          </a:xfrm>
+          <a:prstGeom prst="rect">
+            <a:avLst/>
+          </a:prstGeom>
+          <a:noFill/>
+          <a:extLst>
+            <a:ext uri="{909E8E84-426E-40DD-AFC4-6F175D3DCCD1}">
+              <a14:hiddenFill xmlns:a14="http://schemas.microsoft.com/office/drawing/2010/main">
+                <a:solidFill>
+                  <a:srgbClr val="FFFFFF"/>
+                </a:solidFill>
+              </a14:hiddenFill>
+            </a:ext>
+          </a:extLst>
+        </p:spPr>
+      </p:pic>
+      <p:sp>
+        <p:nvSpPr>
+          <p:cNvPr id="7" name="직사각형 6">
+            <a:extLst>
+              <a:ext uri="{FF2B5EF4-FFF2-40B4-BE49-F238E27FC236}">
+                <a16:creationId xmlns:a16="http://schemas.microsoft.com/office/drawing/2014/main" id="{64DF5646-DB9B-4F29-8148-220CF3748FFC}"/>
+              </a:ext>
+            </a:extLst>
+          </p:cNvPr>
+          <p:cNvSpPr/>
+          <p:nvPr/>
+        </p:nvSpPr>
+        <p:spPr>
+          <a:xfrm>
+            <a:off x="0" y="0"/>
+            <a:ext cx="12192000" cy="6858000"/>
+          </a:xfrm>
+          <a:prstGeom prst="rect">
+            <a:avLst/>
+          </a:prstGeom>
+          <a:solidFill>
+            <a:schemeClr val="tx1">
+              <a:alpha val="65000"/>
+            </a:schemeClr>
+          </a:solidFill>
+        </p:spPr>
+        <p:style>
+          <a:lnRef idx="2">
+            <a:schemeClr val="accent1">
+              <a:shade val="50000"/>
+            </a:schemeClr>
+          </a:lnRef>
+          <a:fillRef idx="1">
+            <a:schemeClr val="accent1"/>
+          </a:fillRef>
+          <a:effectRef idx="0">
+            <a:schemeClr val="accent1"/>
+          </a:effectRef>
+          <a:fontRef idx="minor">
+            <a:schemeClr val="lt1"/>
+          </a:fontRef>
+        </p:style>
+        <p:txBody>
+          <a:bodyPr rtlCol="0" anchor="ctr"/>
+          <a:lstStyle/>
+          <a:p>
+            <a:pPr algn="ctr"/>
+            <a:endParaRPr lang="ko-KR" altLang="en-US" sz="1400" dirty="0"/>
+          </a:p>
+        </p:txBody>
+      </p:sp>
+      <p:sp>
+        <p:nvSpPr>
+          <p:cNvPr id="2" name="직사각형 1">
+            <a:extLst>
+              <a:ext uri="{FF2B5EF4-FFF2-40B4-BE49-F238E27FC236}">
+                <a16:creationId xmlns:a16="http://schemas.microsoft.com/office/drawing/2014/main" id="{54E2CD7B-74A6-44AA-A46D-C26DA263A8E7}"/>
+              </a:ext>
+            </a:extLst>
+          </p:cNvPr>
+          <p:cNvSpPr/>
+          <p:nvPr/>
+        </p:nvSpPr>
+        <p:spPr>
+          <a:xfrm>
+            <a:off x="0" y="339365"/>
+            <a:ext cx="3619893" cy="1221117"/>
+          </a:xfrm>
+          <a:prstGeom prst="rect">
+            <a:avLst/>
+          </a:prstGeom>
+          <a:solidFill>
+            <a:schemeClr val="tx1"/>
+          </a:solidFill>
+        </p:spPr>
+        <p:style>
+          <a:lnRef idx="2">
+            <a:schemeClr val="accent1">
+              <a:shade val="50000"/>
+            </a:schemeClr>
+          </a:lnRef>
+          <a:fillRef idx="1">
+            <a:schemeClr val="accent1"/>
+          </a:fillRef>
+          <a:effectRef idx="0">
+            <a:schemeClr val="accent1"/>
+          </a:effectRef>
+          <a:fontRef idx="minor">
+            <a:schemeClr val="lt1"/>
+          </a:fontRef>
+        </p:style>
+        <p:txBody>
+          <a:bodyPr rtlCol="0" anchor="ctr"/>
+          <a:lstStyle/>
+          <a:p>
+            <a:pPr algn="ctr"/>
+            <a:r>
+              <a:rPr lang="ko-KR" altLang="en-US" sz="4800" dirty="0">
+                <a:solidFill>
+                  <a:schemeClr val="bg1"/>
+                </a:solidFill>
+                <a:latin typeface="태나다체 " panose="02000000000000000000" pitchFamily="2" charset="-127"/>
+                <a:ea typeface="태나다체 " panose="02000000000000000000" pitchFamily="2" charset="-127"/>
+              </a:rPr>
+              <a:t>패킷</a:t>
+            </a:r>
+          </a:p>
+        </p:txBody>
+      </p:sp>
+      <p:sp>
+        <p:nvSpPr>
+          <p:cNvPr id="5" name="직사각형 4">
+            <a:extLst>
+              <a:ext uri="{FF2B5EF4-FFF2-40B4-BE49-F238E27FC236}">
+                <a16:creationId xmlns:a16="http://schemas.microsoft.com/office/drawing/2014/main" id="{A44E8542-05C7-4E5B-A2CD-1278E6499096}"/>
+              </a:ext>
+            </a:extLst>
+          </p:cNvPr>
+          <p:cNvSpPr/>
+          <p:nvPr/>
+        </p:nvSpPr>
+        <p:spPr>
+          <a:xfrm>
+            <a:off x="1816623" y="2984780"/>
+            <a:ext cx="8558753" cy="923330"/>
+          </a:xfrm>
+          <a:prstGeom prst="rect">
+            <a:avLst/>
+          </a:prstGeom>
+        </p:spPr>
+        <p:txBody>
+          <a:bodyPr wrap="none">
+            <a:spAutoFit/>
+          </a:bodyPr>
+          <a:lstStyle/>
+          <a:p>
+            <a:pPr algn="ctr"/>
+            <a:r>
+              <a:rPr lang="ko-KR" altLang="en-US" sz="5400" dirty="0">
+                <a:solidFill>
+                  <a:schemeClr val="bg1"/>
+                </a:solidFill>
+                <a:latin typeface="배달의민족 주아" panose="02020603020101020101" pitchFamily="18" charset="-127"/>
+                <a:ea typeface="배달의민족 주아" panose="02020603020101020101" pitchFamily="18" charset="-127"/>
+              </a:rPr>
+              <a:t>인터넷에서 </a:t>
+            </a:r>
+            <a:r>
+              <a:rPr lang="ko-KR" altLang="en-US" sz="5400" dirty="0" err="1">
+                <a:solidFill>
+                  <a:schemeClr val="bg1"/>
+                </a:solidFill>
+                <a:latin typeface="배달의민족 주아" panose="02020603020101020101" pitchFamily="18" charset="-127"/>
+                <a:ea typeface="배달의민족 주아" panose="02020603020101020101" pitchFamily="18" charset="-127"/>
+              </a:rPr>
+              <a:t>통신되는</a:t>
+            </a:r>
+            <a:r>
+              <a:rPr lang="ko-KR" altLang="en-US" sz="5400" dirty="0">
+                <a:solidFill>
+                  <a:schemeClr val="bg1"/>
+                </a:solidFill>
+                <a:latin typeface="배달의민족 주아" panose="02020603020101020101" pitchFamily="18" charset="-127"/>
+                <a:ea typeface="배달의민족 주아" panose="02020603020101020101" pitchFamily="18" charset="-127"/>
+              </a:rPr>
+              <a:t> 데이터 단위</a:t>
+            </a:r>
+          </a:p>
+        </p:txBody>
+      </p:sp>
+    </p:spTree>
+    <p:extLst>
+      <p:ext uri="{BB962C8B-B14F-4D97-AF65-F5344CB8AC3E}">
+        <p14:creationId xmlns:p14="http://schemas.microsoft.com/office/powerpoint/2010/main" val="280568215"/>
       </p:ext>
     </p:extLst>
   </p:cSld>
@@ -7796,6 +8569,468 @@
           <p:nvPr/>
         </p:nvPicPr>
         <p:blipFill>
+          <a:blip r:embed="rId3">
+            <a:extLst>
+              <a:ext uri="{28A0092B-C50C-407E-A947-70E740481C1C}">
+                <a14:useLocalDpi xmlns:a14="http://schemas.microsoft.com/office/drawing/2010/main" val="0"/>
+              </a:ext>
+            </a:extLst>
+          </a:blip>
+          <a:srcRect/>
+          <a:stretch>
+            <a:fillRect/>
+          </a:stretch>
+        </p:blipFill>
+        <p:spPr bwMode="auto">
+          <a:xfrm>
+            <a:off x="1497105" y="2084109"/>
+            <a:ext cx="4876800" cy="4876800"/>
+          </a:xfrm>
+          <a:prstGeom prst="rect">
+            <a:avLst/>
+          </a:prstGeom>
+          <a:noFill/>
+          <a:extLst>
+            <a:ext uri="{909E8E84-426E-40DD-AFC4-6F175D3DCCD1}">
+              <a14:hiddenFill xmlns:a14="http://schemas.microsoft.com/office/drawing/2010/main">
+                <a:solidFill>
+                  <a:srgbClr val="FFFFFF"/>
+                </a:solidFill>
+              </a14:hiddenFill>
+            </a:ext>
+          </a:extLst>
+        </p:spPr>
+      </p:pic>
+      <p:sp>
+        <p:nvSpPr>
+          <p:cNvPr id="8" name="TextBox 7">
+            <a:extLst>
+              <a:ext uri="{FF2B5EF4-FFF2-40B4-BE49-F238E27FC236}">
+                <a16:creationId xmlns:a16="http://schemas.microsoft.com/office/drawing/2014/main" id="{CF86D6B2-5497-4545-9CF3-A6432EDF62C2}"/>
+              </a:ext>
+            </a:extLst>
+          </p:cNvPr>
+          <p:cNvSpPr txBox="1"/>
+          <p:nvPr/>
+        </p:nvSpPr>
+        <p:spPr>
+          <a:xfrm>
+            <a:off x="3016392" y="1560482"/>
+            <a:ext cx="1838226" cy="646331"/>
+          </a:xfrm>
+          <a:prstGeom prst="rect">
+            <a:avLst/>
+          </a:prstGeom>
+          <a:noFill/>
+        </p:spPr>
+        <p:txBody>
+          <a:bodyPr wrap="square" rtlCol="0">
+            <a:spAutoFit/>
+          </a:bodyPr>
+          <a:lstStyle/>
+          <a:p>
+            <a:pPr algn="ctr"/>
+            <a:r>
+              <a:rPr lang="ko-KR" altLang="en-US" sz="3600" dirty="0">
+                <a:latin typeface="배달의민족 주아" panose="02020603020101020101" pitchFamily="18" charset="-127"/>
+                <a:ea typeface="배달의민족 주아" panose="02020603020101020101" pitchFamily="18" charset="-127"/>
+              </a:rPr>
+              <a:t>서버</a:t>
+            </a:r>
+          </a:p>
+        </p:txBody>
+      </p:sp>
+      <p:sp>
+        <p:nvSpPr>
+          <p:cNvPr id="9" name="TextBox 8">
+            <a:extLst>
+              <a:ext uri="{FF2B5EF4-FFF2-40B4-BE49-F238E27FC236}">
+                <a16:creationId xmlns:a16="http://schemas.microsoft.com/office/drawing/2014/main" id="{D0132730-F8DB-4A1F-8A3C-0B46AA297D2D}"/>
+              </a:ext>
+            </a:extLst>
+          </p:cNvPr>
+          <p:cNvSpPr txBox="1"/>
+          <p:nvPr/>
+        </p:nvSpPr>
+        <p:spPr>
+          <a:xfrm>
+            <a:off x="7570464" y="3640427"/>
+            <a:ext cx="2434148" cy="707886"/>
+          </a:xfrm>
+          <a:prstGeom prst="rect">
+            <a:avLst/>
+          </a:prstGeom>
+          <a:noFill/>
+        </p:spPr>
+        <p:txBody>
+          <a:bodyPr wrap="square" rtlCol="0">
+            <a:spAutoFit/>
+          </a:bodyPr>
+          <a:lstStyle/>
+          <a:p>
+            <a:pPr algn="ctr"/>
+            <a:r>
+              <a:rPr lang="ko-KR" altLang="en-US" sz="4000" dirty="0">
+                <a:latin typeface="배달의민족 주아" panose="02020603020101020101" pitchFamily="18" charset="-127"/>
+                <a:ea typeface="배달의민족 주아" panose="02020603020101020101" pitchFamily="18" charset="-127"/>
+              </a:rPr>
+              <a:t>얘가 </a:t>
+            </a:r>
+            <a:r>
+              <a:rPr lang="ko-KR" altLang="en-US" sz="4000" dirty="0" err="1">
+                <a:latin typeface="배달의민족 주아" panose="02020603020101020101" pitchFamily="18" charset="-127"/>
+                <a:ea typeface="배달의민족 주아" panose="02020603020101020101" pitchFamily="18" charset="-127"/>
+              </a:rPr>
+              <a:t>뭔데</a:t>
+            </a:r>
+            <a:r>
+              <a:rPr lang="en-US" altLang="ko-KR" sz="4000" dirty="0">
+                <a:latin typeface="배달의민족 주아" panose="02020603020101020101" pitchFamily="18" charset="-127"/>
+                <a:ea typeface="배달의민족 주아" panose="02020603020101020101" pitchFamily="18" charset="-127"/>
+              </a:rPr>
+              <a:t>;;</a:t>
+            </a:r>
+            <a:endParaRPr lang="ko-KR" altLang="en-US" sz="4000" dirty="0">
+              <a:latin typeface="배달의민족 주아" panose="02020603020101020101" pitchFamily="18" charset="-127"/>
+              <a:ea typeface="배달의민족 주아" panose="02020603020101020101" pitchFamily="18" charset="-127"/>
+            </a:endParaRPr>
+          </a:p>
+        </p:txBody>
+      </p:sp>
+    </p:spTree>
+    <p:extLst>
+      <p:ext uri="{BB962C8B-B14F-4D97-AF65-F5344CB8AC3E}">
+        <p14:creationId xmlns:p14="http://schemas.microsoft.com/office/powerpoint/2010/main" val="2901302510"/>
+      </p:ext>
+    </p:extLst>
+  </p:cSld>
+  <p:clrMapOvr>
+    <a:masterClrMapping/>
+  </p:clrMapOvr>
+</p:sld>
+</file>
+
+<file path=ppt/slides/slide30.xml><?xml version="1.0" encoding="utf-8"?>
+<p:sld xmlns:a="http://schemas.openxmlformats.org/drawingml/2006/main" xmlns:r="http://schemas.openxmlformats.org/officeDocument/2006/relationships" xmlns:p="http://schemas.openxmlformats.org/presentationml/2006/main">
+  <p:cSld>
+    <p:spTree>
+      <p:nvGrpSpPr>
+        <p:cNvPr id="1" name=""/>
+        <p:cNvGrpSpPr/>
+        <p:nvPr/>
+      </p:nvGrpSpPr>
+      <p:grpSpPr>
+        <a:xfrm>
+          <a:off x="0" y="0"/>
+          <a:ext cx="0" cy="0"/>
+          <a:chOff x="0" y="0"/>
+          <a:chExt cx="0" cy="0"/>
+        </a:xfrm>
+      </p:grpSpPr>
+      <p:sp>
+        <p:nvSpPr>
+          <p:cNvPr id="2" name="직사각형 1">
+            <a:extLst>
+              <a:ext uri="{FF2B5EF4-FFF2-40B4-BE49-F238E27FC236}">
+                <a16:creationId xmlns:a16="http://schemas.microsoft.com/office/drawing/2014/main" id="{54E2CD7B-74A6-44AA-A46D-C26DA263A8E7}"/>
+              </a:ext>
+            </a:extLst>
+          </p:cNvPr>
+          <p:cNvSpPr/>
+          <p:nvPr/>
+        </p:nvSpPr>
+        <p:spPr>
+          <a:xfrm>
+            <a:off x="0" y="339365"/>
+            <a:ext cx="3619893" cy="1221117"/>
+          </a:xfrm>
+          <a:prstGeom prst="rect">
+            <a:avLst/>
+          </a:prstGeom>
+          <a:solidFill>
+            <a:schemeClr val="tx1"/>
+          </a:solidFill>
+        </p:spPr>
+        <p:style>
+          <a:lnRef idx="2">
+            <a:schemeClr val="accent1">
+              <a:shade val="50000"/>
+            </a:schemeClr>
+          </a:lnRef>
+          <a:fillRef idx="1">
+            <a:schemeClr val="accent1"/>
+          </a:fillRef>
+          <a:effectRef idx="0">
+            <a:schemeClr val="accent1"/>
+          </a:effectRef>
+          <a:fontRef idx="minor">
+            <a:schemeClr val="lt1"/>
+          </a:fontRef>
+        </p:style>
+        <p:txBody>
+          <a:bodyPr rtlCol="0" anchor="ctr"/>
+          <a:lstStyle/>
+          <a:p>
+            <a:pPr algn="ctr"/>
+            <a:r>
+              <a:rPr lang="ko-KR" altLang="en-US" sz="4800" dirty="0">
+                <a:solidFill>
+                  <a:schemeClr val="bg1"/>
+                </a:solidFill>
+                <a:latin typeface="태나다체 " panose="02000000000000000000" pitchFamily="2" charset="-127"/>
+                <a:ea typeface="태나다체 " panose="02000000000000000000" pitchFamily="2" charset="-127"/>
+              </a:rPr>
+              <a:t>기타</a:t>
+            </a:r>
+          </a:p>
+        </p:txBody>
+      </p:sp>
+      <p:sp>
+        <p:nvSpPr>
+          <p:cNvPr id="6" name="직사각형 5">
+            <a:extLst>
+              <a:ext uri="{FF2B5EF4-FFF2-40B4-BE49-F238E27FC236}">
+                <a16:creationId xmlns:a16="http://schemas.microsoft.com/office/drawing/2014/main" id="{41CE00C3-4684-47B9-BD9A-C90FEDADD325}"/>
+              </a:ext>
+            </a:extLst>
+          </p:cNvPr>
+          <p:cNvSpPr/>
+          <p:nvPr/>
+        </p:nvSpPr>
+        <p:spPr>
+          <a:xfrm>
+            <a:off x="941384" y="2644170"/>
+            <a:ext cx="10309232" cy="1569660"/>
+          </a:xfrm>
+          <a:prstGeom prst="rect">
+            <a:avLst/>
+          </a:prstGeom>
+        </p:spPr>
+        <p:txBody>
+          <a:bodyPr wrap="none">
+            <a:spAutoFit/>
+          </a:bodyPr>
+          <a:lstStyle/>
+          <a:p>
+            <a:pPr algn="ctr"/>
+            <a:r>
+              <a:rPr lang="en-US" altLang="ko-KR" sz="3200" dirty="0">
+                <a:latin typeface="배달의민족 주아" panose="02020603020101020101" pitchFamily="18" charset="-127"/>
+                <a:ea typeface="배달의민족 주아" panose="02020603020101020101" pitchFamily="18" charset="-127"/>
+              </a:rPr>
+              <a:t>IP</a:t>
+            </a:r>
+            <a:r>
+              <a:rPr lang="ko-KR" altLang="en-US" sz="3200" dirty="0">
+                <a:latin typeface="배달의민족 주아" panose="02020603020101020101" pitchFamily="18" charset="-127"/>
+                <a:ea typeface="배달의민족 주아" panose="02020603020101020101" pitchFamily="18" charset="-127"/>
+              </a:rPr>
+              <a:t> 주소 </a:t>
+            </a:r>
+            <a:r>
+              <a:rPr lang="en-US" altLang="ko-KR" sz="3200" dirty="0">
+                <a:latin typeface="배달의민족 주아" panose="02020603020101020101" pitchFamily="18" charset="-127"/>
+                <a:ea typeface="배달의민족 주아" panose="02020603020101020101" pitchFamily="18" charset="-127"/>
+              </a:rPr>
+              <a:t>: </a:t>
+            </a:r>
+            <a:r>
+              <a:rPr lang="ko-KR" altLang="en-US" sz="3200" dirty="0">
+                <a:latin typeface="배달의민족 주아" panose="02020603020101020101" pitchFamily="18" charset="-127"/>
+                <a:ea typeface="배달의민족 주아" panose="02020603020101020101" pitchFamily="18" charset="-127"/>
+              </a:rPr>
+              <a:t>네트워크 계층에서 기기를 식별하기 위한 논리적 주소</a:t>
+            </a:r>
+            <a:endParaRPr lang="en-US" altLang="ko-KR" sz="3200" dirty="0">
+              <a:latin typeface="배달의민족 주아" panose="02020603020101020101" pitchFamily="18" charset="-127"/>
+              <a:ea typeface="배달의민족 주아" panose="02020603020101020101" pitchFamily="18" charset="-127"/>
+            </a:endParaRPr>
+          </a:p>
+          <a:p>
+            <a:pPr algn="ctr"/>
+            <a:r>
+              <a:rPr lang="en-US" altLang="ko-KR" sz="3200" dirty="0">
+                <a:latin typeface="배달의민족 주아" panose="02020603020101020101" pitchFamily="18" charset="-127"/>
+                <a:ea typeface="배달의민족 주아" panose="02020603020101020101" pitchFamily="18" charset="-127"/>
+              </a:rPr>
+              <a:t>MAC </a:t>
+            </a:r>
+            <a:r>
+              <a:rPr lang="ko-KR" altLang="en-US" sz="3200" dirty="0">
+                <a:latin typeface="배달의민족 주아" panose="02020603020101020101" pitchFamily="18" charset="-127"/>
+                <a:ea typeface="배달의민족 주아" panose="02020603020101020101" pitchFamily="18" charset="-127"/>
+              </a:rPr>
+              <a:t>주소 </a:t>
+            </a:r>
+            <a:r>
+              <a:rPr lang="en-US" altLang="ko-KR" sz="3200" dirty="0">
+                <a:latin typeface="배달의민족 주아" panose="02020603020101020101" pitchFamily="18" charset="-127"/>
+                <a:ea typeface="배달의민족 주아" panose="02020603020101020101" pitchFamily="18" charset="-127"/>
+              </a:rPr>
+              <a:t>: </a:t>
+            </a:r>
+            <a:r>
+              <a:rPr lang="ko-KR" altLang="en-US" sz="3200" dirty="0">
+                <a:latin typeface="배달의민족 주아" panose="02020603020101020101" pitchFamily="18" charset="-127"/>
+                <a:ea typeface="배달의민족 주아" panose="02020603020101020101" pitchFamily="18" charset="-127"/>
+              </a:rPr>
+              <a:t>데이터링크 계층에서 기기를 식별하기 위한 물리적 주소</a:t>
+            </a:r>
+            <a:endParaRPr lang="en-US" altLang="ko-KR" sz="3200" dirty="0">
+              <a:latin typeface="배달의민족 주아" panose="02020603020101020101" pitchFamily="18" charset="-127"/>
+              <a:ea typeface="배달의민족 주아" panose="02020603020101020101" pitchFamily="18" charset="-127"/>
+            </a:endParaRPr>
+          </a:p>
+          <a:p>
+            <a:pPr algn="ctr"/>
+            <a:r>
+              <a:rPr lang="ko-KR" altLang="en-US" sz="3200" dirty="0">
+                <a:latin typeface="배달의민족 주아" panose="02020603020101020101" pitchFamily="18" charset="-127"/>
+                <a:ea typeface="배달의민족 주아" panose="02020603020101020101" pitchFamily="18" charset="-127"/>
+              </a:rPr>
+              <a:t>포트 </a:t>
+            </a:r>
+            <a:r>
+              <a:rPr lang="en-US" altLang="ko-KR" sz="3200" dirty="0">
+                <a:latin typeface="배달의민족 주아" panose="02020603020101020101" pitchFamily="18" charset="-127"/>
+                <a:ea typeface="배달의민족 주아" panose="02020603020101020101" pitchFamily="18" charset="-127"/>
+              </a:rPr>
+              <a:t>: </a:t>
+            </a:r>
+            <a:r>
+              <a:rPr lang="ko-KR" altLang="en-US" sz="3200" dirty="0">
+                <a:latin typeface="배달의민족 주아" panose="02020603020101020101" pitchFamily="18" charset="-127"/>
+                <a:ea typeface="배달의민족 주아" panose="02020603020101020101" pitchFamily="18" charset="-127"/>
+              </a:rPr>
+              <a:t>통신을 위한 만남의 광장</a:t>
+            </a:r>
+            <a:endParaRPr lang="en-US" altLang="ko-KR" sz="3200" dirty="0">
+              <a:latin typeface="배달의민족 주아" panose="02020603020101020101" pitchFamily="18" charset="-127"/>
+              <a:ea typeface="배달의민족 주아" panose="02020603020101020101" pitchFamily="18" charset="-127"/>
+            </a:endParaRPr>
+          </a:p>
+        </p:txBody>
+      </p:sp>
+    </p:spTree>
+    <p:extLst>
+      <p:ext uri="{BB962C8B-B14F-4D97-AF65-F5344CB8AC3E}">
+        <p14:creationId xmlns:p14="http://schemas.microsoft.com/office/powerpoint/2010/main" val="2569815291"/>
+      </p:ext>
+    </p:extLst>
+  </p:cSld>
+  <p:clrMapOvr>
+    <a:masterClrMapping/>
+  </p:clrMapOvr>
+</p:sld>
+</file>
+
+<file path=ppt/slides/slide4.xml><?xml version="1.0" encoding="utf-8"?>
+<p:sld xmlns:a="http://schemas.openxmlformats.org/drawingml/2006/main" xmlns:r="http://schemas.openxmlformats.org/officeDocument/2006/relationships" xmlns:p="http://schemas.openxmlformats.org/presentationml/2006/main">
+  <p:cSld>
+    <p:spTree>
+      <p:nvGrpSpPr>
+        <p:cNvPr id="1" name=""/>
+        <p:cNvGrpSpPr/>
+        <p:nvPr/>
+      </p:nvGrpSpPr>
+      <p:grpSpPr>
+        <a:xfrm>
+          <a:off x="0" y="0"/>
+          <a:ext cx="0" cy="0"/>
+          <a:chOff x="0" y="0"/>
+          <a:chExt cx="0" cy="0"/>
+        </a:xfrm>
+      </p:grpSpPr>
+      <p:sp>
+        <p:nvSpPr>
+          <p:cNvPr id="2" name="직사각형 1">
+            <a:extLst>
+              <a:ext uri="{FF2B5EF4-FFF2-40B4-BE49-F238E27FC236}">
+                <a16:creationId xmlns:a16="http://schemas.microsoft.com/office/drawing/2014/main" id="{54E2CD7B-74A6-44AA-A46D-C26DA263A8E7}"/>
+              </a:ext>
+            </a:extLst>
+          </p:cNvPr>
+          <p:cNvSpPr/>
+          <p:nvPr/>
+        </p:nvSpPr>
+        <p:spPr>
+          <a:xfrm>
+            <a:off x="0" y="339365"/>
+            <a:ext cx="3619893" cy="1221117"/>
+          </a:xfrm>
+          <a:prstGeom prst="rect">
+            <a:avLst/>
+          </a:prstGeom>
+          <a:solidFill>
+            <a:schemeClr val="tx1"/>
+          </a:solidFill>
+        </p:spPr>
+        <p:style>
+          <a:lnRef idx="2">
+            <a:schemeClr val="accent1">
+              <a:shade val="50000"/>
+            </a:schemeClr>
+          </a:lnRef>
+          <a:fillRef idx="1">
+            <a:schemeClr val="accent1"/>
+          </a:fillRef>
+          <a:effectRef idx="0">
+            <a:schemeClr val="accent1"/>
+          </a:effectRef>
+          <a:fontRef idx="minor">
+            <a:schemeClr val="lt1"/>
+          </a:fontRef>
+        </p:style>
+        <p:txBody>
+          <a:bodyPr rtlCol="0" anchor="ctr"/>
+          <a:lstStyle/>
+          <a:p>
+            <a:pPr algn="ctr"/>
+            <a:r>
+              <a:rPr lang="ko-KR" altLang="en-US" sz="4800" dirty="0" err="1">
+                <a:solidFill>
+                  <a:schemeClr val="bg1"/>
+                </a:solidFill>
+                <a:latin typeface="태나다체 " panose="02000000000000000000" pitchFamily="2" charset="-127"/>
+                <a:ea typeface="태나다체 " panose="02000000000000000000" pitchFamily="2" charset="-127"/>
+              </a:rPr>
+              <a:t>서버란</a:t>
+            </a:r>
+            <a:r>
+              <a:rPr lang="en-US" altLang="ko-KR" sz="4800" dirty="0">
+                <a:solidFill>
+                  <a:schemeClr val="bg1"/>
+                </a:solidFill>
+                <a:latin typeface="태나다체 " panose="02000000000000000000" pitchFamily="2" charset="-127"/>
+                <a:ea typeface="태나다체 " panose="02000000000000000000" pitchFamily="2" charset="-127"/>
+              </a:rPr>
+              <a:t>?</a:t>
+            </a:r>
+            <a:endParaRPr lang="ko-KR" altLang="en-US" sz="4800" dirty="0">
+              <a:solidFill>
+                <a:schemeClr val="bg1"/>
+              </a:solidFill>
+              <a:latin typeface="태나다체 " panose="02000000000000000000" pitchFamily="2" charset="-127"/>
+              <a:ea typeface="태나다체 " panose="02000000000000000000" pitchFamily="2" charset="-127"/>
+            </a:endParaRPr>
+          </a:p>
+        </p:txBody>
+      </p:sp>
+      <p:pic>
+        <p:nvPicPr>
+          <p:cNvPr id="7" name="Picture 4" descr="서버 - 무료 컴퓨터개 아이콘">
+            <a:extLst>
+              <a:ext uri="{FF2B5EF4-FFF2-40B4-BE49-F238E27FC236}">
+                <a16:creationId xmlns:a16="http://schemas.microsoft.com/office/drawing/2014/main" id="{8FE4CD72-A01E-4B10-96E6-5D94E48BD05B}"/>
+              </a:ext>
+            </a:extLst>
+          </p:cNvPr>
+          <p:cNvPicPr>
+            <a:picLocks noChangeAspect="1" noChangeArrowheads="1"/>
+          </p:cNvPicPr>
+          <p:nvPr/>
+        </p:nvPicPr>
+        <p:blipFill>
           <a:blip r:embed="rId2">
             <a:extLst>
               <a:ext uri="{28A0092B-C50C-407E-A947-70E740481C1C}">
@@ -7968,7 +9203,7 @@
 </p:sld>
 </file>
 
-<file path=ppt/slides/slide4.xml><?xml version="1.0" encoding="utf-8"?>
+<file path=ppt/slides/slide5.xml><?xml version="1.0" encoding="utf-8"?>
 <p:sld xmlns:a="http://schemas.openxmlformats.org/drawingml/2006/main" xmlns:r="http://schemas.openxmlformats.org/officeDocument/2006/relationships" xmlns:p="http://schemas.openxmlformats.org/presentationml/2006/main">
   <p:cSld>
     <p:spTree>
@@ -8318,7 +9553,7 @@
 </p:sld>
 </file>
 
-<file path=ppt/slides/slide5.xml><?xml version="1.0" encoding="utf-8"?>
+<file path=ppt/slides/slide6.xml><?xml version="1.0" encoding="utf-8"?>
 <p:sld xmlns:a="http://schemas.openxmlformats.org/drawingml/2006/main" xmlns:r="http://schemas.openxmlformats.org/officeDocument/2006/relationships" xmlns:p="http://schemas.openxmlformats.org/presentationml/2006/main">
   <p:cSld>
     <p:spTree>
@@ -8775,7 +10010,7 @@
 </p:sld>
 </file>
 
-<file path=ppt/slides/slide6.xml><?xml version="1.0" encoding="utf-8"?>
+<file path=ppt/slides/slide7.xml><?xml version="1.0" encoding="utf-8"?>
 <p:sld xmlns:a="http://schemas.openxmlformats.org/drawingml/2006/main" xmlns:r="http://schemas.openxmlformats.org/officeDocument/2006/relationships" xmlns:p="http://schemas.openxmlformats.org/presentationml/2006/main">
   <p:cSld>
     <p:spTree>
@@ -9104,7 +10339,7 @@
 </p:sld>
 </file>
 
-<file path=ppt/slides/slide7.xml><?xml version="1.0" encoding="utf-8"?>
+<file path=ppt/slides/slide8.xml><?xml version="1.0" encoding="utf-8"?>
 <p:sld xmlns:a="http://schemas.openxmlformats.org/drawingml/2006/main" xmlns:r="http://schemas.openxmlformats.org/officeDocument/2006/relationships" xmlns:p="http://schemas.openxmlformats.org/presentationml/2006/main">
   <p:cSld>
     <p:spTree>
@@ -9547,7 +10782,7 @@
 </p:sld>
 </file>
 
-<file path=ppt/slides/slide8.xml><?xml version="1.0" encoding="utf-8"?>
+<file path=ppt/slides/slide9.xml><?xml version="1.0" encoding="utf-8"?>
 <p:sld xmlns:a="http://schemas.openxmlformats.org/drawingml/2006/main" xmlns:r="http://schemas.openxmlformats.org/officeDocument/2006/relationships" xmlns:p="http://schemas.openxmlformats.org/presentationml/2006/main">
   <p:cSld>
     <p:spTree>
@@ -10021,668 +11256,6 @@
     <p:extLst>
       <p:ext uri="{BB962C8B-B14F-4D97-AF65-F5344CB8AC3E}">
         <p14:creationId xmlns:p14="http://schemas.microsoft.com/office/powerpoint/2010/main" val="456215884"/>
-      </p:ext>
-    </p:extLst>
-  </p:cSld>
-  <p:clrMapOvr>
-    <a:masterClrMapping/>
-  </p:clrMapOvr>
-</p:sld>
-</file>
-
-<file path=ppt/slides/slide9.xml><?xml version="1.0" encoding="utf-8"?>
-<p:sld xmlns:a="http://schemas.openxmlformats.org/drawingml/2006/main" xmlns:r="http://schemas.openxmlformats.org/officeDocument/2006/relationships" xmlns:p="http://schemas.openxmlformats.org/presentationml/2006/main">
-  <p:cSld>
-    <p:spTree>
-      <p:nvGrpSpPr>
-        <p:cNvPr id="1" name=""/>
-        <p:cNvGrpSpPr/>
-        <p:nvPr/>
-      </p:nvGrpSpPr>
-      <p:grpSpPr>
-        <a:xfrm>
-          <a:off x="0" y="0"/>
-          <a:ext cx="0" cy="0"/>
-          <a:chOff x="0" y="0"/>
-          <a:chExt cx="0" cy="0"/>
-        </a:xfrm>
-      </p:grpSpPr>
-      <p:sp>
-        <p:nvSpPr>
-          <p:cNvPr id="2" name="직사각형 1">
-            <a:extLst>
-              <a:ext uri="{FF2B5EF4-FFF2-40B4-BE49-F238E27FC236}">
-                <a16:creationId xmlns:a16="http://schemas.microsoft.com/office/drawing/2014/main" id="{54E2CD7B-74A6-44AA-A46D-C26DA263A8E7}"/>
-              </a:ext>
-            </a:extLst>
-          </p:cNvPr>
-          <p:cNvSpPr/>
-          <p:nvPr/>
-        </p:nvSpPr>
-        <p:spPr>
-          <a:xfrm>
-            <a:off x="0" y="339365"/>
-            <a:ext cx="3619893" cy="1221117"/>
-          </a:xfrm>
-          <a:prstGeom prst="rect">
-            <a:avLst/>
-          </a:prstGeom>
-          <a:solidFill>
-            <a:schemeClr val="tx1"/>
-          </a:solidFill>
-        </p:spPr>
-        <p:style>
-          <a:lnRef idx="2">
-            <a:schemeClr val="accent1">
-              <a:shade val="50000"/>
-            </a:schemeClr>
-          </a:lnRef>
-          <a:fillRef idx="1">
-            <a:schemeClr val="accent1"/>
-          </a:fillRef>
-          <a:effectRef idx="0">
-            <a:schemeClr val="accent1"/>
-          </a:effectRef>
-          <a:fontRef idx="minor">
-            <a:schemeClr val="lt1"/>
-          </a:fontRef>
-        </p:style>
-        <p:txBody>
-          <a:bodyPr rtlCol="0" anchor="ctr"/>
-          <a:lstStyle/>
-          <a:p>
-            <a:pPr algn="ctr"/>
-            <a:r>
-              <a:rPr lang="ko-KR" altLang="en-US" sz="4800" dirty="0">
-                <a:solidFill>
-                  <a:schemeClr val="bg1"/>
-                </a:solidFill>
-                <a:latin typeface="태나다체 " panose="02000000000000000000" pitchFamily="2" charset="-127"/>
-                <a:ea typeface="태나다체 " panose="02000000000000000000" pitchFamily="2" charset="-127"/>
-              </a:rPr>
-              <a:t>서버의 종류</a:t>
-            </a:r>
-          </a:p>
-        </p:txBody>
-      </p:sp>
-      <p:sp>
-        <p:nvSpPr>
-          <p:cNvPr id="15" name="TextBox 14">
-            <a:extLst>
-              <a:ext uri="{FF2B5EF4-FFF2-40B4-BE49-F238E27FC236}">
-                <a16:creationId xmlns:a16="http://schemas.microsoft.com/office/drawing/2014/main" id="{E419FB9C-9461-4191-AAED-0CB6FDC704ED}"/>
-              </a:ext>
-            </a:extLst>
-          </p:cNvPr>
-          <p:cNvSpPr txBox="1"/>
-          <p:nvPr/>
-        </p:nvSpPr>
-        <p:spPr>
-          <a:xfrm>
-            <a:off x="983530" y="2033393"/>
-            <a:ext cx="4033101" cy="923330"/>
-          </a:xfrm>
-          <a:prstGeom prst="rect">
-            <a:avLst/>
-          </a:prstGeom>
-          <a:noFill/>
-        </p:spPr>
-        <p:txBody>
-          <a:bodyPr wrap="square" rtlCol="0">
-            <a:spAutoFit/>
-          </a:bodyPr>
-          <a:lstStyle/>
-          <a:p>
-            <a:pPr algn="ctr"/>
-            <a:r>
-              <a:rPr lang="ko-KR" altLang="en-US" sz="5400" dirty="0">
-                <a:latin typeface="배달의민족 주아" panose="02020603020101020101" pitchFamily="18" charset="-127"/>
-                <a:ea typeface="배달의민족 주아" panose="02020603020101020101" pitchFamily="18" charset="-127"/>
-              </a:rPr>
-              <a:t>웹 서버</a:t>
-            </a:r>
-          </a:p>
-        </p:txBody>
-      </p:sp>
-      <p:sp>
-        <p:nvSpPr>
-          <p:cNvPr id="16" name="TextBox 15">
-            <a:extLst>
-              <a:ext uri="{FF2B5EF4-FFF2-40B4-BE49-F238E27FC236}">
-                <a16:creationId xmlns:a16="http://schemas.microsoft.com/office/drawing/2014/main" id="{94BC8CB0-6559-42DB-943A-A8E7E9812CEF}"/>
-              </a:ext>
-            </a:extLst>
-          </p:cNvPr>
-          <p:cNvSpPr txBox="1"/>
-          <p:nvPr/>
-        </p:nvSpPr>
-        <p:spPr>
-          <a:xfrm>
-            <a:off x="7175369" y="2033393"/>
-            <a:ext cx="4033101" cy="923330"/>
-          </a:xfrm>
-          <a:prstGeom prst="rect">
-            <a:avLst/>
-          </a:prstGeom>
-          <a:noFill/>
-        </p:spPr>
-        <p:txBody>
-          <a:bodyPr wrap="square" rtlCol="0">
-            <a:spAutoFit/>
-          </a:bodyPr>
-          <a:lstStyle/>
-          <a:p>
-            <a:pPr algn="ctr"/>
-            <a:r>
-              <a:rPr lang="ko-KR" altLang="en-US" sz="5400" dirty="0">
-                <a:latin typeface="배달의민족 주아" panose="02020603020101020101" pitchFamily="18" charset="-127"/>
-                <a:ea typeface="배달의민족 주아" panose="02020603020101020101" pitchFamily="18" charset="-127"/>
-              </a:rPr>
-              <a:t>게임 서버</a:t>
-            </a:r>
-          </a:p>
-        </p:txBody>
-      </p:sp>
-      <p:cxnSp>
-        <p:nvCxnSpPr>
-          <p:cNvPr id="4" name="직선 연결선 3">
-            <a:extLst>
-              <a:ext uri="{FF2B5EF4-FFF2-40B4-BE49-F238E27FC236}">
-                <a16:creationId xmlns:a16="http://schemas.microsoft.com/office/drawing/2014/main" id="{D7648EE5-0557-49E0-91E2-B14C6DD2497C}"/>
-              </a:ext>
-            </a:extLst>
-          </p:cNvPr>
-          <p:cNvCxnSpPr>
-            <a:cxnSpLocks/>
-          </p:cNvCxnSpPr>
-          <p:nvPr/>
-        </p:nvCxnSpPr>
-        <p:spPr>
-          <a:xfrm>
-            <a:off x="6077146" y="1923068"/>
-            <a:ext cx="0" cy="4934932"/>
-          </a:xfrm>
-          <a:prstGeom prst="line">
-            <a:avLst/>
-          </a:prstGeom>
-          <a:ln w="38100">
-            <a:solidFill>
-              <a:schemeClr val="tx1"/>
-            </a:solidFill>
-          </a:ln>
-        </p:spPr>
-        <p:style>
-          <a:lnRef idx="1">
-            <a:schemeClr val="accent1"/>
-          </a:lnRef>
-          <a:fillRef idx="0">
-            <a:schemeClr val="accent1"/>
-          </a:fillRef>
-          <a:effectRef idx="0">
-            <a:schemeClr val="accent1"/>
-          </a:effectRef>
-          <a:fontRef idx="minor">
-            <a:schemeClr val="tx1"/>
-          </a:fontRef>
-        </p:style>
-      </p:cxnSp>
-      <p:cxnSp>
-        <p:nvCxnSpPr>
-          <p:cNvPr id="17" name="직선 연결선 16">
-            <a:extLst>
-              <a:ext uri="{FF2B5EF4-FFF2-40B4-BE49-F238E27FC236}">
-                <a16:creationId xmlns:a16="http://schemas.microsoft.com/office/drawing/2014/main" id="{30BE4FAD-1065-4A69-A862-BADB14F035D8}"/>
-              </a:ext>
-            </a:extLst>
-          </p:cNvPr>
-          <p:cNvCxnSpPr>
-            <a:cxnSpLocks/>
-          </p:cNvCxnSpPr>
-          <p:nvPr/>
-        </p:nvCxnSpPr>
-        <p:spPr>
-          <a:xfrm>
-            <a:off x="0" y="1923068"/>
-            <a:ext cx="12192000" cy="0"/>
-          </a:xfrm>
-          <a:prstGeom prst="line">
-            <a:avLst/>
-          </a:prstGeom>
-          <a:ln w="38100">
-            <a:solidFill>
-              <a:schemeClr val="tx1"/>
-            </a:solidFill>
-          </a:ln>
-        </p:spPr>
-        <p:style>
-          <a:lnRef idx="1">
-            <a:schemeClr val="accent1"/>
-          </a:lnRef>
-          <a:fillRef idx="0">
-            <a:schemeClr val="accent1"/>
-          </a:fillRef>
-          <a:effectRef idx="0">
-            <a:schemeClr val="accent1"/>
-          </a:effectRef>
-          <a:fontRef idx="minor">
-            <a:schemeClr val="tx1"/>
-          </a:fontRef>
-        </p:style>
-      </p:cxnSp>
-      <p:sp>
-        <p:nvSpPr>
-          <p:cNvPr id="22" name="TextBox 21">
-            <a:extLst>
-              <a:ext uri="{FF2B5EF4-FFF2-40B4-BE49-F238E27FC236}">
-                <a16:creationId xmlns:a16="http://schemas.microsoft.com/office/drawing/2014/main" id="{0FE1F616-BF93-4F17-B30E-FCF1EAE2CBDB}"/>
-              </a:ext>
-            </a:extLst>
-          </p:cNvPr>
-          <p:cNvSpPr txBox="1"/>
-          <p:nvPr/>
-        </p:nvSpPr>
-        <p:spPr>
-          <a:xfrm>
-            <a:off x="1693292" y="3198638"/>
-            <a:ext cx="2613576" cy="461665"/>
-          </a:xfrm>
-          <a:prstGeom prst="rect">
-            <a:avLst/>
-          </a:prstGeom>
-          <a:noFill/>
-        </p:spPr>
-        <p:txBody>
-          <a:bodyPr wrap="square" rtlCol="0">
-            <a:spAutoFit/>
-          </a:bodyPr>
-          <a:lstStyle/>
-          <a:p>
-            <a:pPr algn="ctr"/>
-            <a:r>
-              <a:rPr lang="ko-KR" altLang="en-US" sz="2400" dirty="0">
-                <a:latin typeface="배달의민족 주아" panose="02020603020101020101" pitchFamily="18" charset="-127"/>
-                <a:ea typeface="배달의민족 주아" panose="02020603020101020101" pitchFamily="18" charset="-127"/>
-              </a:rPr>
-              <a:t>질의 </a:t>
-            </a:r>
-            <a:r>
-              <a:rPr lang="en-US" altLang="ko-KR" sz="2400" dirty="0">
-                <a:latin typeface="배달의민족 주아" panose="02020603020101020101" pitchFamily="18" charset="-127"/>
-                <a:ea typeface="배달의민족 주아" panose="02020603020101020101" pitchFamily="18" charset="-127"/>
-              </a:rPr>
-              <a:t>/ </a:t>
-            </a:r>
-            <a:r>
-              <a:rPr lang="ko-KR" altLang="en-US" sz="2400" dirty="0">
-                <a:latin typeface="배달의민족 주아" panose="02020603020101020101" pitchFamily="18" charset="-127"/>
-                <a:ea typeface="배달의민족 주아" panose="02020603020101020101" pitchFamily="18" charset="-127"/>
-              </a:rPr>
-              <a:t>응답 형태</a:t>
-            </a:r>
-          </a:p>
-        </p:txBody>
-      </p:sp>
-      <p:sp>
-        <p:nvSpPr>
-          <p:cNvPr id="9" name="TextBox 8">
-            <a:extLst>
-              <a:ext uri="{FF2B5EF4-FFF2-40B4-BE49-F238E27FC236}">
-                <a16:creationId xmlns:a16="http://schemas.microsoft.com/office/drawing/2014/main" id="{6020C365-5634-4FA4-B062-0E3A388DF52A}"/>
-              </a:ext>
-            </a:extLst>
-          </p:cNvPr>
-          <p:cNvSpPr txBox="1"/>
-          <p:nvPr/>
-        </p:nvSpPr>
-        <p:spPr>
-          <a:xfrm>
-            <a:off x="1693292" y="3909768"/>
-            <a:ext cx="2613576" cy="830997"/>
-          </a:xfrm>
-          <a:prstGeom prst="rect">
-            <a:avLst/>
-          </a:prstGeom>
-          <a:noFill/>
-        </p:spPr>
-        <p:txBody>
-          <a:bodyPr wrap="square" rtlCol="0">
-            <a:spAutoFit/>
-          </a:bodyPr>
-          <a:lstStyle/>
-          <a:p>
-            <a:pPr algn="ctr"/>
-            <a:r>
-              <a:rPr lang="ko-KR" altLang="en-US" sz="2400" dirty="0">
-                <a:latin typeface="배달의민족 주아" panose="02020603020101020101" pitchFamily="18" charset="-127"/>
-                <a:ea typeface="배달의민족 주아" panose="02020603020101020101" pitchFamily="18" charset="-127"/>
-              </a:rPr>
-              <a:t>요청에 대한 응답 후 연결 해제</a:t>
-            </a:r>
-          </a:p>
-        </p:txBody>
-      </p:sp>
-      <p:sp>
-        <p:nvSpPr>
-          <p:cNvPr id="12" name="TextBox 11">
-            <a:extLst>
-              <a:ext uri="{FF2B5EF4-FFF2-40B4-BE49-F238E27FC236}">
-                <a16:creationId xmlns:a16="http://schemas.microsoft.com/office/drawing/2014/main" id="{521A0770-8099-4CEE-965F-DA6AC4609632}"/>
-              </a:ext>
-            </a:extLst>
-          </p:cNvPr>
-          <p:cNvSpPr txBox="1"/>
-          <p:nvPr/>
-        </p:nvSpPr>
-        <p:spPr>
-          <a:xfrm>
-            <a:off x="7885131" y="3198638"/>
-            <a:ext cx="2613576" cy="461665"/>
-          </a:xfrm>
-          <a:prstGeom prst="rect">
-            <a:avLst/>
-          </a:prstGeom>
-          <a:noFill/>
-        </p:spPr>
-        <p:txBody>
-          <a:bodyPr wrap="square" rtlCol="0">
-            <a:spAutoFit/>
-          </a:bodyPr>
-          <a:lstStyle/>
-          <a:p>
-            <a:pPr algn="ctr"/>
-            <a:r>
-              <a:rPr lang="ko-KR" altLang="en-US" sz="2400" dirty="0">
-                <a:latin typeface="배달의민족 주아" panose="02020603020101020101" pitchFamily="18" charset="-127"/>
-                <a:ea typeface="배달의민족 주아" panose="02020603020101020101" pitchFamily="18" charset="-127"/>
-              </a:rPr>
-              <a:t>실시간 통신 형태</a:t>
-            </a:r>
-          </a:p>
-        </p:txBody>
-      </p:sp>
-      <p:sp>
-        <p:nvSpPr>
-          <p:cNvPr id="13" name="TextBox 12">
-            <a:extLst>
-              <a:ext uri="{FF2B5EF4-FFF2-40B4-BE49-F238E27FC236}">
-                <a16:creationId xmlns:a16="http://schemas.microsoft.com/office/drawing/2014/main" id="{F6EC3591-2DA2-4507-848E-29741AA0E1B4}"/>
-              </a:ext>
-            </a:extLst>
-          </p:cNvPr>
-          <p:cNvSpPr txBox="1"/>
-          <p:nvPr/>
-        </p:nvSpPr>
-        <p:spPr>
-          <a:xfrm>
-            <a:off x="7841338" y="3784267"/>
-            <a:ext cx="2701161" cy="461665"/>
-          </a:xfrm>
-          <a:prstGeom prst="rect">
-            <a:avLst/>
-          </a:prstGeom>
-          <a:noFill/>
-        </p:spPr>
-        <p:txBody>
-          <a:bodyPr wrap="square" rtlCol="0">
-            <a:spAutoFit/>
-          </a:bodyPr>
-          <a:lstStyle/>
-          <a:p>
-            <a:pPr algn="ctr"/>
-            <a:r>
-              <a:rPr lang="ko-KR" altLang="en-US" sz="2400" dirty="0">
-                <a:latin typeface="배달의민족 주아" panose="02020603020101020101" pitchFamily="18" charset="-127"/>
-                <a:ea typeface="배달의민족 주아" panose="02020603020101020101" pitchFamily="18" charset="-127"/>
-              </a:rPr>
-              <a:t>서버와 연결 상태 유지</a:t>
-            </a:r>
-          </a:p>
-        </p:txBody>
-      </p:sp>
-      <p:sp>
-        <p:nvSpPr>
-          <p:cNvPr id="14" name="TextBox 13">
-            <a:extLst>
-              <a:ext uri="{FF2B5EF4-FFF2-40B4-BE49-F238E27FC236}">
-                <a16:creationId xmlns:a16="http://schemas.microsoft.com/office/drawing/2014/main" id="{DCBC58D6-959F-45D1-A32B-BCA85EA08213}"/>
-              </a:ext>
-            </a:extLst>
-          </p:cNvPr>
-          <p:cNvSpPr txBox="1"/>
-          <p:nvPr/>
-        </p:nvSpPr>
-        <p:spPr>
-          <a:xfrm>
-            <a:off x="7841338" y="4388752"/>
-            <a:ext cx="2701161" cy="461665"/>
-          </a:xfrm>
-          <a:prstGeom prst="rect">
-            <a:avLst/>
-          </a:prstGeom>
-          <a:noFill/>
-        </p:spPr>
-        <p:txBody>
-          <a:bodyPr wrap="square" rtlCol="0">
-            <a:spAutoFit/>
-          </a:bodyPr>
-          <a:lstStyle/>
-          <a:p>
-            <a:pPr algn="ctr"/>
-            <a:r>
-              <a:rPr lang="ko-KR" altLang="en-US" sz="2400" dirty="0">
-                <a:latin typeface="배달의민족 주아" panose="02020603020101020101" pitchFamily="18" charset="-127"/>
-                <a:ea typeface="배달의민족 주아" panose="02020603020101020101" pitchFamily="18" charset="-127"/>
-              </a:rPr>
-              <a:t>대화 형식의 통신</a:t>
-            </a:r>
-          </a:p>
-        </p:txBody>
-      </p:sp>
-      <p:sp>
-        <p:nvSpPr>
-          <p:cNvPr id="18" name="TextBox 17">
-            <a:extLst>
-              <a:ext uri="{FF2B5EF4-FFF2-40B4-BE49-F238E27FC236}">
-                <a16:creationId xmlns:a16="http://schemas.microsoft.com/office/drawing/2014/main" id="{3B07B0F1-E258-475E-87BB-A3338880EC50}"/>
-              </a:ext>
-            </a:extLst>
-          </p:cNvPr>
-          <p:cNvSpPr txBox="1"/>
-          <p:nvPr/>
-        </p:nvSpPr>
-        <p:spPr>
-          <a:xfrm>
-            <a:off x="1731785" y="5152245"/>
-            <a:ext cx="2613576" cy="1354217"/>
-          </a:xfrm>
-          <a:prstGeom prst="rect">
-            <a:avLst/>
-          </a:prstGeom>
-          <a:noFill/>
-        </p:spPr>
-        <p:txBody>
-          <a:bodyPr wrap="square" rtlCol="0">
-            <a:spAutoFit/>
-          </a:bodyPr>
-          <a:lstStyle/>
-          <a:p>
-            <a:pPr algn="ctr"/>
-            <a:r>
-              <a:rPr lang="en-US" altLang="ko-KR" sz="1600" dirty="0">
-                <a:latin typeface="배달의민족 주아" panose="02020603020101020101" pitchFamily="18" charset="-127"/>
-                <a:ea typeface="배달의민족 주아" panose="02020603020101020101" pitchFamily="18" charset="-127"/>
-              </a:rPr>
-              <a:t>ASP.NET (C#)</a:t>
-            </a:r>
-          </a:p>
-          <a:p>
-            <a:pPr algn="ctr"/>
-            <a:r>
-              <a:rPr lang="en-US" altLang="ko-KR" sz="1600" dirty="0">
-                <a:latin typeface="배달의민족 주아" panose="02020603020101020101" pitchFamily="18" charset="-127"/>
-                <a:ea typeface="배달의민족 주아" panose="02020603020101020101" pitchFamily="18" charset="-127"/>
-              </a:rPr>
-              <a:t>Spring (Java)</a:t>
-            </a:r>
-          </a:p>
-          <a:p>
-            <a:pPr algn="ctr"/>
-            <a:r>
-              <a:rPr lang="en-US" altLang="ko-KR" sz="1600" dirty="0">
-                <a:latin typeface="배달의민족 주아" panose="02020603020101020101" pitchFamily="18" charset="-127"/>
-                <a:ea typeface="배달의민족 주아" panose="02020603020101020101" pitchFamily="18" charset="-127"/>
-              </a:rPr>
-              <a:t>NodeJS (</a:t>
-            </a:r>
-            <a:r>
-              <a:rPr lang="en-US" altLang="ko-KR" sz="1600" dirty="0" err="1">
-                <a:latin typeface="배달의민족 주아" panose="02020603020101020101" pitchFamily="18" charset="-127"/>
-                <a:ea typeface="배달의민족 주아" panose="02020603020101020101" pitchFamily="18" charset="-127"/>
-              </a:rPr>
-              <a:t>js</a:t>
-            </a:r>
-            <a:r>
-              <a:rPr lang="en-US" altLang="ko-KR" sz="1600" dirty="0">
-                <a:latin typeface="배달의민족 주아" panose="02020603020101020101" pitchFamily="18" charset="-127"/>
-                <a:ea typeface="배달의민족 주아" panose="02020603020101020101" pitchFamily="18" charset="-127"/>
-              </a:rPr>
-              <a:t>)</a:t>
-            </a:r>
-          </a:p>
-          <a:p>
-            <a:pPr algn="ctr"/>
-            <a:r>
-              <a:rPr lang="en-US" altLang="ko-KR" sz="1600" dirty="0">
-                <a:latin typeface="배달의민족 주아" panose="02020603020101020101" pitchFamily="18" charset="-127"/>
-                <a:ea typeface="배달의민족 주아" panose="02020603020101020101" pitchFamily="18" charset="-127"/>
-              </a:rPr>
-              <a:t>Django, Flask (</a:t>
-            </a:r>
-            <a:r>
-              <a:rPr lang="en-US" altLang="ko-KR" sz="1600" dirty="0" err="1">
-                <a:latin typeface="배달의민족 주아" panose="02020603020101020101" pitchFamily="18" charset="-127"/>
-                <a:ea typeface="배달의민족 주아" panose="02020603020101020101" pitchFamily="18" charset="-127"/>
-              </a:rPr>
-              <a:t>py</a:t>
-            </a:r>
-            <a:r>
-              <a:rPr lang="en-US" altLang="ko-KR" sz="1600" dirty="0">
-                <a:latin typeface="배달의민족 주아" panose="02020603020101020101" pitchFamily="18" charset="-127"/>
-                <a:ea typeface="배달의민족 주아" panose="02020603020101020101" pitchFamily="18" charset="-127"/>
-              </a:rPr>
-              <a:t>)</a:t>
-            </a:r>
-          </a:p>
-          <a:p>
-            <a:pPr algn="ctr"/>
-            <a:r>
-              <a:rPr lang="en-US" altLang="ko-KR" sz="1600" dirty="0">
-                <a:latin typeface="배달의민족 주아" panose="02020603020101020101" pitchFamily="18" charset="-127"/>
-                <a:ea typeface="배달의민족 주아" panose="02020603020101020101" pitchFamily="18" charset="-127"/>
-              </a:rPr>
-              <a:t>PHP</a:t>
-            </a:r>
-            <a:endParaRPr lang="ko-KR" altLang="en-US" sz="1600" dirty="0">
-              <a:latin typeface="배달의민족 주아" panose="02020603020101020101" pitchFamily="18" charset="-127"/>
-              <a:ea typeface="배달의민족 주아" panose="02020603020101020101" pitchFamily="18" charset="-127"/>
-            </a:endParaRPr>
-          </a:p>
-        </p:txBody>
-      </p:sp>
-      <p:sp>
-        <p:nvSpPr>
-          <p:cNvPr id="20" name="TextBox 19">
-            <a:extLst>
-              <a:ext uri="{FF2B5EF4-FFF2-40B4-BE49-F238E27FC236}">
-                <a16:creationId xmlns:a16="http://schemas.microsoft.com/office/drawing/2014/main" id="{F0DB452A-7CF7-49CE-8D35-1FB0A1E08934}"/>
-              </a:ext>
-            </a:extLst>
-          </p:cNvPr>
-          <p:cNvSpPr txBox="1"/>
-          <p:nvPr/>
-        </p:nvSpPr>
-        <p:spPr>
-          <a:xfrm>
-            <a:off x="7885130" y="5152245"/>
-            <a:ext cx="2613576" cy="1323439"/>
-          </a:xfrm>
-          <a:prstGeom prst="rect">
-            <a:avLst/>
-          </a:prstGeom>
-          <a:noFill/>
-        </p:spPr>
-        <p:txBody>
-          <a:bodyPr wrap="square" rtlCol="0">
-            <a:spAutoFit/>
-          </a:bodyPr>
-          <a:lstStyle/>
-          <a:p>
-            <a:pPr algn="ctr"/>
-            <a:r>
-              <a:rPr lang="ko-KR" altLang="en-US" sz="1600" dirty="0">
-                <a:latin typeface="배달의민족 주아" panose="02020603020101020101" pitchFamily="18" charset="-127"/>
-                <a:ea typeface="배달의민족 주아" panose="02020603020101020101" pitchFamily="18" charset="-127"/>
-              </a:rPr>
-              <a:t>프레임워크 </a:t>
-            </a:r>
-            <a:r>
-              <a:rPr lang="en-US" altLang="ko-KR" sz="1600" dirty="0">
-                <a:latin typeface="배달의민족 주아" panose="02020603020101020101" pitchFamily="18" charset="-127"/>
-                <a:ea typeface="배달의민족 주아" panose="02020603020101020101" pitchFamily="18" charset="-127"/>
-              </a:rPr>
-              <a:t>X</a:t>
-            </a:r>
-          </a:p>
-          <a:p>
-            <a:pPr algn="ctr"/>
-            <a:r>
-              <a:rPr lang="en-US" altLang="ko-KR" sz="1600" dirty="0">
-                <a:latin typeface="배달의민족 주아" panose="02020603020101020101" pitchFamily="18" charset="-127"/>
-                <a:ea typeface="배달의민족 주아" panose="02020603020101020101" pitchFamily="18" charset="-127"/>
-              </a:rPr>
-              <a:t>C++</a:t>
-            </a:r>
-          </a:p>
-          <a:p>
-            <a:pPr algn="ctr"/>
-            <a:r>
-              <a:rPr lang="en-US" altLang="ko-KR" sz="1600" dirty="0">
-                <a:latin typeface="배달의민족 주아" panose="02020603020101020101" pitchFamily="18" charset="-127"/>
-                <a:ea typeface="배달의민족 주아" panose="02020603020101020101" pitchFamily="18" charset="-127"/>
-              </a:rPr>
-              <a:t>C#</a:t>
-            </a:r>
-          </a:p>
-          <a:p>
-            <a:pPr algn="ctr"/>
-            <a:r>
-              <a:rPr lang="en-US" altLang="ko-KR" sz="1600" dirty="0">
-                <a:latin typeface="배달의민족 주아" panose="02020603020101020101" pitchFamily="18" charset="-127"/>
-                <a:ea typeface="배달의민족 주아" panose="02020603020101020101" pitchFamily="18" charset="-127"/>
-              </a:rPr>
-              <a:t>Java</a:t>
-            </a:r>
-          </a:p>
-          <a:p>
-            <a:pPr algn="ctr"/>
-            <a:r>
-              <a:rPr lang="en-US" altLang="ko-KR" sz="1600" dirty="0">
-                <a:latin typeface="배달의민족 주아" panose="02020603020101020101" pitchFamily="18" charset="-127"/>
-                <a:ea typeface="배달의민족 주아" panose="02020603020101020101" pitchFamily="18" charset="-127"/>
-              </a:rPr>
-              <a:t>JS</a:t>
-            </a:r>
-            <a:endParaRPr lang="ko-KR" altLang="en-US" sz="1600" dirty="0">
-              <a:latin typeface="배달의민족 주아" panose="02020603020101020101" pitchFamily="18" charset="-127"/>
-              <a:ea typeface="배달의민족 주아" panose="02020603020101020101" pitchFamily="18" charset="-127"/>
-            </a:endParaRPr>
-          </a:p>
-        </p:txBody>
-      </p:sp>
-    </p:spTree>
-    <p:extLst>
-      <p:ext uri="{BB962C8B-B14F-4D97-AF65-F5344CB8AC3E}">
-        <p14:creationId xmlns:p14="http://schemas.microsoft.com/office/powerpoint/2010/main" val="1496136177"/>
       </p:ext>
     </p:extLst>
   </p:cSld>

--- a/ServerLecture/PT/1강 네트워크 사전 지식.pptx
+++ b/ServerLecture/PT/1강 네트워크 사전 지식.pptx
@@ -4034,6 +4034,11 @@
           <a:solidFill>
             <a:schemeClr val="tx1"/>
           </a:solidFill>
+          <a:ln>
+            <a:solidFill>
+              <a:schemeClr val="tx1"/>
+            </a:solidFill>
+          </a:ln>
         </p:spPr>
         <p:style>
           <a:lnRef idx="2">
@@ -4122,6 +4127,11 @@
           <a:solidFill>
             <a:schemeClr val="tx1"/>
           </a:solidFill>
+          <a:ln>
+            <a:solidFill>
+              <a:schemeClr val="tx1"/>
+            </a:solidFill>
+          </a:ln>
         </p:spPr>
         <p:style>
           <a:lnRef idx="2">
@@ -4763,10 +4773,102 @@
       </p:grpSpPr>
       <p:sp>
         <p:nvSpPr>
-          <p:cNvPr id="2" name="직사각형 1">
-            <a:extLst>
-              <a:ext uri="{FF2B5EF4-FFF2-40B4-BE49-F238E27FC236}">
-                <a16:creationId xmlns:a16="http://schemas.microsoft.com/office/drawing/2014/main" id="{54E2CD7B-74A6-44AA-A46D-C26DA263A8E7}"/>
+          <p:cNvPr id="3" name="직사각형 2">
+            <a:extLst>
+              <a:ext uri="{FF2B5EF4-FFF2-40B4-BE49-F238E27FC236}">
+                <a16:creationId xmlns:a16="http://schemas.microsoft.com/office/drawing/2014/main" id="{337B8CA6-0479-4E25-8206-9F9BBB1ECBC6}"/>
+              </a:ext>
+            </a:extLst>
+          </p:cNvPr>
+          <p:cNvSpPr/>
+          <p:nvPr/>
+        </p:nvSpPr>
+        <p:spPr>
+          <a:xfrm>
+            <a:off x="3587298" y="2741886"/>
+            <a:ext cx="5017399" cy="707886"/>
+          </a:xfrm>
+          <a:prstGeom prst="rect">
+            <a:avLst/>
+          </a:prstGeom>
+        </p:spPr>
+        <p:txBody>
+          <a:bodyPr wrap="none">
+            <a:spAutoFit/>
+          </a:bodyPr>
+          <a:lstStyle/>
+          <a:p>
+            <a:r>
+              <a:rPr lang="en-US" altLang="ko-KR" sz="4000" b="1" dirty="0">
+                <a:latin typeface="배달의민족 주아" panose="02020603020101020101" pitchFamily="18" charset="-127"/>
+                <a:ea typeface="배달의민족 주아" panose="02020603020101020101" pitchFamily="18" charset="-127"/>
+              </a:rPr>
+              <a:t>PEER-TO-PEER (P2P)</a:t>
+            </a:r>
+            <a:endParaRPr lang="ko-KR" altLang="en-US" sz="4000" b="1" dirty="0">
+              <a:latin typeface="배달의민족 주아" panose="02020603020101020101" pitchFamily="18" charset="-127"/>
+              <a:ea typeface="배달의민족 주아" panose="02020603020101020101" pitchFamily="18" charset="-127"/>
+            </a:endParaRPr>
+          </a:p>
+        </p:txBody>
+      </p:sp>
+      <p:sp>
+        <p:nvSpPr>
+          <p:cNvPr id="19" name="직사각형 18">
+            <a:extLst>
+              <a:ext uri="{FF2B5EF4-FFF2-40B4-BE49-F238E27FC236}">
+                <a16:creationId xmlns:a16="http://schemas.microsoft.com/office/drawing/2014/main" id="{AB498B63-3B59-4563-AAEA-A95AF69653AE}"/>
+              </a:ext>
+            </a:extLst>
+          </p:cNvPr>
+          <p:cNvSpPr/>
+          <p:nvPr/>
+        </p:nvSpPr>
+        <p:spPr>
+          <a:xfrm>
+            <a:off x="3824381" y="4277233"/>
+            <a:ext cx="4543231" cy="707886"/>
+          </a:xfrm>
+          <a:prstGeom prst="rect">
+            <a:avLst/>
+          </a:prstGeom>
+        </p:spPr>
+        <p:txBody>
+          <a:bodyPr wrap="none">
+            <a:spAutoFit/>
+          </a:bodyPr>
+          <a:lstStyle/>
+          <a:p>
+            <a:r>
+              <a:rPr lang="ko-KR" altLang="en-US" sz="4000" b="1" dirty="0">
+                <a:latin typeface="배달의민족 주아" panose="02020603020101020101" pitchFamily="18" charset="-127"/>
+                <a:ea typeface="배달의민족 주아" panose="02020603020101020101" pitchFamily="18" charset="-127"/>
+              </a:rPr>
+              <a:t>클라이언트 </a:t>
+            </a:r>
+            <a:r>
+              <a:rPr lang="en-US" altLang="ko-KR" sz="4000" b="1" dirty="0">
+                <a:latin typeface="배달의민족 주아" panose="02020603020101020101" pitchFamily="18" charset="-127"/>
+                <a:ea typeface="배달의민족 주아" panose="02020603020101020101" pitchFamily="18" charset="-127"/>
+              </a:rPr>
+              <a:t>- </a:t>
+            </a:r>
+            <a:r>
+              <a:rPr lang="ko-KR" altLang="en-US" sz="4000" b="1" dirty="0">
+                <a:latin typeface="배달의민족 주아" panose="02020603020101020101" pitchFamily="18" charset="-127"/>
+                <a:ea typeface="배달의민족 주아" panose="02020603020101020101" pitchFamily="18" charset="-127"/>
+              </a:rPr>
+              <a:t>서버 모델</a:t>
+            </a:r>
+          </a:p>
+        </p:txBody>
+      </p:sp>
+      <p:sp>
+        <p:nvSpPr>
+          <p:cNvPr id="5" name="직사각형 4">
+            <a:extLst>
+              <a:ext uri="{FF2B5EF4-FFF2-40B4-BE49-F238E27FC236}">
+                <a16:creationId xmlns:a16="http://schemas.microsoft.com/office/drawing/2014/main" id="{025FECF0-262A-4FBD-B697-ED2FF404DC45}"/>
               </a:ext>
             </a:extLst>
           </p:cNvPr>
@@ -4784,6 +4886,11 @@
           <a:solidFill>
             <a:schemeClr val="tx1"/>
           </a:solidFill>
+          <a:ln>
+            <a:solidFill>
+              <a:schemeClr val="tx1"/>
+            </a:solidFill>
+          </a:ln>
         </p:spPr>
         <p:style>
           <a:lnRef idx="2">
@@ -4815,98 +4922,6 @@
                 <a:ea typeface="태나다체 " panose="02000000000000000000" pitchFamily="2" charset="-127"/>
               </a:rPr>
               <a:t>서버의 종류</a:t>
-            </a:r>
-          </a:p>
-        </p:txBody>
-      </p:sp>
-      <p:sp>
-        <p:nvSpPr>
-          <p:cNvPr id="3" name="직사각형 2">
-            <a:extLst>
-              <a:ext uri="{FF2B5EF4-FFF2-40B4-BE49-F238E27FC236}">
-                <a16:creationId xmlns:a16="http://schemas.microsoft.com/office/drawing/2014/main" id="{337B8CA6-0479-4E25-8206-9F9BBB1ECBC6}"/>
-              </a:ext>
-            </a:extLst>
-          </p:cNvPr>
-          <p:cNvSpPr/>
-          <p:nvPr/>
-        </p:nvSpPr>
-        <p:spPr>
-          <a:xfrm>
-            <a:off x="3587298" y="2741886"/>
-            <a:ext cx="5017399" cy="707886"/>
-          </a:xfrm>
-          <a:prstGeom prst="rect">
-            <a:avLst/>
-          </a:prstGeom>
-        </p:spPr>
-        <p:txBody>
-          <a:bodyPr wrap="none">
-            <a:spAutoFit/>
-          </a:bodyPr>
-          <a:lstStyle/>
-          <a:p>
-            <a:r>
-              <a:rPr lang="en-US" altLang="ko-KR" sz="4000" b="1" dirty="0">
-                <a:latin typeface="배달의민족 주아" panose="02020603020101020101" pitchFamily="18" charset="-127"/>
-                <a:ea typeface="배달의민족 주아" panose="02020603020101020101" pitchFamily="18" charset="-127"/>
-              </a:rPr>
-              <a:t>PEER-TO-PEER (P2P)</a:t>
-            </a:r>
-            <a:endParaRPr lang="ko-KR" altLang="en-US" sz="4000" b="1" dirty="0">
-              <a:latin typeface="배달의민족 주아" panose="02020603020101020101" pitchFamily="18" charset="-127"/>
-              <a:ea typeface="배달의민족 주아" panose="02020603020101020101" pitchFamily="18" charset="-127"/>
-            </a:endParaRPr>
-          </a:p>
-        </p:txBody>
-      </p:sp>
-      <p:sp>
-        <p:nvSpPr>
-          <p:cNvPr id="19" name="직사각형 18">
-            <a:extLst>
-              <a:ext uri="{FF2B5EF4-FFF2-40B4-BE49-F238E27FC236}">
-                <a16:creationId xmlns:a16="http://schemas.microsoft.com/office/drawing/2014/main" id="{AB498B63-3B59-4563-AAEA-A95AF69653AE}"/>
-              </a:ext>
-            </a:extLst>
-          </p:cNvPr>
-          <p:cNvSpPr/>
-          <p:nvPr/>
-        </p:nvSpPr>
-        <p:spPr>
-          <a:xfrm>
-            <a:off x="3824381" y="4277233"/>
-            <a:ext cx="4543231" cy="707886"/>
-          </a:xfrm>
-          <a:prstGeom prst="rect">
-            <a:avLst/>
-          </a:prstGeom>
-        </p:spPr>
-        <p:txBody>
-          <a:bodyPr wrap="none">
-            <a:spAutoFit/>
-          </a:bodyPr>
-          <a:lstStyle/>
-          <a:p>
-            <a:r>
-              <a:rPr lang="ko-KR" altLang="en-US" sz="4000" b="1" dirty="0">
-                <a:latin typeface="배달의민족 주아" panose="02020603020101020101" pitchFamily="18" charset="-127"/>
-                <a:ea typeface="배달의민족 주아" panose="02020603020101020101" pitchFamily="18" charset="-127"/>
-              </a:rPr>
-              <a:t>클라이언트 </a:t>
-            </a:r>
-            <a:r>
-              <a:rPr lang="en-US" altLang="ko-KR" sz="4000" b="1" dirty="0">
-                <a:latin typeface="배달의민족 주아" panose="02020603020101020101" pitchFamily="18" charset="-127"/>
-                <a:ea typeface="배달의민족 주아" panose="02020603020101020101" pitchFamily="18" charset="-127"/>
-              </a:rPr>
-              <a:t>- </a:t>
-            </a:r>
-            <a:r>
-              <a:rPr lang="ko-KR" altLang="en-US" sz="4000" b="1" dirty="0">
-                <a:latin typeface="배달의민족 주아" panose="02020603020101020101" pitchFamily="18" charset="-127"/>
-                <a:ea typeface="배달의민족 주아" panose="02020603020101020101" pitchFamily="18" charset="-127"/>
-              </a:rPr>
-              <a:t>서버 모델</a:t>
             </a:r>
           </a:p>
         </p:txBody>
@@ -5000,6 +5015,11 @@
           <a:solidFill>
             <a:schemeClr val="tx1"/>
           </a:solidFill>
+          <a:ln>
+            <a:solidFill>
+              <a:schemeClr val="tx1"/>
+            </a:solidFill>
+          </a:ln>
         </p:spPr>
         <p:style>
           <a:lnRef idx="2">
@@ -5138,6 +5158,11 @@
           <a:solidFill>
             <a:schemeClr val="tx1"/>
           </a:solidFill>
+          <a:ln>
+            <a:solidFill>
+              <a:schemeClr val="tx1"/>
+            </a:solidFill>
+          </a:ln>
         </p:spPr>
         <p:style>
           <a:lnRef idx="2">
@@ -5480,6 +5505,11 @@
           <a:solidFill>
             <a:schemeClr val="tx1"/>
           </a:solidFill>
+          <a:ln>
+            <a:solidFill>
+              <a:schemeClr val="tx1"/>
+            </a:solidFill>
+          </a:ln>
         </p:spPr>
         <p:style>
           <a:lnRef idx="2">
@@ -5578,6 +5608,11 @@
           <a:solidFill>
             <a:schemeClr val="tx1"/>
           </a:solidFill>
+          <a:ln>
+            <a:solidFill>
+              <a:schemeClr val="tx1"/>
+            </a:solidFill>
+          </a:ln>
         </p:spPr>
         <p:style>
           <a:lnRef idx="2">
@@ -5800,10 +5835,77 @@
       </p:sp>
       <p:sp>
         <p:nvSpPr>
-          <p:cNvPr id="2" name="직사각형 1">
-            <a:extLst>
-              <a:ext uri="{FF2B5EF4-FFF2-40B4-BE49-F238E27FC236}">
-                <a16:creationId xmlns:a16="http://schemas.microsoft.com/office/drawing/2014/main" id="{54E2CD7B-74A6-44AA-A46D-C26DA263A8E7}"/>
+          <p:cNvPr id="4" name="직사각형 3">
+            <a:extLst>
+              <a:ext uri="{FF2B5EF4-FFF2-40B4-BE49-F238E27FC236}">
+                <a16:creationId xmlns:a16="http://schemas.microsoft.com/office/drawing/2014/main" id="{E4BA5263-7A0D-41E4-8F01-8B6A2B560693}"/>
+              </a:ext>
+            </a:extLst>
+          </p:cNvPr>
+          <p:cNvSpPr/>
+          <p:nvPr/>
+        </p:nvSpPr>
+        <p:spPr>
+          <a:xfrm>
+            <a:off x="3009257" y="2967335"/>
+            <a:ext cx="6173485" cy="923330"/>
+          </a:xfrm>
+          <a:prstGeom prst="rect">
+            <a:avLst/>
+          </a:prstGeom>
+        </p:spPr>
+        <p:txBody>
+          <a:bodyPr wrap="none">
+            <a:spAutoFit/>
+          </a:bodyPr>
+          <a:lstStyle/>
+          <a:p>
+            <a:r>
+              <a:rPr lang="ko-KR" altLang="en-US" sz="5400" dirty="0">
+                <a:solidFill>
+                  <a:schemeClr val="bg1"/>
+                </a:solidFill>
+                <a:latin typeface="배달의민족 주아" panose="02020603020101020101" pitchFamily="18" charset="-127"/>
+                <a:ea typeface="배달의민족 주아" panose="02020603020101020101" pitchFamily="18" charset="-127"/>
+              </a:rPr>
+              <a:t>그래서 얘가 대체 </a:t>
+            </a:r>
+            <a:r>
+              <a:rPr lang="ko-KR" altLang="en-US" sz="5400" dirty="0" err="1">
+                <a:solidFill>
+                  <a:schemeClr val="bg1"/>
+                </a:solidFill>
+                <a:latin typeface="배달의민족 주아" panose="02020603020101020101" pitchFamily="18" charset="-127"/>
+                <a:ea typeface="배달의민족 주아" panose="02020603020101020101" pitchFamily="18" charset="-127"/>
+              </a:rPr>
+              <a:t>뭔데</a:t>
+            </a:r>
+            <a:r>
+              <a:rPr lang="en-US" altLang="ko-KR" sz="5400" dirty="0">
+                <a:solidFill>
+                  <a:schemeClr val="bg1"/>
+                </a:solidFill>
+                <a:latin typeface="배달의민족 주아" panose="02020603020101020101" pitchFamily="18" charset="-127"/>
+                <a:ea typeface="배달의민족 주아" panose="02020603020101020101" pitchFamily="18" charset="-127"/>
+              </a:rPr>
+              <a:t>?</a:t>
+            </a:r>
+            <a:endParaRPr lang="ko-KR" altLang="en-US" sz="5400" dirty="0">
+              <a:solidFill>
+                <a:schemeClr val="bg1"/>
+              </a:solidFill>
+              <a:latin typeface="배달의민족 주아" panose="02020603020101020101" pitchFamily="18" charset="-127"/>
+              <a:ea typeface="배달의민족 주아" panose="02020603020101020101" pitchFamily="18" charset="-127"/>
+            </a:endParaRPr>
+          </a:p>
+        </p:txBody>
+      </p:sp>
+      <p:sp>
+        <p:nvSpPr>
+          <p:cNvPr id="6" name="직사각형 5">
+            <a:extLst>
+              <a:ext uri="{FF2B5EF4-FFF2-40B4-BE49-F238E27FC236}">
+                <a16:creationId xmlns:a16="http://schemas.microsoft.com/office/drawing/2014/main" id="{F91DC753-EC36-4048-A23C-C3E474F4B0A7}"/>
               </a:ext>
             </a:extLst>
           </p:cNvPr>
@@ -5821,6 +5923,11 @@
           <a:solidFill>
             <a:schemeClr val="tx1"/>
           </a:solidFill>
+          <a:ln>
+            <a:solidFill>
+              <a:schemeClr val="tx1"/>
+            </a:solidFill>
+          </a:ln>
         </p:spPr>
         <p:style>
           <a:lnRef idx="2">
@@ -5863,73 +5970,6 @@
               </a:rPr>
               <a:t>계층</a:t>
             </a:r>
-          </a:p>
-        </p:txBody>
-      </p:sp>
-      <p:sp>
-        <p:nvSpPr>
-          <p:cNvPr id="4" name="직사각형 3">
-            <a:extLst>
-              <a:ext uri="{FF2B5EF4-FFF2-40B4-BE49-F238E27FC236}">
-                <a16:creationId xmlns:a16="http://schemas.microsoft.com/office/drawing/2014/main" id="{E4BA5263-7A0D-41E4-8F01-8B6A2B560693}"/>
-              </a:ext>
-            </a:extLst>
-          </p:cNvPr>
-          <p:cNvSpPr/>
-          <p:nvPr/>
-        </p:nvSpPr>
-        <p:spPr>
-          <a:xfrm>
-            <a:off x="3009257" y="2967335"/>
-            <a:ext cx="6173485" cy="923330"/>
-          </a:xfrm>
-          <a:prstGeom prst="rect">
-            <a:avLst/>
-          </a:prstGeom>
-        </p:spPr>
-        <p:txBody>
-          <a:bodyPr wrap="none">
-            <a:spAutoFit/>
-          </a:bodyPr>
-          <a:lstStyle/>
-          <a:p>
-            <a:r>
-              <a:rPr lang="ko-KR" altLang="en-US" sz="5400" dirty="0">
-                <a:solidFill>
-                  <a:schemeClr val="bg1"/>
-                </a:solidFill>
-                <a:latin typeface="배달의민족 주아" panose="02020603020101020101" pitchFamily="18" charset="-127"/>
-                <a:ea typeface="배달의민족 주아" panose="02020603020101020101" pitchFamily="18" charset="-127"/>
-              </a:rPr>
-              <a:t>그래서 얘가 대체 </a:t>
-            </a:r>
-            <a:r>
-              <a:rPr lang="ko-KR" altLang="en-US" sz="5400" dirty="0" err="1">
-                <a:solidFill>
-                  <a:schemeClr val="bg1"/>
-                </a:solidFill>
-                <a:latin typeface="배달의민족 주아" panose="02020603020101020101" pitchFamily="18" charset="-127"/>
-                <a:ea typeface="배달의민족 주아" panose="02020603020101020101" pitchFamily="18" charset="-127"/>
-              </a:rPr>
-              <a:t>뭔데</a:t>
-            </a:r>
-            <a:r>
-              <a:rPr lang="en-US" altLang="ko-KR" sz="5400" dirty="0">
-                <a:solidFill>
-                  <a:schemeClr val="bg1"/>
-                </a:solidFill>
-                <a:latin typeface="배달의민족 주아" panose="02020603020101020101" pitchFamily="18" charset="-127"/>
-                <a:ea typeface="배달의민족 주아" panose="02020603020101020101" pitchFamily="18" charset="-127"/>
-              </a:rPr>
-              <a:t>?</a:t>
-            </a:r>
-            <a:endParaRPr lang="ko-KR" altLang="en-US" sz="5400" dirty="0">
-              <a:solidFill>
-                <a:schemeClr val="bg1"/>
-              </a:solidFill>
-              <a:latin typeface="배달의민족 주아" panose="02020603020101020101" pitchFamily="18" charset="-127"/>
-              <a:ea typeface="배달의민족 주아" panose="02020603020101020101" pitchFamily="18" charset="-127"/>
-            </a:endParaRPr>
           </a:p>
         </p:txBody>
       </p:sp>
@@ -6063,10 +6103,50 @@
       </p:sp>
       <p:sp>
         <p:nvSpPr>
-          <p:cNvPr id="2" name="직사각형 1">
-            <a:extLst>
-              <a:ext uri="{FF2B5EF4-FFF2-40B4-BE49-F238E27FC236}">
-                <a16:creationId xmlns:a16="http://schemas.microsoft.com/office/drawing/2014/main" id="{54E2CD7B-74A6-44AA-A46D-C26DA263A8E7}"/>
+          <p:cNvPr id="4" name="직사각형 3">
+            <a:extLst>
+              <a:ext uri="{FF2B5EF4-FFF2-40B4-BE49-F238E27FC236}">
+                <a16:creationId xmlns:a16="http://schemas.microsoft.com/office/drawing/2014/main" id="{E4BA5263-7A0D-41E4-8F01-8B6A2B560693}"/>
+              </a:ext>
+            </a:extLst>
+          </p:cNvPr>
+          <p:cNvSpPr/>
+          <p:nvPr/>
+        </p:nvSpPr>
+        <p:spPr>
+          <a:xfrm>
+            <a:off x="3607979" y="2967335"/>
+            <a:ext cx="4976042" cy="923330"/>
+          </a:xfrm>
+          <a:prstGeom prst="rect">
+            <a:avLst/>
+          </a:prstGeom>
+        </p:spPr>
+        <p:txBody>
+          <a:bodyPr wrap="none">
+            <a:spAutoFit/>
+          </a:bodyPr>
+          <a:lstStyle/>
+          <a:p>
+            <a:r>
+              <a:rPr lang="ko-KR" altLang="en-US" sz="5400" dirty="0">
+                <a:solidFill>
+                  <a:schemeClr val="bg1"/>
+                </a:solidFill>
+                <a:latin typeface="배달의민족 주아" panose="02020603020101020101" pitchFamily="18" charset="-127"/>
+                <a:ea typeface="배달의민족 주아" panose="02020603020101020101" pitchFamily="18" charset="-127"/>
+              </a:rPr>
+              <a:t>네트워크 통신 과정</a:t>
+            </a:r>
+          </a:p>
+        </p:txBody>
+      </p:sp>
+      <p:sp>
+        <p:nvSpPr>
+          <p:cNvPr id="6" name="직사각형 5">
+            <a:extLst>
+              <a:ext uri="{FF2B5EF4-FFF2-40B4-BE49-F238E27FC236}">
+                <a16:creationId xmlns:a16="http://schemas.microsoft.com/office/drawing/2014/main" id="{09F5DF99-B470-4EF5-B575-13512706F80E}"/>
               </a:ext>
             </a:extLst>
           </p:cNvPr>
@@ -6084,6 +6164,11 @@
           <a:solidFill>
             <a:schemeClr val="tx1"/>
           </a:solidFill>
+          <a:ln>
+            <a:solidFill>
+              <a:schemeClr val="tx1"/>
+            </a:solidFill>
+          </a:ln>
         </p:spPr>
         <p:style>
           <a:lnRef idx="2">
@@ -6125,46 +6210,6 @@
                 <a:ea typeface="태나다체 " panose="02000000000000000000" pitchFamily="2" charset="-127"/>
               </a:rPr>
               <a:t>계층</a:t>
-            </a:r>
-          </a:p>
-        </p:txBody>
-      </p:sp>
-      <p:sp>
-        <p:nvSpPr>
-          <p:cNvPr id="4" name="직사각형 3">
-            <a:extLst>
-              <a:ext uri="{FF2B5EF4-FFF2-40B4-BE49-F238E27FC236}">
-                <a16:creationId xmlns:a16="http://schemas.microsoft.com/office/drawing/2014/main" id="{E4BA5263-7A0D-41E4-8F01-8B6A2B560693}"/>
-              </a:ext>
-            </a:extLst>
-          </p:cNvPr>
-          <p:cNvSpPr/>
-          <p:nvPr/>
-        </p:nvSpPr>
-        <p:spPr>
-          <a:xfrm>
-            <a:off x="3607979" y="2967335"/>
-            <a:ext cx="4976042" cy="923330"/>
-          </a:xfrm>
-          <a:prstGeom prst="rect">
-            <a:avLst/>
-          </a:prstGeom>
-        </p:spPr>
-        <p:txBody>
-          <a:bodyPr wrap="none">
-            <a:spAutoFit/>
-          </a:bodyPr>
-          <a:lstStyle/>
-          <a:p>
-            <a:r>
-              <a:rPr lang="ko-KR" altLang="en-US" sz="5400" dirty="0">
-                <a:solidFill>
-                  <a:schemeClr val="bg1"/>
-                </a:solidFill>
-                <a:latin typeface="배달의민족 주아" panose="02020603020101020101" pitchFamily="18" charset="-127"/>
-                <a:ea typeface="배달의민족 주아" panose="02020603020101020101" pitchFamily="18" charset="-127"/>
-              </a:rPr>
-              <a:t>네트워크 통신 과정</a:t>
             </a:r>
           </a:p>
         </p:txBody>
@@ -6199,12 +6244,59 @@
           <a:chExt cx="0" cy="0"/>
         </a:xfrm>
       </p:grpSpPr>
-      <p:sp>
-        <p:nvSpPr>
-          <p:cNvPr id="2" name="직사각형 1">
-            <a:extLst>
-              <a:ext uri="{FF2B5EF4-FFF2-40B4-BE49-F238E27FC236}">
-                <a16:creationId xmlns:a16="http://schemas.microsoft.com/office/drawing/2014/main" id="{54E2CD7B-74A6-44AA-A46D-C26DA263A8E7}"/>
+      <p:pic>
+        <p:nvPicPr>
+          <p:cNvPr id="4098" name="Picture 2" descr="https://github.com/SEH00N/GameServer_Study/raw/main/ETC/NetworkCommunication2.png">
+            <a:extLst>
+              <a:ext uri="{FF2B5EF4-FFF2-40B4-BE49-F238E27FC236}">
+                <a16:creationId xmlns:a16="http://schemas.microsoft.com/office/drawing/2014/main" id="{1A548FD0-F608-4B9F-A907-D54503C3F3F5}"/>
+              </a:ext>
+            </a:extLst>
+          </p:cNvPr>
+          <p:cNvPicPr>
+            <a:picLocks noChangeAspect="1" noChangeArrowheads="1"/>
+          </p:cNvPicPr>
+          <p:nvPr/>
+        </p:nvPicPr>
+        <p:blipFill>
+          <a:blip r:embed="rId2">
+            <a:extLst>
+              <a:ext uri="{28A0092B-C50C-407E-A947-70E740481C1C}">
+                <a14:useLocalDpi xmlns:a14="http://schemas.microsoft.com/office/drawing/2010/main" val="0"/>
+              </a:ext>
+            </a:extLst>
+          </a:blip>
+          <a:srcRect/>
+          <a:stretch>
+            <a:fillRect/>
+          </a:stretch>
+        </p:blipFill>
+        <p:spPr bwMode="auto">
+          <a:xfrm>
+            <a:off x="3859314" y="719878"/>
+            <a:ext cx="8039461" cy="5464544"/>
+          </a:xfrm>
+          <a:prstGeom prst="rect">
+            <a:avLst/>
+          </a:prstGeom>
+          <a:noFill/>
+          <a:extLst>
+            <a:ext uri="{909E8E84-426E-40DD-AFC4-6F175D3DCCD1}">
+              <a14:hiddenFill xmlns:a14="http://schemas.microsoft.com/office/drawing/2010/main">
+                <a:solidFill>
+                  <a:srgbClr val="FFFFFF"/>
+                </a:solidFill>
+              </a14:hiddenFill>
+            </a:ext>
+          </a:extLst>
+        </p:spPr>
+      </p:pic>
+      <p:sp>
+        <p:nvSpPr>
+          <p:cNvPr id="4" name="직사각형 3">
+            <a:extLst>
+              <a:ext uri="{FF2B5EF4-FFF2-40B4-BE49-F238E27FC236}">
+                <a16:creationId xmlns:a16="http://schemas.microsoft.com/office/drawing/2014/main" id="{435B801A-A7F0-45F6-9950-9F4F5E9962FF}"/>
               </a:ext>
             </a:extLst>
           </p:cNvPr>
@@ -6222,6 +6314,11 @@
           <a:solidFill>
             <a:schemeClr val="tx1"/>
           </a:solidFill>
+          <a:ln>
+            <a:solidFill>
+              <a:schemeClr val="tx1"/>
+            </a:solidFill>
+          </a:ln>
         </p:spPr>
         <p:style>
           <a:lnRef idx="2">
@@ -6267,53 +6364,6 @@
           </a:p>
         </p:txBody>
       </p:sp>
-      <p:pic>
-        <p:nvPicPr>
-          <p:cNvPr id="4098" name="Picture 2" descr="https://github.com/SEH00N/GameServer_Study/raw/main/ETC/NetworkCommunication2.png">
-            <a:extLst>
-              <a:ext uri="{FF2B5EF4-FFF2-40B4-BE49-F238E27FC236}">
-                <a16:creationId xmlns:a16="http://schemas.microsoft.com/office/drawing/2014/main" id="{1A548FD0-F608-4B9F-A907-D54503C3F3F5}"/>
-              </a:ext>
-            </a:extLst>
-          </p:cNvPr>
-          <p:cNvPicPr>
-            <a:picLocks noChangeAspect="1" noChangeArrowheads="1"/>
-          </p:cNvPicPr>
-          <p:nvPr/>
-        </p:nvPicPr>
-        <p:blipFill>
-          <a:blip r:embed="rId2">
-            <a:extLst>
-              <a:ext uri="{28A0092B-C50C-407E-A947-70E740481C1C}">
-                <a14:useLocalDpi xmlns:a14="http://schemas.microsoft.com/office/drawing/2010/main" val="0"/>
-              </a:ext>
-            </a:extLst>
-          </a:blip>
-          <a:srcRect/>
-          <a:stretch>
-            <a:fillRect/>
-          </a:stretch>
-        </p:blipFill>
-        <p:spPr bwMode="auto">
-          <a:xfrm>
-            <a:off x="3859314" y="719878"/>
-            <a:ext cx="8039461" cy="5464544"/>
-          </a:xfrm>
-          <a:prstGeom prst="rect">
-            <a:avLst/>
-          </a:prstGeom>
-          <a:noFill/>
-          <a:extLst>
-            <a:ext uri="{909E8E84-426E-40DD-AFC4-6F175D3DCCD1}">
-              <a14:hiddenFill xmlns:a14="http://schemas.microsoft.com/office/drawing/2010/main">
-                <a:solidFill>
-                  <a:srgbClr val="FFFFFF"/>
-                </a:solidFill>
-              </a14:hiddenFill>
-            </a:ext>
-          </a:extLst>
-        </p:spPr>
-      </p:pic>
     </p:spTree>
     <p:extLst>
       <p:ext uri="{BB962C8B-B14F-4D97-AF65-F5344CB8AC3E}">
@@ -6367,6 +6417,11 @@
           <a:solidFill>
             <a:schemeClr val="tx1"/>
           </a:solidFill>
+          <a:ln>
+            <a:solidFill>
+              <a:schemeClr val="tx1"/>
+            </a:solidFill>
+          </a:ln>
         </p:spPr>
         <p:style>
           <a:lnRef idx="2">
@@ -6482,6 +6537,11 @@
           <a:solidFill>
             <a:schemeClr val="tx1"/>
           </a:solidFill>
+          <a:ln>
+            <a:solidFill>
+              <a:schemeClr val="tx1"/>
+            </a:solidFill>
+          </a:ln>
         </p:spPr>
         <p:style>
           <a:lnRef idx="2">
@@ -6577,6 +6637,11 @@
           <a:solidFill>
             <a:schemeClr val="tx1"/>
           </a:solidFill>
+          <a:ln>
+            <a:solidFill>
+              <a:schemeClr val="tx1"/>
+            </a:solidFill>
+          </a:ln>
         </p:spPr>
         <p:style>
           <a:lnRef idx="2">
@@ -6837,10 +6902,212 @@
       </p:sp>
       <p:sp>
         <p:nvSpPr>
-          <p:cNvPr id="2" name="직사각형 1">
-            <a:extLst>
-              <a:ext uri="{FF2B5EF4-FFF2-40B4-BE49-F238E27FC236}">
-                <a16:creationId xmlns:a16="http://schemas.microsoft.com/office/drawing/2014/main" id="{54E2CD7B-74A6-44AA-A46D-C26DA263A8E7}"/>
+          <p:cNvPr id="4" name="직사각형 3">
+            <a:extLst>
+              <a:ext uri="{FF2B5EF4-FFF2-40B4-BE49-F238E27FC236}">
+                <a16:creationId xmlns:a16="http://schemas.microsoft.com/office/drawing/2014/main" id="{0F920093-B5EB-482C-A0DF-470F7700C8D5}"/>
+              </a:ext>
+            </a:extLst>
+          </p:cNvPr>
+          <p:cNvSpPr/>
+          <p:nvPr/>
+        </p:nvSpPr>
+        <p:spPr>
+          <a:xfrm>
+            <a:off x="2618669" y="2767280"/>
+            <a:ext cx="6954661" cy="707886"/>
+          </a:xfrm>
+          <a:prstGeom prst="rect">
+            <a:avLst/>
+          </a:prstGeom>
+        </p:spPr>
+        <p:txBody>
+          <a:bodyPr wrap="none">
+            <a:spAutoFit/>
+          </a:bodyPr>
+          <a:lstStyle/>
+          <a:p>
+            <a:r>
+              <a:rPr lang="en-US" altLang="ko-KR" sz="4000" u="sng" dirty="0">
+                <a:latin typeface="배달의민족 주아" panose="02020603020101020101" pitchFamily="18" charset="-127"/>
+                <a:ea typeface="배달의민족 주아" panose="02020603020101020101" pitchFamily="18" charset="-127"/>
+              </a:rPr>
+              <a:t>T</a:t>
+            </a:r>
+            <a:r>
+              <a:rPr lang="en-US" altLang="ko-KR" sz="4000" dirty="0">
+                <a:latin typeface="배달의민족 주아" panose="02020603020101020101" pitchFamily="18" charset="-127"/>
+                <a:ea typeface="배달의민족 주아" panose="02020603020101020101" pitchFamily="18" charset="-127"/>
+              </a:rPr>
+              <a:t>ransmission </a:t>
+            </a:r>
+            <a:r>
+              <a:rPr lang="en-US" altLang="ko-KR" sz="4000" u="sng" dirty="0">
+                <a:latin typeface="배달의민족 주아" panose="02020603020101020101" pitchFamily="18" charset="-127"/>
+                <a:ea typeface="배달의민족 주아" panose="02020603020101020101" pitchFamily="18" charset="-127"/>
+              </a:rPr>
+              <a:t>C</a:t>
+            </a:r>
+            <a:r>
+              <a:rPr lang="en-US" altLang="ko-KR" sz="4000" dirty="0">
+                <a:latin typeface="배달의민족 주아" panose="02020603020101020101" pitchFamily="18" charset="-127"/>
+                <a:ea typeface="배달의민족 주아" panose="02020603020101020101" pitchFamily="18" charset="-127"/>
+              </a:rPr>
+              <a:t>ontrol </a:t>
+            </a:r>
+            <a:r>
+              <a:rPr lang="en-US" altLang="ko-KR" sz="4000" u="sng" dirty="0">
+                <a:latin typeface="배달의민족 주아" panose="02020603020101020101" pitchFamily="18" charset="-127"/>
+                <a:ea typeface="배달의민족 주아" panose="02020603020101020101" pitchFamily="18" charset="-127"/>
+              </a:rPr>
+              <a:t>P</a:t>
+            </a:r>
+            <a:r>
+              <a:rPr lang="en-US" altLang="ko-KR" sz="4000" dirty="0">
+                <a:latin typeface="배달의민족 주아" panose="02020603020101020101" pitchFamily="18" charset="-127"/>
+                <a:ea typeface="배달의민족 주아" panose="02020603020101020101" pitchFamily="18" charset="-127"/>
+              </a:rPr>
+              <a:t>rotocol</a:t>
+            </a:r>
+          </a:p>
+        </p:txBody>
+      </p:sp>
+      <p:sp>
+        <p:nvSpPr>
+          <p:cNvPr id="6" name="직사각형 5">
+            <a:extLst>
+              <a:ext uri="{FF2B5EF4-FFF2-40B4-BE49-F238E27FC236}">
+                <a16:creationId xmlns:a16="http://schemas.microsoft.com/office/drawing/2014/main" id="{1D85B040-3EDF-4D9F-A94E-75000DB8E3EA}"/>
+              </a:ext>
+            </a:extLst>
+          </p:cNvPr>
+          <p:cNvSpPr/>
+          <p:nvPr/>
+        </p:nvSpPr>
+        <p:spPr>
+          <a:xfrm>
+            <a:off x="4026265" y="3475166"/>
+            <a:ext cx="4139467" cy="707886"/>
+          </a:xfrm>
+          <a:prstGeom prst="rect">
+            <a:avLst/>
+          </a:prstGeom>
+        </p:spPr>
+        <p:txBody>
+          <a:bodyPr wrap="none">
+            <a:spAutoFit/>
+          </a:bodyPr>
+          <a:lstStyle/>
+          <a:p>
+            <a:pPr algn="ctr"/>
+            <a:r>
+              <a:rPr lang="en-US" altLang="ko-KR" sz="4000" u="sng" dirty="0">
+                <a:latin typeface="배달의민족 주아" panose="02020603020101020101" pitchFamily="18" charset="-127"/>
+                <a:ea typeface="배달의민족 주아" panose="02020603020101020101" pitchFamily="18" charset="-127"/>
+              </a:rPr>
+              <a:t>I</a:t>
+            </a:r>
+            <a:r>
+              <a:rPr lang="en-US" altLang="ko-KR" sz="4000" dirty="0">
+                <a:latin typeface="배달의민족 주아" panose="02020603020101020101" pitchFamily="18" charset="-127"/>
+                <a:ea typeface="배달의민족 주아" panose="02020603020101020101" pitchFamily="18" charset="-127"/>
+              </a:rPr>
+              <a:t>nternet </a:t>
+            </a:r>
+            <a:r>
+              <a:rPr lang="en-US" altLang="ko-KR" sz="4000" u="sng" dirty="0">
+                <a:latin typeface="배달의민족 주아" panose="02020603020101020101" pitchFamily="18" charset="-127"/>
+                <a:ea typeface="배달의민족 주아" panose="02020603020101020101" pitchFamily="18" charset="-127"/>
+              </a:rPr>
+              <a:t>P</a:t>
+            </a:r>
+            <a:r>
+              <a:rPr lang="en-US" altLang="ko-KR" sz="4000" dirty="0">
+                <a:latin typeface="배달의민족 주아" panose="02020603020101020101" pitchFamily="18" charset="-127"/>
+                <a:ea typeface="배달의민족 주아" panose="02020603020101020101" pitchFamily="18" charset="-127"/>
+              </a:rPr>
+              <a:t>rotocol</a:t>
+            </a:r>
+            <a:endParaRPr lang="ko-KR" altLang="en-US" sz="4000" dirty="0">
+              <a:latin typeface="배달의민족 주아" panose="02020603020101020101" pitchFamily="18" charset="-127"/>
+              <a:ea typeface="배달의민족 주아" panose="02020603020101020101" pitchFamily="18" charset="-127"/>
+            </a:endParaRPr>
+          </a:p>
+        </p:txBody>
+      </p:sp>
+      <p:sp>
+        <p:nvSpPr>
+          <p:cNvPr id="9" name="직사각형 8">
+            <a:extLst>
+              <a:ext uri="{FF2B5EF4-FFF2-40B4-BE49-F238E27FC236}">
+                <a16:creationId xmlns:a16="http://schemas.microsoft.com/office/drawing/2014/main" id="{D0DD8159-C15D-4594-87BF-2695ECA8C201}"/>
+              </a:ext>
+            </a:extLst>
+          </p:cNvPr>
+          <p:cNvSpPr/>
+          <p:nvPr/>
+        </p:nvSpPr>
+        <p:spPr>
+          <a:xfrm>
+            <a:off x="4241163" y="2967335"/>
+            <a:ext cx="3709670" cy="923330"/>
+          </a:xfrm>
+          <a:prstGeom prst="rect">
+            <a:avLst/>
+          </a:prstGeom>
+        </p:spPr>
+        <p:txBody>
+          <a:bodyPr wrap="none">
+            <a:spAutoFit/>
+          </a:bodyPr>
+          <a:lstStyle/>
+          <a:p>
+            <a:r>
+              <a:rPr lang="ko-KR" altLang="en-US" sz="5400" dirty="0">
+                <a:solidFill>
+                  <a:schemeClr val="bg1"/>
+                </a:solidFill>
+                <a:latin typeface="배달의민족 주아" panose="02020603020101020101" pitchFamily="18" charset="-127"/>
+                <a:ea typeface="배달의민족 주아" panose="02020603020101020101" pitchFamily="18" charset="-127"/>
+              </a:rPr>
+              <a:t>얘는 또 </a:t>
+            </a:r>
+            <a:r>
+              <a:rPr lang="ko-KR" altLang="en-US" sz="5400" dirty="0" err="1">
+                <a:solidFill>
+                  <a:schemeClr val="bg1"/>
+                </a:solidFill>
+                <a:latin typeface="배달의민족 주아" panose="02020603020101020101" pitchFamily="18" charset="-127"/>
+                <a:ea typeface="배달의민족 주아" panose="02020603020101020101" pitchFamily="18" charset="-127"/>
+              </a:rPr>
+              <a:t>뭔데</a:t>
+            </a:r>
+            <a:r>
+              <a:rPr lang="en-US" altLang="ko-KR" sz="5400" dirty="0">
+                <a:solidFill>
+                  <a:schemeClr val="bg1"/>
+                </a:solidFill>
+                <a:latin typeface="배달의민족 주아" panose="02020603020101020101" pitchFamily="18" charset="-127"/>
+                <a:ea typeface="배달의민족 주아" panose="02020603020101020101" pitchFamily="18" charset="-127"/>
+              </a:rPr>
+              <a:t>;;</a:t>
+            </a:r>
+            <a:endParaRPr lang="ko-KR" altLang="en-US" sz="5400" dirty="0">
+              <a:solidFill>
+                <a:schemeClr val="bg1"/>
+              </a:solidFill>
+              <a:latin typeface="배달의민족 주아" panose="02020603020101020101" pitchFamily="18" charset="-127"/>
+              <a:ea typeface="배달의민족 주아" panose="02020603020101020101" pitchFamily="18" charset="-127"/>
+            </a:endParaRPr>
+          </a:p>
+        </p:txBody>
+      </p:sp>
+      <p:sp>
+        <p:nvSpPr>
+          <p:cNvPr id="7" name="직사각형 6">
+            <a:extLst>
+              <a:ext uri="{FF2B5EF4-FFF2-40B4-BE49-F238E27FC236}">
+                <a16:creationId xmlns:a16="http://schemas.microsoft.com/office/drawing/2014/main" id="{AA32ECEC-EA54-43DA-9EC7-C4F10789C1AA}"/>
               </a:ext>
             </a:extLst>
           </p:cNvPr>
@@ -6858,6 +7125,11 @@
           <a:solidFill>
             <a:schemeClr val="tx1"/>
           </a:solidFill>
+          <a:ln>
+            <a:solidFill>
+              <a:schemeClr val="tx1"/>
+            </a:solidFill>
+          </a:ln>
         </p:spPr>
         <p:style>
           <a:lnRef idx="2">
@@ -6896,208 +7168,6 @@
               </a:solidFill>
               <a:latin typeface="태나다체 " panose="02000000000000000000" pitchFamily="2" charset="-127"/>
               <a:ea typeface="태나다체 " panose="02000000000000000000" pitchFamily="2" charset="-127"/>
-            </a:endParaRPr>
-          </a:p>
-        </p:txBody>
-      </p:sp>
-      <p:sp>
-        <p:nvSpPr>
-          <p:cNvPr id="4" name="직사각형 3">
-            <a:extLst>
-              <a:ext uri="{FF2B5EF4-FFF2-40B4-BE49-F238E27FC236}">
-                <a16:creationId xmlns:a16="http://schemas.microsoft.com/office/drawing/2014/main" id="{0F920093-B5EB-482C-A0DF-470F7700C8D5}"/>
-              </a:ext>
-            </a:extLst>
-          </p:cNvPr>
-          <p:cNvSpPr/>
-          <p:nvPr/>
-        </p:nvSpPr>
-        <p:spPr>
-          <a:xfrm>
-            <a:off x="2618669" y="2767280"/>
-            <a:ext cx="6954661" cy="707886"/>
-          </a:xfrm>
-          <a:prstGeom prst="rect">
-            <a:avLst/>
-          </a:prstGeom>
-        </p:spPr>
-        <p:txBody>
-          <a:bodyPr wrap="none">
-            <a:spAutoFit/>
-          </a:bodyPr>
-          <a:lstStyle/>
-          <a:p>
-            <a:r>
-              <a:rPr lang="en-US" altLang="ko-KR" sz="4000" u="sng" dirty="0">
-                <a:latin typeface="배달의민족 주아" panose="02020603020101020101" pitchFamily="18" charset="-127"/>
-                <a:ea typeface="배달의민족 주아" panose="02020603020101020101" pitchFamily="18" charset="-127"/>
-              </a:rPr>
-              <a:t>T</a:t>
-            </a:r>
-            <a:r>
-              <a:rPr lang="en-US" altLang="ko-KR" sz="4000" dirty="0">
-                <a:latin typeface="배달의민족 주아" panose="02020603020101020101" pitchFamily="18" charset="-127"/>
-                <a:ea typeface="배달의민족 주아" panose="02020603020101020101" pitchFamily="18" charset="-127"/>
-              </a:rPr>
-              <a:t>ransmission </a:t>
-            </a:r>
-            <a:r>
-              <a:rPr lang="en-US" altLang="ko-KR" sz="4000" u="sng" dirty="0">
-                <a:latin typeface="배달의민족 주아" panose="02020603020101020101" pitchFamily="18" charset="-127"/>
-                <a:ea typeface="배달의민족 주아" panose="02020603020101020101" pitchFamily="18" charset="-127"/>
-              </a:rPr>
-              <a:t>C</a:t>
-            </a:r>
-            <a:r>
-              <a:rPr lang="en-US" altLang="ko-KR" sz="4000" dirty="0">
-                <a:latin typeface="배달의민족 주아" panose="02020603020101020101" pitchFamily="18" charset="-127"/>
-                <a:ea typeface="배달의민족 주아" panose="02020603020101020101" pitchFamily="18" charset="-127"/>
-              </a:rPr>
-              <a:t>ontrol </a:t>
-            </a:r>
-            <a:r>
-              <a:rPr lang="en-US" altLang="ko-KR" sz="4000" u="sng" dirty="0">
-                <a:latin typeface="배달의민족 주아" panose="02020603020101020101" pitchFamily="18" charset="-127"/>
-                <a:ea typeface="배달의민족 주아" panose="02020603020101020101" pitchFamily="18" charset="-127"/>
-              </a:rPr>
-              <a:t>P</a:t>
-            </a:r>
-            <a:r>
-              <a:rPr lang="en-US" altLang="ko-KR" sz="4000" dirty="0">
-                <a:latin typeface="배달의민족 주아" panose="02020603020101020101" pitchFamily="18" charset="-127"/>
-                <a:ea typeface="배달의민족 주아" panose="02020603020101020101" pitchFamily="18" charset="-127"/>
-              </a:rPr>
-              <a:t>rotocol</a:t>
-            </a:r>
-          </a:p>
-        </p:txBody>
-      </p:sp>
-      <p:sp>
-        <p:nvSpPr>
-          <p:cNvPr id="6" name="직사각형 5">
-            <a:extLst>
-              <a:ext uri="{FF2B5EF4-FFF2-40B4-BE49-F238E27FC236}">
-                <a16:creationId xmlns:a16="http://schemas.microsoft.com/office/drawing/2014/main" id="{1D85B040-3EDF-4D9F-A94E-75000DB8E3EA}"/>
-              </a:ext>
-            </a:extLst>
-          </p:cNvPr>
-          <p:cNvSpPr/>
-          <p:nvPr/>
-        </p:nvSpPr>
-        <p:spPr>
-          <a:xfrm>
-            <a:off x="4026265" y="3475166"/>
-            <a:ext cx="4139467" cy="707886"/>
-          </a:xfrm>
-          <a:prstGeom prst="rect">
-            <a:avLst/>
-          </a:prstGeom>
-        </p:spPr>
-        <p:txBody>
-          <a:bodyPr wrap="none">
-            <a:spAutoFit/>
-          </a:bodyPr>
-          <a:lstStyle/>
-          <a:p>
-            <a:pPr algn="ctr"/>
-            <a:r>
-              <a:rPr lang="en-US" altLang="ko-KR" sz="4000" u="sng" dirty="0">
-                <a:latin typeface="배달의민족 주아" panose="02020603020101020101" pitchFamily="18" charset="-127"/>
-                <a:ea typeface="배달의민족 주아" panose="02020603020101020101" pitchFamily="18" charset="-127"/>
-              </a:rPr>
-              <a:t>I</a:t>
-            </a:r>
-            <a:r>
-              <a:rPr lang="en-US" altLang="ko-KR" sz="4000" dirty="0">
-                <a:latin typeface="배달의민족 주아" panose="02020603020101020101" pitchFamily="18" charset="-127"/>
-                <a:ea typeface="배달의민족 주아" panose="02020603020101020101" pitchFamily="18" charset="-127"/>
-              </a:rPr>
-              <a:t>nternet </a:t>
-            </a:r>
-            <a:r>
-              <a:rPr lang="en-US" altLang="ko-KR" sz="4000" u="sng" dirty="0">
-                <a:latin typeface="배달의민족 주아" panose="02020603020101020101" pitchFamily="18" charset="-127"/>
-                <a:ea typeface="배달의민족 주아" panose="02020603020101020101" pitchFamily="18" charset="-127"/>
-              </a:rPr>
-              <a:t>P</a:t>
-            </a:r>
-            <a:r>
-              <a:rPr lang="en-US" altLang="ko-KR" sz="4000" dirty="0">
-                <a:latin typeface="배달의민족 주아" panose="02020603020101020101" pitchFamily="18" charset="-127"/>
-                <a:ea typeface="배달의민족 주아" panose="02020603020101020101" pitchFamily="18" charset="-127"/>
-              </a:rPr>
-              <a:t>rotocol</a:t>
-            </a:r>
-            <a:endParaRPr lang="ko-KR" altLang="en-US" sz="4000" dirty="0">
-              <a:latin typeface="배달의민족 주아" panose="02020603020101020101" pitchFamily="18" charset="-127"/>
-              <a:ea typeface="배달의민족 주아" panose="02020603020101020101" pitchFamily="18" charset="-127"/>
-            </a:endParaRPr>
-          </a:p>
-        </p:txBody>
-      </p:sp>
-      <p:sp>
-        <p:nvSpPr>
-          <p:cNvPr id="9" name="직사각형 8">
-            <a:extLst>
-              <a:ext uri="{FF2B5EF4-FFF2-40B4-BE49-F238E27FC236}">
-                <a16:creationId xmlns:a16="http://schemas.microsoft.com/office/drawing/2014/main" id="{D0DD8159-C15D-4594-87BF-2695ECA8C201}"/>
-              </a:ext>
-            </a:extLst>
-          </p:cNvPr>
-          <p:cNvSpPr/>
-          <p:nvPr/>
-        </p:nvSpPr>
-        <p:spPr>
-          <a:xfrm>
-            <a:off x="4241163" y="2967335"/>
-            <a:ext cx="3709670" cy="923330"/>
-          </a:xfrm>
-          <a:prstGeom prst="rect">
-            <a:avLst/>
-          </a:prstGeom>
-        </p:spPr>
-        <p:txBody>
-          <a:bodyPr wrap="none">
-            <a:spAutoFit/>
-          </a:bodyPr>
-          <a:lstStyle/>
-          <a:p>
-            <a:r>
-              <a:rPr lang="ko-KR" altLang="en-US" sz="5400" dirty="0">
-                <a:solidFill>
-                  <a:schemeClr val="bg1"/>
-                </a:solidFill>
-                <a:latin typeface="배달의민족 주아" panose="02020603020101020101" pitchFamily="18" charset="-127"/>
-                <a:ea typeface="배달의민족 주아" panose="02020603020101020101" pitchFamily="18" charset="-127"/>
-              </a:rPr>
-              <a:t>얘는 또 </a:t>
-            </a:r>
-            <a:r>
-              <a:rPr lang="ko-KR" altLang="en-US" sz="5400" dirty="0" err="1">
-                <a:solidFill>
-                  <a:schemeClr val="bg1"/>
-                </a:solidFill>
-                <a:latin typeface="배달의민족 주아" panose="02020603020101020101" pitchFamily="18" charset="-127"/>
-                <a:ea typeface="배달의민족 주아" panose="02020603020101020101" pitchFamily="18" charset="-127"/>
-              </a:rPr>
-              <a:t>뭔데</a:t>
-            </a:r>
-            <a:r>
-              <a:rPr lang="en-US" altLang="ko-KR" sz="5400" dirty="0">
-                <a:solidFill>
-                  <a:schemeClr val="bg1"/>
-                </a:solidFill>
-                <a:latin typeface="배달의민족 주아" panose="02020603020101020101" pitchFamily="18" charset="-127"/>
-                <a:ea typeface="배달의민족 주아" panose="02020603020101020101" pitchFamily="18" charset="-127"/>
-              </a:rPr>
-              <a:t>;;</a:t>
-            </a:r>
-            <a:endParaRPr lang="ko-KR" altLang="en-US" sz="5400" dirty="0">
-              <a:solidFill>
-                <a:schemeClr val="bg1"/>
-              </a:solidFill>
-              <a:latin typeface="배달의민족 주아" panose="02020603020101020101" pitchFamily="18" charset="-127"/>
-              <a:ea typeface="배달의민족 주아" panose="02020603020101020101" pitchFamily="18" charset="-127"/>
             </a:endParaRPr>
           </a:p>
         </p:txBody>
@@ -7320,10 +7390,50 @@
       </p:sp>
       <p:sp>
         <p:nvSpPr>
-          <p:cNvPr id="2" name="직사각형 1">
-            <a:extLst>
-              <a:ext uri="{FF2B5EF4-FFF2-40B4-BE49-F238E27FC236}">
-                <a16:creationId xmlns:a16="http://schemas.microsoft.com/office/drawing/2014/main" id="{54E2CD7B-74A6-44AA-A46D-C26DA263A8E7}"/>
+          <p:cNvPr id="9" name="직사각형 8">
+            <a:extLst>
+              <a:ext uri="{FF2B5EF4-FFF2-40B4-BE49-F238E27FC236}">
+                <a16:creationId xmlns:a16="http://schemas.microsoft.com/office/drawing/2014/main" id="{D0DD8159-C15D-4594-87BF-2695ECA8C201}"/>
+              </a:ext>
+            </a:extLst>
+          </p:cNvPr>
+          <p:cNvSpPr/>
+          <p:nvPr/>
+        </p:nvSpPr>
+        <p:spPr>
+          <a:xfrm>
+            <a:off x="4889578" y="2967335"/>
+            <a:ext cx="2412840" cy="923330"/>
+          </a:xfrm>
+          <a:prstGeom prst="rect">
+            <a:avLst/>
+          </a:prstGeom>
+        </p:spPr>
+        <p:txBody>
+          <a:bodyPr wrap="none">
+            <a:spAutoFit/>
+          </a:bodyPr>
+          <a:lstStyle/>
+          <a:p>
+            <a:r>
+              <a:rPr lang="ko-KR" altLang="en-US" sz="5400" dirty="0">
+                <a:solidFill>
+                  <a:schemeClr val="bg1"/>
+                </a:solidFill>
+                <a:latin typeface="배달의민족 주아" panose="02020603020101020101" pitchFamily="18" charset="-127"/>
+                <a:ea typeface="배달의민족 주아" panose="02020603020101020101" pitchFamily="18" charset="-127"/>
+              </a:rPr>
+              <a:t>프로토콜</a:t>
+            </a:r>
+          </a:p>
+        </p:txBody>
+      </p:sp>
+      <p:sp>
+        <p:nvSpPr>
+          <p:cNvPr id="7" name="직사각형 6">
+            <a:extLst>
+              <a:ext uri="{FF2B5EF4-FFF2-40B4-BE49-F238E27FC236}">
+                <a16:creationId xmlns:a16="http://schemas.microsoft.com/office/drawing/2014/main" id="{A30AF393-0C72-4338-BF2D-8F65D6E91BD0}"/>
               </a:ext>
             </a:extLst>
           </p:cNvPr>
@@ -7341,6 +7451,11 @@
           <a:solidFill>
             <a:schemeClr val="tx1"/>
           </a:solidFill>
+          <a:ln>
+            <a:solidFill>
+              <a:schemeClr val="tx1"/>
+            </a:solidFill>
+          </a:ln>
         </p:spPr>
         <p:style>
           <a:lnRef idx="2">
@@ -7380,46 +7495,6 @@
               <a:latin typeface="태나다체 " panose="02000000000000000000" pitchFamily="2" charset="-127"/>
               <a:ea typeface="태나다체 " panose="02000000000000000000" pitchFamily="2" charset="-127"/>
             </a:endParaRPr>
-          </a:p>
-        </p:txBody>
-      </p:sp>
-      <p:sp>
-        <p:nvSpPr>
-          <p:cNvPr id="9" name="직사각형 8">
-            <a:extLst>
-              <a:ext uri="{FF2B5EF4-FFF2-40B4-BE49-F238E27FC236}">
-                <a16:creationId xmlns:a16="http://schemas.microsoft.com/office/drawing/2014/main" id="{D0DD8159-C15D-4594-87BF-2695ECA8C201}"/>
-              </a:ext>
-            </a:extLst>
-          </p:cNvPr>
-          <p:cNvSpPr/>
-          <p:nvPr/>
-        </p:nvSpPr>
-        <p:spPr>
-          <a:xfrm>
-            <a:off x="4889578" y="2967335"/>
-            <a:ext cx="2412840" cy="923330"/>
-          </a:xfrm>
-          <a:prstGeom prst="rect">
-            <a:avLst/>
-          </a:prstGeom>
-        </p:spPr>
-        <p:txBody>
-          <a:bodyPr wrap="none">
-            <a:spAutoFit/>
-          </a:bodyPr>
-          <a:lstStyle/>
-          <a:p>
-            <a:r>
-              <a:rPr lang="ko-KR" altLang="en-US" sz="5400" dirty="0">
-                <a:solidFill>
-                  <a:schemeClr val="bg1"/>
-                </a:solidFill>
-                <a:latin typeface="배달의민족 주아" panose="02020603020101020101" pitchFamily="18" charset="-127"/>
-                <a:ea typeface="배달의민족 주아" panose="02020603020101020101" pitchFamily="18" charset="-127"/>
-              </a:rPr>
-              <a:t>프로토콜</a:t>
-            </a:r>
           </a:p>
         </p:txBody>
       </p:sp>
@@ -7453,12 +7528,59 @@
           <a:chExt cx="0" cy="0"/>
         </a:xfrm>
       </p:grpSpPr>
-      <p:sp>
-        <p:nvSpPr>
-          <p:cNvPr id="2" name="직사각형 1">
-            <a:extLst>
-              <a:ext uri="{FF2B5EF4-FFF2-40B4-BE49-F238E27FC236}">
-                <a16:creationId xmlns:a16="http://schemas.microsoft.com/office/drawing/2014/main" id="{54E2CD7B-74A6-44AA-A46D-C26DA263A8E7}"/>
+      <p:pic>
+        <p:nvPicPr>
+          <p:cNvPr id="7170" name="Picture 2" descr="https://github.com/SEH00N/GameServer_Study/raw/main/ETC/TCP_IP.png">
+            <a:extLst>
+              <a:ext uri="{FF2B5EF4-FFF2-40B4-BE49-F238E27FC236}">
+                <a16:creationId xmlns:a16="http://schemas.microsoft.com/office/drawing/2014/main" id="{CC8BDC51-0B29-49BA-88D2-AD60CF6A280D}"/>
+              </a:ext>
+            </a:extLst>
+          </p:cNvPr>
+          <p:cNvPicPr>
+            <a:picLocks noChangeAspect="1" noChangeArrowheads="1"/>
+          </p:cNvPicPr>
+          <p:nvPr/>
+        </p:nvPicPr>
+        <p:blipFill>
+          <a:blip r:embed="rId2">
+            <a:extLst>
+              <a:ext uri="{28A0092B-C50C-407E-A947-70E740481C1C}">
+                <a14:useLocalDpi xmlns:a14="http://schemas.microsoft.com/office/drawing/2010/main" val="0"/>
+              </a:ext>
+            </a:extLst>
+          </a:blip>
+          <a:srcRect/>
+          <a:stretch>
+            <a:fillRect/>
+          </a:stretch>
+        </p:blipFill>
+        <p:spPr bwMode="auto">
+          <a:xfrm>
+            <a:off x="1385693" y="1887298"/>
+            <a:ext cx="9976424" cy="4282847"/>
+          </a:xfrm>
+          <a:prstGeom prst="rect">
+            <a:avLst/>
+          </a:prstGeom>
+          <a:noFill/>
+          <a:extLst>
+            <a:ext uri="{909E8E84-426E-40DD-AFC4-6F175D3DCCD1}">
+              <a14:hiddenFill xmlns:a14="http://schemas.microsoft.com/office/drawing/2010/main">
+                <a:solidFill>
+                  <a:srgbClr val="FFFFFF"/>
+                </a:solidFill>
+              </a14:hiddenFill>
+            </a:ext>
+          </a:extLst>
+        </p:spPr>
+      </p:pic>
+      <p:sp>
+        <p:nvSpPr>
+          <p:cNvPr id="4" name="직사각형 3">
+            <a:extLst>
+              <a:ext uri="{FF2B5EF4-FFF2-40B4-BE49-F238E27FC236}">
+                <a16:creationId xmlns:a16="http://schemas.microsoft.com/office/drawing/2014/main" id="{C22E1151-6D9C-4EC5-95B9-272F68875843}"/>
               </a:ext>
             </a:extLst>
           </p:cNvPr>
@@ -7476,6 +7598,11 @@
           <a:solidFill>
             <a:schemeClr val="tx1"/>
           </a:solidFill>
+          <a:ln>
+            <a:solidFill>
+              <a:schemeClr val="tx1"/>
+            </a:solidFill>
+          </a:ln>
         </p:spPr>
         <p:style>
           <a:lnRef idx="2">
@@ -7518,53 +7645,6 @@
           </a:p>
         </p:txBody>
       </p:sp>
-      <p:pic>
-        <p:nvPicPr>
-          <p:cNvPr id="7170" name="Picture 2" descr="https://github.com/SEH00N/GameServer_Study/raw/main/ETC/TCP_IP.png">
-            <a:extLst>
-              <a:ext uri="{FF2B5EF4-FFF2-40B4-BE49-F238E27FC236}">
-                <a16:creationId xmlns:a16="http://schemas.microsoft.com/office/drawing/2014/main" id="{CC8BDC51-0B29-49BA-88D2-AD60CF6A280D}"/>
-              </a:ext>
-            </a:extLst>
-          </p:cNvPr>
-          <p:cNvPicPr>
-            <a:picLocks noChangeAspect="1" noChangeArrowheads="1"/>
-          </p:cNvPicPr>
-          <p:nvPr/>
-        </p:nvPicPr>
-        <p:blipFill>
-          <a:blip r:embed="rId2">
-            <a:extLst>
-              <a:ext uri="{28A0092B-C50C-407E-A947-70E740481C1C}">
-                <a14:useLocalDpi xmlns:a14="http://schemas.microsoft.com/office/drawing/2010/main" val="0"/>
-              </a:ext>
-            </a:extLst>
-          </a:blip>
-          <a:srcRect/>
-          <a:stretch>
-            <a:fillRect/>
-          </a:stretch>
-        </p:blipFill>
-        <p:spPr bwMode="auto">
-          <a:xfrm>
-            <a:off x="1385693" y="1887298"/>
-            <a:ext cx="9976424" cy="4282847"/>
-          </a:xfrm>
-          <a:prstGeom prst="rect">
-            <a:avLst/>
-          </a:prstGeom>
-          <a:noFill/>
-          <a:extLst>
-            <a:ext uri="{909E8E84-426E-40DD-AFC4-6F175D3DCCD1}">
-              <a14:hiddenFill xmlns:a14="http://schemas.microsoft.com/office/drawing/2010/main">
-                <a:solidFill>
-                  <a:srgbClr val="FFFFFF"/>
-                </a:solidFill>
-              </a14:hiddenFill>
-            </a:ext>
-          </a:extLst>
-        </p:spPr>
-      </p:pic>
     </p:spTree>
     <p:extLst>
       <p:ext uri="{BB962C8B-B14F-4D97-AF65-F5344CB8AC3E}">
@@ -7618,6 +7698,11 @@
           <a:solidFill>
             <a:schemeClr val="tx1"/>
           </a:solidFill>
+          <a:ln>
+            <a:solidFill>
+              <a:schemeClr val="tx1"/>
+            </a:solidFill>
+          </a:ln>
         </p:spPr>
         <p:style>
           <a:lnRef idx="2">
@@ -7706,6 +7791,11 @@
           <a:solidFill>
             <a:schemeClr val="tx1"/>
           </a:solidFill>
+          <a:ln>
+            <a:solidFill>
+              <a:schemeClr val="tx1"/>
+            </a:solidFill>
+          </a:ln>
         </p:spPr>
         <p:style>
           <a:lnRef idx="2">
@@ -7946,6 +8036,11 @@
           <a:solidFill>
             <a:schemeClr val="tx1"/>
           </a:solidFill>
+          <a:ln>
+            <a:solidFill>
+              <a:schemeClr val="tx1"/>
+            </a:solidFill>
+          </a:ln>
         </p:spPr>
         <p:style>
           <a:lnRef idx="2">
@@ -8167,6 +8262,11 @@
           <a:solidFill>
             <a:schemeClr val="tx1"/>
           </a:solidFill>
+          <a:ln>
+            <a:solidFill>
+              <a:schemeClr val="tx1"/>
+            </a:solidFill>
+          </a:ln>
         </p:spPr>
         <p:style>
           <a:lnRef idx="2">
@@ -8353,6 +8453,11 @@
           <a:solidFill>
             <a:schemeClr val="tx1"/>
           </a:solidFill>
+          <a:ln>
+            <a:solidFill>
+              <a:schemeClr val="tx1"/>
+            </a:solidFill>
+          </a:ln>
         </p:spPr>
         <p:style>
           <a:lnRef idx="2">
@@ -8502,6 +8607,11 @@
           <a:solidFill>
             <a:schemeClr val="tx1"/>
           </a:solidFill>
+          <a:ln>
+            <a:solidFill>
+              <a:schemeClr val="tx1"/>
+            </a:solidFill>
+          </a:ln>
         </p:spPr>
         <p:style>
           <a:lnRef idx="2">
@@ -8750,6 +8860,11 @@
           <a:solidFill>
             <a:schemeClr val="tx1"/>
           </a:solidFill>
+          <a:ln>
+            <a:solidFill>
+              <a:schemeClr val="tx1"/>
+            </a:solidFill>
+          </a:ln>
         </p:spPr>
         <p:style>
           <a:lnRef idx="2">
@@ -8964,6 +9079,11 @@
           <a:solidFill>
             <a:schemeClr val="tx1"/>
           </a:solidFill>
+          <a:ln>
+            <a:solidFill>
+              <a:schemeClr val="tx1"/>
+            </a:solidFill>
+          </a:ln>
         </p:spPr>
         <p:style>
           <a:lnRef idx="2">
@@ -9243,6 +9363,11 @@
           <a:solidFill>
             <a:schemeClr val="tx1"/>
           </a:solidFill>
+          <a:ln>
+            <a:solidFill>
+              <a:schemeClr val="tx1"/>
+            </a:solidFill>
+          </a:ln>
         </p:spPr>
         <p:style>
           <a:lnRef idx="2">
@@ -9593,6 +9718,11 @@
           <a:solidFill>
             <a:schemeClr val="tx1"/>
           </a:solidFill>
+          <a:ln>
+            <a:solidFill>
+              <a:schemeClr val="tx1"/>
+            </a:solidFill>
+          </a:ln>
         </p:spPr>
         <p:style>
           <a:lnRef idx="2">
@@ -10050,6 +10180,11 @@
           <a:solidFill>
             <a:schemeClr val="tx1"/>
           </a:solidFill>
+          <a:ln>
+            <a:solidFill>
+              <a:schemeClr val="tx1"/>
+            </a:solidFill>
+          </a:ln>
         </p:spPr>
         <p:style>
           <a:lnRef idx="2">
@@ -10379,6 +10514,11 @@
           <a:solidFill>
             <a:schemeClr val="tx1"/>
           </a:solidFill>
+          <a:ln>
+            <a:solidFill>
+              <a:schemeClr val="tx1"/>
+            </a:solidFill>
+          </a:ln>
         </p:spPr>
         <p:style>
           <a:lnRef idx="2">
@@ -10822,6 +10962,11 @@
           <a:solidFill>
             <a:schemeClr val="tx1"/>
           </a:solidFill>
+          <a:ln>
+            <a:solidFill>
+              <a:schemeClr val="tx1"/>
+            </a:solidFill>
+          </a:ln>
         </p:spPr>
         <p:style>
           <a:lnRef idx="2">
